--- a/EDA_ppt.pptx
+++ b/EDA_ppt.pptx
@@ -6,19 +6,22 @@
   </p:sldMasterIdLst>
   <p:sldIdLst>
     <p:sldId id="256" r:id="rId2"/>
-    <p:sldId id="273" r:id="rId3"/>
-    <p:sldId id="279" r:id="rId4"/>
-    <p:sldId id="272" r:id="rId5"/>
-    <p:sldId id="274" r:id="rId6"/>
-    <p:sldId id="280" r:id="rId7"/>
-    <p:sldId id="281" r:id="rId8"/>
-    <p:sldId id="264" r:id="rId9"/>
-    <p:sldId id="275" r:id="rId10"/>
-    <p:sldId id="284" r:id="rId11"/>
-    <p:sldId id="266" r:id="rId12"/>
-    <p:sldId id="276" r:id="rId13"/>
-    <p:sldId id="278" r:id="rId14"/>
-    <p:sldId id="261" r:id="rId15"/>
+    <p:sldId id="285" r:id="rId3"/>
+    <p:sldId id="273" r:id="rId4"/>
+    <p:sldId id="286" r:id="rId5"/>
+    <p:sldId id="279" r:id="rId6"/>
+    <p:sldId id="287" r:id="rId7"/>
+    <p:sldId id="272" r:id="rId8"/>
+    <p:sldId id="274" r:id="rId9"/>
+    <p:sldId id="280" r:id="rId10"/>
+    <p:sldId id="281" r:id="rId11"/>
+    <p:sldId id="264" r:id="rId12"/>
+    <p:sldId id="275" r:id="rId13"/>
+    <p:sldId id="284" r:id="rId14"/>
+    <p:sldId id="266" r:id="rId15"/>
+    <p:sldId id="276" r:id="rId16"/>
+    <p:sldId id="278" r:id="rId17"/>
+    <p:sldId id="261" r:id="rId18"/>
   </p:sldIdLst>
   <p:sldSz cx="12192000" cy="6858000"/>
   <p:notesSz cx="6858000" cy="9144000"/>
@@ -363,7 +366,7 @@
           <a:p>
             <a:fld id="{20BF058C-E0E0-426D-B64C-AACE5702917D}" type="datetimeFigureOut">
               <a:rPr lang="en-IN" smtClean="0"/>
-              <a:t>02-06-2022</a:t>
+              <a:t>03-06-2022</a:t>
             </a:fld>
             <a:endParaRPr lang="en-IN"/>
           </a:p>
@@ -571,7 +574,7 @@
           <a:p>
             <a:fld id="{20BF058C-E0E0-426D-B64C-AACE5702917D}" type="datetimeFigureOut">
               <a:rPr lang="en-IN" smtClean="0"/>
-              <a:t>02-06-2022</a:t>
+              <a:t>03-06-2022</a:t>
             </a:fld>
             <a:endParaRPr lang="en-IN"/>
           </a:p>
@@ -827,7 +830,7 @@
           <a:p>
             <a:fld id="{20BF058C-E0E0-426D-B64C-AACE5702917D}" type="datetimeFigureOut">
               <a:rPr lang="en-IN" smtClean="0"/>
-              <a:t>02-06-2022</a:t>
+              <a:t>03-06-2022</a:t>
             </a:fld>
             <a:endParaRPr lang="en-IN"/>
           </a:p>
@@ -1001,7 +1004,7 @@
           <a:p>
             <a:fld id="{20BF058C-E0E0-426D-B64C-AACE5702917D}" type="datetimeFigureOut">
               <a:rPr lang="en-IN" smtClean="0"/>
-              <a:t>02-06-2022</a:t>
+              <a:t>03-06-2022</a:t>
             </a:fld>
             <a:endParaRPr lang="en-IN"/>
           </a:p>
@@ -1344,7 +1347,7 @@
           <a:p>
             <a:fld id="{20BF058C-E0E0-426D-B64C-AACE5702917D}" type="datetimeFigureOut">
               <a:rPr lang="en-IN" smtClean="0"/>
-              <a:t>02-06-2022</a:t>
+              <a:t>03-06-2022</a:t>
             </a:fld>
             <a:endParaRPr lang="en-IN"/>
           </a:p>
@@ -1619,7 +1622,7 @@
           <a:p>
             <a:fld id="{20BF058C-E0E0-426D-B64C-AACE5702917D}" type="datetimeFigureOut">
               <a:rPr lang="en-IN" smtClean="0"/>
-              <a:t>02-06-2022</a:t>
+              <a:t>03-06-2022</a:t>
             </a:fld>
             <a:endParaRPr lang="en-IN"/>
           </a:p>
@@ -1998,7 +2001,7 @@
           <a:p>
             <a:fld id="{20BF058C-E0E0-426D-B64C-AACE5702917D}" type="datetimeFigureOut">
               <a:rPr lang="en-IN" smtClean="0"/>
-              <a:t>02-06-2022</a:t>
+              <a:t>03-06-2022</a:t>
             </a:fld>
             <a:endParaRPr lang="en-IN"/>
           </a:p>
@@ -2116,7 +2119,7 @@
           <a:p>
             <a:fld id="{20BF058C-E0E0-426D-B64C-AACE5702917D}" type="datetimeFigureOut">
               <a:rPr lang="en-IN" smtClean="0"/>
-              <a:t>02-06-2022</a:t>
+              <a:t>03-06-2022</a:t>
             </a:fld>
             <a:endParaRPr lang="en-IN"/>
           </a:p>
@@ -2287,7 +2290,7 @@
           <a:p>
             <a:fld id="{20BF058C-E0E0-426D-B64C-AACE5702917D}" type="datetimeFigureOut">
               <a:rPr lang="en-IN" smtClean="0"/>
-              <a:t>02-06-2022</a:t>
+              <a:t>03-06-2022</a:t>
             </a:fld>
             <a:endParaRPr lang="en-IN"/>
           </a:p>
@@ -2641,7 +2644,7 @@
           <a:p>
             <a:fld id="{20BF058C-E0E0-426D-B64C-AACE5702917D}" type="datetimeFigureOut">
               <a:rPr lang="en-IN" smtClean="0"/>
-              <a:t>02-06-2022</a:t>
+              <a:t>03-06-2022</a:t>
             </a:fld>
             <a:endParaRPr lang="en-IN"/>
           </a:p>
@@ -3023,7 +3026,7 @@
           <a:p>
             <a:fld id="{20BF058C-E0E0-426D-B64C-AACE5702917D}" type="datetimeFigureOut">
               <a:rPr lang="en-IN" smtClean="0"/>
-              <a:t>02-06-2022</a:t>
+              <a:t>03-06-2022</a:t>
             </a:fld>
             <a:endParaRPr lang="en-IN"/>
           </a:p>
@@ -3310,7 +3313,7 @@
           <a:p>
             <a:fld id="{20BF058C-E0E0-426D-B64C-AACE5702917D}" type="datetimeFigureOut">
               <a:rPr lang="en-IN" smtClean="0"/>
-              <a:t>02-06-2022</a:t>
+              <a:t>03-06-2022</a:t>
             </a:fld>
             <a:endParaRPr lang="en-IN"/>
           </a:p>
@@ -3862,7 +3865,7 @@
           </a:bodyPr>
           <a:lstStyle/>
           <a:p>
-            <a:pPr algn="r"/>
+            <a:pPr algn="ctr"/>
             <a:r>
               <a:rPr lang="en-IN" sz="1800" dirty="0">
                 <a:solidFill>
@@ -3871,14 +3874,14 @@
                     <a:lumOff val="5000"/>
                   </a:schemeClr>
                 </a:solidFill>
-                <a:latin typeface="+mn-lt"/>
+                <a:latin typeface="Times New Roman" panose="02020603050405020304" pitchFamily="18" charset="0"/>
                 <a:cs typeface="Times New Roman" panose="02020603050405020304" pitchFamily="18" charset="0"/>
               </a:rPr>
               <a:t>Group no: 9</a:t>
             </a:r>
           </a:p>
           <a:p>
-            <a:pPr algn="r"/>
+            <a:pPr algn="just"/>
             <a:r>
               <a:rPr lang="en-IN" sz="1800" dirty="0">
                 <a:solidFill>
@@ -3887,14 +3890,14 @@
                     <a:lumOff val="5000"/>
                   </a:schemeClr>
                 </a:solidFill>
-                <a:latin typeface="+mn-lt"/>
-                <a:cs typeface="Times New Roman" panose="02020603050405020304" pitchFamily="18" charset="0"/>
-              </a:rPr>
-              <a:t>ANIKET AMBEKAR (144)</a:t>
-            </a:r>
-          </a:p>
-          <a:p>
-            <a:pPr algn="r"/>
+                <a:latin typeface="Times New Roman" panose="02020603050405020304" pitchFamily="18" charset="0"/>
+                <a:cs typeface="Times New Roman" panose="02020603050405020304" pitchFamily="18" charset="0"/>
+              </a:rPr>
+              <a:t>ANIKET AMBEKAR                     01fe20bcs044                              144</a:t>
+            </a:r>
+          </a:p>
+          <a:p>
+            <a:pPr algn="just"/>
             <a:r>
               <a:rPr lang="en-IN" sz="1800" dirty="0">
                 <a:solidFill>
@@ -3903,14 +3906,14 @@
                     <a:lumOff val="5000"/>
                   </a:schemeClr>
                 </a:solidFill>
-                <a:latin typeface="+mn-lt"/>
-                <a:cs typeface="Times New Roman" panose="02020603050405020304" pitchFamily="18" charset="0"/>
-              </a:rPr>
-              <a:t>YAJAS MENON (148)</a:t>
-            </a:r>
-          </a:p>
-          <a:p>
-            <a:pPr algn="r"/>
+                <a:latin typeface="Times New Roman" panose="02020603050405020304" pitchFamily="18" charset="0"/>
+                <a:cs typeface="Times New Roman" panose="02020603050405020304" pitchFamily="18" charset="0"/>
+              </a:rPr>
+              <a:t>YAJAS MENON                            01fe20bcs048                              148</a:t>
+            </a:r>
+          </a:p>
+          <a:p>
+            <a:pPr algn="just"/>
             <a:r>
               <a:rPr lang="en-IN" sz="1800" dirty="0">
                 <a:solidFill>
@@ -3919,14 +3922,14 @@
                     <a:lumOff val="5000"/>
                   </a:schemeClr>
                 </a:solidFill>
-                <a:latin typeface="+mn-lt"/>
-                <a:cs typeface="Times New Roman" panose="02020603050405020304" pitchFamily="18" charset="0"/>
-              </a:rPr>
-              <a:t>Karthik Hiremath (154)</a:t>
-            </a:r>
-          </a:p>
-          <a:p>
-            <a:pPr algn="r"/>
+                <a:latin typeface="Times New Roman" panose="02020603050405020304" pitchFamily="18" charset="0"/>
+                <a:cs typeface="Times New Roman" panose="02020603050405020304" pitchFamily="18" charset="0"/>
+              </a:rPr>
+              <a:t>Karthik Hiremath                  01fe20bcs055                              154</a:t>
+            </a:r>
+          </a:p>
+          <a:p>
+            <a:pPr algn="just"/>
             <a:r>
               <a:rPr lang="en-IN" sz="1800" dirty="0">
                 <a:solidFill>
@@ -3935,10 +3938,10 @@
                     <a:lumOff val="5000"/>
                   </a:schemeClr>
                 </a:solidFill>
-                <a:latin typeface="+mn-lt"/>
-                <a:cs typeface="Times New Roman" panose="02020603050405020304" pitchFamily="18" charset="0"/>
-              </a:rPr>
-              <a:t>Sangamesh mainale (159)</a:t>
+                <a:latin typeface="Times New Roman" panose="02020603050405020304" pitchFamily="18" charset="0"/>
+                <a:cs typeface="Times New Roman" panose="02020603050405020304" pitchFamily="18" charset="0"/>
+              </a:rPr>
+              <a:t>Sangamesh Mainale              01fe20bcs060                              159</a:t>
             </a:r>
           </a:p>
         </p:txBody>
@@ -3993,8 +3996,8 @@
         </p:nvSpPr>
         <p:spPr>
           <a:xfrm>
-            <a:off x="1636449" y="1289652"/>
-            <a:ext cx="8919099" cy="1200329"/>
+            <a:off x="457201" y="1289652"/>
+            <a:ext cx="10893668" cy="1754326"/>
           </a:xfrm>
           <a:prstGeom prst="rect">
             <a:avLst/>
@@ -4009,15 +4012,28 @@
           <a:p>
             <a:pPr algn="ctr"/>
             <a:r>
-              <a:rPr lang="en-IN" sz="3600" dirty="0"/>
-              <a:t>Course Title: Exploratory Data Analysis</a:t>
+              <a:rPr lang="en-IN" sz="3600" dirty="0">
+                <a:latin typeface="Times New Roman" panose="02020603050405020304" pitchFamily="18" charset="0"/>
+                <a:cs typeface="Times New Roman" panose="02020603050405020304" pitchFamily="18" charset="0"/>
+              </a:rPr>
+              <a:t>COURSE TITLE: EXPLORATORY DATA ANALYSIS</a:t>
             </a:r>
           </a:p>
           <a:p>
             <a:pPr algn="ctr"/>
-            <a:r>
-              <a:rPr lang="en-IN" sz="3600" dirty="0"/>
-              <a:t>Course Code: </a:t>
+            <a:endParaRPr lang="en-IN" sz="3600" dirty="0">
+              <a:latin typeface="Times New Roman" panose="02020603050405020304" pitchFamily="18" charset="0"/>
+              <a:cs typeface="Times New Roman" panose="02020603050405020304" pitchFamily="18" charset="0"/>
+            </a:endParaRPr>
+          </a:p>
+          <a:p>
+            <a:pPr algn="ctr"/>
+            <a:r>
+              <a:rPr lang="en-IN" sz="3600" dirty="0">
+                <a:latin typeface="Times New Roman" panose="02020603050405020304" pitchFamily="18" charset="0"/>
+                <a:cs typeface="Times New Roman" panose="02020603050405020304" pitchFamily="18" charset="0"/>
+              </a:rPr>
+              <a:t>COURSE CODE: </a:t>
             </a:r>
             <a:r>
               <a:rPr lang="en-US" sz="3600" i="0" dirty="0">
@@ -4025,12 +4041,14 @@
                   <a:srgbClr val="212529"/>
                 </a:solidFill>
                 <a:effectLst/>
-                <a:latin typeface="Calibri body"/>
+                <a:latin typeface="Times New Roman" panose="02020603050405020304" pitchFamily="18" charset="0"/>
+                <a:cs typeface="Times New Roman" panose="02020603050405020304" pitchFamily="18" charset="0"/>
               </a:rPr>
               <a:t>21ECSC210</a:t>
             </a:r>
             <a:endParaRPr lang="en-IN" sz="3600" dirty="0">
-              <a:latin typeface="Calibri body"/>
+              <a:latin typeface="Times New Roman" panose="02020603050405020304" pitchFamily="18" charset="0"/>
+              <a:cs typeface="Times New Roman" panose="02020603050405020304" pitchFamily="18" charset="0"/>
             </a:endParaRPr>
           </a:p>
         </p:txBody>
@@ -4049,8 +4067,8 @@
         </p:nvSpPr>
         <p:spPr>
           <a:xfrm>
-            <a:off x="1636448" y="2604922"/>
-            <a:ext cx="8919099" cy="2251899"/>
+            <a:off x="775006" y="3205361"/>
+            <a:ext cx="10893668" cy="678327"/>
           </a:xfrm>
           <a:prstGeom prst="rect">
             <a:avLst/>
@@ -4075,86 +4093,47 @@
               </a:tabLst>
             </a:pPr>
             <a:r>
-              <a:rPr lang="en-IN" sz="4000" dirty="0">
-                <a:latin typeface="+mj-lt"/>
-              </a:rPr>
-              <a:t>Project Title: </a:t>
-            </a:r>
-            <a:r>
-              <a:rPr lang="en-US" sz="4000" dirty="0">
+              <a:rPr lang="en-IN" sz="3600" dirty="0">
+                <a:latin typeface="Times New Roman" panose="02020603050405020304" pitchFamily="18" charset="0"/>
+                <a:cs typeface="Times New Roman" panose="02020603050405020304" pitchFamily="18" charset="0"/>
+              </a:rPr>
+              <a:t>PROJECT TITLE: </a:t>
+            </a:r>
+            <a:r>
+              <a:rPr lang="en-US" sz="3600" dirty="0">
                 <a:effectLst/>
-                <a:latin typeface="+mj-lt"/>
+                <a:latin typeface="Times New Roman" panose="02020603050405020304" pitchFamily="18" charset="0"/>
                 <a:ea typeface="Calibri" panose="020F0502020204030204" pitchFamily="34" charset="0"/>
                 <a:cs typeface="Times New Roman" panose="02020603050405020304" pitchFamily="18" charset="0"/>
               </a:rPr>
-              <a:t>EXPLORATORY DATA  ANALYSIS</a:t>
-            </a:r>
-            <a:r>
-              <a:rPr lang="en-IN" sz="4000" dirty="0">
-                <a:latin typeface="+mj-lt"/>
+              <a:t>ANALYSIS</a:t>
+            </a:r>
+            <a:r>
+              <a:rPr lang="en-IN" sz="3600" dirty="0">
+                <a:latin typeface="Times New Roman" panose="02020603050405020304" pitchFamily="18" charset="0"/>
                 <a:ea typeface="Calibri" panose="020F0502020204030204" pitchFamily="34" charset="0"/>
                 <a:cs typeface="Times New Roman" panose="02020603050405020304" pitchFamily="18" charset="0"/>
               </a:rPr>
               <a:t> </a:t>
             </a:r>
             <a:r>
-              <a:rPr lang="en-US" sz="4000" dirty="0">
+              <a:rPr lang="en-US" sz="3600" dirty="0">
                 <a:effectLst/>
-                <a:latin typeface="+mj-lt"/>
+                <a:latin typeface="Times New Roman" panose="02020603050405020304" pitchFamily="18" charset="0"/>
                 <a:ea typeface="Calibri" panose="020F0502020204030204" pitchFamily="34" charset="0"/>
                 <a:cs typeface="Times New Roman" panose="02020603050405020304" pitchFamily="18" charset="0"/>
               </a:rPr>
               <a:t>ON OTT PLATFORMS</a:t>
             </a:r>
-            <a:endParaRPr lang="en-IN" sz="4000" dirty="0">
+            <a:endParaRPr lang="en-IN" sz="3600" dirty="0">
               <a:effectLst/>
-              <a:latin typeface="+mj-lt"/>
+              <a:latin typeface="Times New Roman" panose="02020603050405020304" pitchFamily="18" charset="0"/>
               <a:ea typeface="Calibri" panose="020F0502020204030204" pitchFamily="34" charset="0"/>
               <a:cs typeface="Times New Roman" panose="02020603050405020304" pitchFamily="18" charset="0"/>
             </a:endParaRPr>
           </a:p>
-          <a:p>
-            <a:pPr algn="ctr"/>
-            <a:endParaRPr lang="en-IN" sz="4000" dirty="0"/>
-          </a:p>
-        </p:txBody>
-      </p:sp>
-      <p:pic>
-        <p:nvPicPr>
-          <p:cNvPr id="8" name="Picture 7">
-            <a:extLst>
-              <a:ext uri="{FF2B5EF4-FFF2-40B4-BE49-F238E27FC236}">
-                <a16:creationId xmlns:a16="http://schemas.microsoft.com/office/drawing/2014/main" id="{C6BFE2E3-1092-E5AB-0FDD-4FAA20DF0D49}"/>
-              </a:ext>
-            </a:extLst>
-          </p:cNvPr>
-          <p:cNvPicPr>
-            <a:picLocks noChangeAspect="1"/>
-          </p:cNvPicPr>
-          <p:nvPr/>
-        </p:nvPicPr>
-        <p:blipFill>
-          <a:blip r:embed="rId3">
-            <a:extLst>
-              <a:ext uri="{28A0092B-C50C-407E-A947-70E740481C1C}">
-                <a14:useLocalDpi xmlns:a14="http://schemas.microsoft.com/office/drawing/2010/main" val="0"/>
-              </a:ext>
-            </a:extLst>
-          </a:blip>
-          <a:stretch>
-            <a:fillRect/>
-          </a:stretch>
-        </p:blipFill>
-        <p:spPr>
-          <a:xfrm>
-            <a:off x="1308033" y="4561008"/>
-            <a:ext cx="3360220" cy="1751016"/>
-          </a:xfrm>
-          <a:prstGeom prst="rect">
-            <a:avLst/>
-          </a:prstGeom>
-        </p:spPr>
-      </p:pic>
+        </p:txBody>
+      </p:sp>
     </p:spTree>
     <p:extLst>
       <p:ext uri="{BB962C8B-B14F-4D97-AF65-F5344CB8AC3E}">
@@ -4190,7 +4169,7 @@
           <p:cNvPr id="2" name="TextBox 1">
             <a:extLst>
               <a:ext uri="{FF2B5EF4-FFF2-40B4-BE49-F238E27FC236}">
-                <a16:creationId xmlns:a16="http://schemas.microsoft.com/office/drawing/2014/main" id="{CE4620FD-B5BA-BE22-6A0E-1FCF39262E15}"/>
+                <a16:creationId xmlns:a16="http://schemas.microsoft.com/office/drawing/2014/main" id="{F2CC52EF-A009-7E50-2711-E528B8794B10}"/>
               </a:ext>
             </a:extLst>
           </p:cNvPr>
@@ -4200,7 +4179,7 @@
         <p:spPr>
           <a:xfrm>
             <a:off x="0" y="0"/>
-            <a:ext cx="12079705" cy="3018903"/>
+            <a:ext cx="12079705" cy="4540730"/>
           </a:xfrm>
           <a:prstGeom prst="rect">
             <a:avLst/>
@@ -4222,17 +4201,17 @@
               </a:spcAft>
             </a:pPr>
             <a:r>
-              <a:rPr lang="en-US" sz="3200" b="1" dirty="0">
+              <a:rPr lang="en-US" sz="2400" b="1" dirty="0">
                 <a:effectLst/>
-                <a:latin typeface="Calibri body"/>
+                <a:latin typeface="Times New Roman" panose="02020603050405020304" pitchFamily="18" charset="0"/>
                 <a:ea typeface="Calibri" panose="020F0502020204030204" pitchFamily="34" charset="0"/>
                 <a:cs typeface="Times New Roman" panose="02020603050405020304" pitchFamily="18" charset="0"/>
               </a:rPr>
               <a:t>Inference:</a:t>
             </a:r>
-            <a:endParaRPr lang="en-IN" sz="3200" dirty="0">
+            <a:endParaRPr lang="en-IN" sz="2400" dirty="0">
               <a:effectLst/>
-              <a:latin typeface="Calibri body"/>
+              <a:latin typeface="Times New Roman" panose="02020603050405020304" pitchFamily="18" charset="0"/>
               <a:ea typeface="Calibri" panose="020F0502020204030204" pitchFamily="34" charset="0"/>
               <a:cs typeface="Times New Roman" panose="02020603050405020304" pitchFamily="18" charset="0"/>
             </a:endParaRPr>
@@ -4246,17 +4225,65 @@
               <a:buChar char=""/>
             </a:pPr>
             <a:r>
-              <a:rPr lang="en-US" sz="3200" dirty="0">
+              <a:rPr lang="en-US" sz="2400" dirty="0">
                 <a:effectLst/>
-                <a:latin typeface="Calibri body"/>
+                <a:latin typeface="Times New Roman" panose="02020603050405020304" pitchFamily="18" charset="0"/>
                 <a:ea typeface="Calibri" panose="020F0502020204030204" pitchFamily="34" charset="0"/>
                 <a:cs typeface="Times New Roman" panose="02020603050405020304" pitchFamily="18" charset="0"/>
               </a:rPr>
-              <a:t>Figure 3.1 shows the number of movies and tv shows present in each OTT platform in the year 2020.</a:t>
-            </a:r>
-            <a:endParaRPr lang="en-IN" sz="3200" dirty="0">
+              <a:t>Figure 1a says that Netflix in the year 2020 content decreased because of lack of new movies and tv shows. </a:t>
+            </a:r>
+            <a:endParaRPr lang="en-IN" sz="2400" dirty="0">
               <a:effectLst/>
-              <a:latin typeface="Calibri body"/>
+              <a:latin typeface="Times New Roman" panose="02020603050405020304" pitchFamily="18" charset="0"/>
+              <a:ea typeface="Calibri" panose="020F0502020204030204" pitchFamily="34" charset="0"/>
+              <a:cs typeface="Times New Roman" panose="02020603050405020304" pitchFamily="18" charset="0"/>
+            </a:endParaRPr>
+          </a:p>
+          <a:p>
+            <a:pPr marL="342900" lvl="0" indent="-342900">
+              <a:lnSpc>
+                <a:spcPct val="115000"/>
+              </a:lnSpc>
+              <a:buFont typeface="Symbol" panose="05050102010706020507" pitchFamily="18" charset="2"/>
+              <a:buChar char=""/>
+            </a:pPr>
+            <a:r>
+              <a:rPr lang="en-US" sz="2400" dirty="0">
+                <a:effectLst/>
+                <a:latin typeface="Times New Roman" panose="02020603050405020304" pitchFamily="18" charset="0"/>
+                <a:ea typeface="Calibri" panose="020F0502020204030204" pitchFamily="34" charset="0"/>
+                <a:cs typeface="Times New Roman" panose="02020603050405020304" pitchFamily="18" charset="0"/>
+              </a:rPr>
+              <a:t>Figure 1b says Amazon prime in the year 2020 content got increased as they added existing movies and tv shows.</a:t>
+            </a:r>
+            <a:endParaRPr lang="en-IN" sz="2400" dirty="0">
+              <a:effectLst/>
+              <a:latin typeface="Times New Roman" panose="02020603050405020304" pitchFamily="18" charset="0"/>
+              <a:ea typeface="Calibri" panose="020F0502020204030204" pitchFamily="34" charset="0"/>
+              <a:cs typeface="Times New Roman" panose="02020603050405020304" pitchFamily="18" charset="0"/>
+            </a:endParaRPr>
+          </a:p>
+          <a:p>
+            <a:pPr marL="342900" lvl="0" indent="-342900">
+              <a:lnSpc>
+                <a:spcPct val="115000"/>
+              </a:lnSpc>
+              <a:buFont typeface="Symbol" panose="05050102010706020507" pitchFamily="18" charset="2"/>
+              <a:buChar char=""/>
+            </a:pPr>
+            <a:r>
+              <a:rPr lang="en-US" sz="2400" dirty="0">
+                <a:effectLst/>
+                <a:latin typeface="Times New Roman" panose="02020603050405020304" pitchFamily="18" charset="0"/>
+                <a:ea typeface="Calibri" panose="020F0502020204030204" pitchFamily="34" charset="0"/>
+                <a:cs typeface="Times New Roman" panose="02020603050405020304" pitchFamily="18" charset="0"/>
+              </a:rPr>
+              <a:t>Figure 1c says that Hulu content in the year 2020 decreased because of lack of movies and tv shows.</a:t>
+            </a:r>
+            <a:endParaRPr lang="en-IN" sz="2400" dirty="0">
+              <a:effectLst/>
+              <a:latin typeface="Times New Roman" panose="02020603050405020304" pitchFamily="18" charset="0"/>
               <a:ea typeface="Calibri" panose="020F0502020204030204" pitchFamily="34" charset="0"/>
               <a:cs typeface="Times New Roman" panose="02020603050405020304" pitchFamily="18" charset="0"/>
             </a:endParaRPr>
@@ -4273,27 +4300,33 @@
               <a:buChar char=""/>
             </a:pPr>
             <a:r>
-              <a:rPr lang="en-US" sz="3200" dirty="0">
+              <a:rPr lang="en-US" sz="2400" dirty="0">
                 <a:effectLst/>
-                <a:latin typeface="Calibri body"/>
+                <a:latin typeface="Times New Roman" panose="02020603050405020304" pitchFamily="18" charset="0"/>
                 <a:ea typeface="Calibri" panose="020F0502020204030204" pitchFamily="34" charset="0"/>
                 <a:cs typeface="Times New Roman" panose="02020603050405020304" pitchFamily="18" charset="0"/>
               </a:rPr>
-              <a:t>Figure 3.2 shows the number of movies and tv shows present in each OTT platform in the year 2021.</a:t>
-            </a:r>
-            <a:endParaRPr lang="en-IN" sz="3200" dirty="0">
+              <a:t>Figure 1d says Disney + Hotstar in the year 2020 content got increased as they added existing movies and tv shows.</a:t>
+            </a:r>
+            <a:endParaRPr lang="en-IN" sz="2400" dirty="0">
               <a:effectLst/>
-              <a:latin typeface="Calibri body"/>
+              <a:latin typeface="Times New Roman" panose="02020603050405020304" pitchFamily="18" charset="0"/>
               <a:ea typeface="Calibri" panose="020F0502020204030204" pitchFamily="34" charset="0"/>
               <a:cs typeface="Times New Roman" panose="02020603050405020304" pitchFamily="18" charset="0"/>
             </a:endParaRPr>
           </a:p>
+          <a:p>
+            <a:endParaRPr lang="en-IN" sz="2400" dirty="0">
+              <a:latin typeface="Times New Roman" panose="02020603050405020304" pitchFamily="18" charset="0"/>
+              <a:cs typeface="Times New Roman" panose="02020603050405020304" pitchFamily="18" charset="0"/>
+            </a:endParaRPr>
+          </a:p>
         </p:txBody>
       </p:sp>
     </p:spTree>
     <p:extLst>
       <p:ext uri="{BB962C8B-B14F-4D97-AF65-F5344CB8AC3E}">
-        <p14:creationId xmlns:p14="http://schemas.microsoft.com/office/powerpoint/2010/main" val="2980772283"/>
+        <p14:creationId xmlns:p14="http://schemas.microsoft.com/office/powerpoint/2010/main" val="991132035"/>
       </p:ext>
     </p:extLst>
   </p:cSld>
@@ -4325,7 +4358,7 @@
           <p:cNvPr id="3" name="TextBox 2">
             <a:extLst>
               <a:ext uri="{FF2B5EF4-FFF2-40B4-BE49-F238E27FC236}">
-                <a16:creationId xmlns:a16="http://schemas.microsoft.com/office/drawing/2014/main" id="{ADFFB6AB-D791-D6A5-4E64-BF1B20FCDC85}"/>
+                <a16:creationId xmlns:a16="http://schemas.microsoft.com/office/drawing/2014/main" id="{542B093F-1325-AD08-88C6-A58B30945D3A}"/>
               </a:ext>
             </a:extLst>
           </p:cNvPr>
@@ -4349,2341 +4382,25 @@
           <a:lstStyle/>
           <a:p>
             <a:r>
-              <a:rPr lang="en-IN" sz="4000" dirty="0">
-                <a:latin typeface="Calibri body"/>
-              </a:rPr>
-              <a:t>4. </a:t>
-            </a:r>
-            <a:r>
               <a:rPr lang="en-US" sz="4000" dirty="0">
-                <a:latin typeface="Calibri body"/>
-                <a:cs typeface="Times New Roman" panose="02020603050405020304" pitchFamily="18" charset="0"/>
-              </a:rPr>
-              <a:t>I</a:t>
+                <a:latin typeface="Times New Roman" panose="02020603050405020304" pitchFamily="18" charset="0"/>
+                <a:cs typeface="Times New Roman" panose="02020603050405020304" pitchFamily="18" charset="0"/>
+              </a:rPr>
+              <a:t>2. </a:t>
             </a:r>
             <a:r>
               <a:rPr lang="en-US" sz="4000" dirty="0">
                 <a:effectLst/>
+                <a:latin typeface="Times New Roman" panose="02020603050405020304" pitchFamily="18" charset="0"/>
                 <a:ea typeface="Calibri" panose="020F0502020204030204" pitchFamily="34" charset="0"/>
                 <a:cs typeface="Times New Roman" panose="02020603050405020304" pitchFamily="18" charset="0"/>
               </a:rPr>
-              <a:t>mpact of COVID-19 on IMDb ratings</a:t>
-            </a:r>
-            <a:endParaRPr lang="en-IN" sz="4000" dirty="0"/>
-          </a:p>
-        </p:txBody>
-      </p:sp>
-      <p:pic>
-        <p:nvPicPr>
-          <p:cNvPr id="5" name="Picture 4">
-            <a:extLst>
-              <a:ext uri="{FF2B5EF4-FFF2-40B4-BE49-F238E27FC236}">
-                <a16:creationId xmlns:a16="http://schemas.microsoft.com/office/drawing/2014/main" id="{B5AE9E69-1B14-5888-2A8B-2BD249FAEB2E}"/>
-              </a:ext>
-            </a:extLst>
-          </p:cNvPr>
-          <p:cNvPicPr>
-            <a:picLocks noChangeAspect="1"/>
-          </p:cNvPicPr>
-          <p:nvPr/>
-        </p:nvPicPr>
-        <p:blipFill>
-          <a:blip r:embed="rId2">
-            <a:extLst>
-              <a:ext uri="{28A0092B-C50C-407E-A947-70E740481C1C}">
-                <a14:useLocalDpi xmlns:a14="http://schemas.microsoft.com/office/drawing/2010/main" val="0"/>
-              </a:ext>
-            </a:extLst>
-          </a:blip>
-          <a:stretch>
-            <a:fillRect/>
-          </a:stretch>
-        </p:blipFill>
-        <p:spPr>
-          <a:xfrm>
-            <a:off x="0" y="1212098"/>
-            <a:ext cx="6766560" cy="3984625"/>
-          </a:xfrm>
-          <a:prstGeom prst="rect">
-            <a:avLst/>
-          </a:prstGeom>
-        </p:spPr>
-      </p:pic>
-      <p:sp>
-        <p:nvSpPr>
-          <p:cNvPr id="7" name="TextBox 6">
-            <a:extLst>
-              <a:ext uri="{FF2B5EF4-FFF2-40B4-BE49-F238E27FC236}">
-                <a16:creationId xmlns:a16="http://schemas.microsoft.com/office/drawing/2014/main" id="{FF93B29E-AAA5-9722-6C5D-566611EA5F46}"/>
-              </a:ext>
-            </a:extLst>
-          </p:cNvPr>
-          <p:cNvSpPr txBox="1"/>
-          <p:nvPr/>
-        </p:nvSpPr>
-        <p:spPr>
-          <a:xfrm>
-            <a:off x="6914147" y="1090863"/>
-            <a:ext cx="4940969" cy="4155625"/>
-          </a:xfrm>
-          <a:prstGeom prst="rect">
-            <a:avLst/>
-          </a:prstGeom>
-          <a:noFill/>
-        </p:spPr>
-        <p:txBody>
-          <a:bodyPr wrap="square">
-            <a:spAutoFit/>
-          </a:bodyPr>
-          <a:lstStyle/>
-          <a:p>
-            <a:pPr>
-              <a:lnSpc>
-                <a:spcPct val="115000"/>
-              </a:lnSpc>
-              <a:spcAft>
-                <a:spcPts val="1000"/>
-              </a:spcAft>
-            </a:pPr>
-            <a:r>
-              <a:rPr lang="en-US" sz="2800" b="1" dirty="0">
-                <a:effectLst/>
-                <a:latin typeface="Calibri body"/>
-                <a:ea typeface="Calibri" panose="020F0502020204030204" pitchFamily="34" charset="0"/>
-                <a:cs typeface="Times New Roman" panose="02020603050405020304" pitchFamily="18" charset="0"/>
-              </a:rPr>
-              <a:t>Inference:</a:t>
-            </a:r>
-            <a:endParaRPr lang="en-IN" sz="2800" dirty="0">
-              <a:effectLst/>
-              <a:latin typeface="Calibri body"/>
-              <a:ea typeface="Calibri" panose="020F0502020204030204" pitchFamily="34" charset="0"/>
+              <a:t>Revenue of Netflix over the years.</a:t>
+            </a:r>
+            <a:endParaRPr lang="en-IN" sz="4000" dirty="0">
+              <a:latin typeface="Times New Roman" panose="02020603050405020304" pitchFamily="18" charset="0"/>
               <a:cs typeface="Times New Roman" panose="02020603050405020304" pitchFamily="18" charset="0"/>
             </a:endParaRPr>
-          </a:p>
-          <a:p>
-            <a:pPr marL="342900" lvl="0" indent="-342900">
-              <a:lnSpc>
-                <a:spcPct val="115000"/>
-              </a:lnSpc>
-              <a:buFont typeface="Symbol" panose="05050102010706020507" pitchFamily="18" charset="2"/>
-              <a:buChar char=""/>
-            </a:pPr>
-            <a:r>
-              <a:rPr lang="en-US" sz="2800" dirty="0">
-                <a:effectLst/>
-                <a:latin typeface="Calibri body"/>
-                <a:ea typeface="Calibri" panose="020F0502020204030204" pitchFamily="34" charset="0"/>
-                <a:cs typeface="Times New Roman" panose="02020603050405020304" pitchFamily="18" charset="0"/>
-              </a:rPr>
-              <a:t>Figure </a:t>
-            </a:r>
-            <a:r>
-              <a:rPr lang="en-US" sz="2800" dirty="0">
-                <a:latin typeface="Calibri body"/>
-                <a:ea typeface="Calibri" panose="020F0502020204030204" pitchFamily="34" charset="0"/>
-                <a:cs typeface="Times New Roman" panose="02020603050405020304" pitchFamily="18" charset="0"/>
-              </a:rPr>
-              <a:t>4</a:t>
-            </a:r>
-            <a:r>
-              <a:rPr lang="en-US" sz="2800" dirty="0">
-                <a:effectLst/>
-                <a:latin typeface="Calibri body"/>
-                <a:ea typeface="Calibri" panose="020F0502020204030204" pitchFamily="34" charset="0"/>
-                <a:cs typeface="Times New Roman" panose="02020603050405020304" pitchFamily="18" charset="0"/>
-              </a:rPr>
-              <a:t> shows that how density of IMDb ratings is high near the year of 2020.</a:t>
-            </a:r>
-            <a:endParaRPr lang="en-IN" sz="2800" dirty="0">
-              <a:effectLst/>
-              <a:latin typeface="Calibri body"/>
-              <a:ea typeface="Calibri" panose="020F0502020204030204" pitchFamily="34" charset="0"/>
-              <a:cs typeface="Times New Roman" panose="02020603050405020304" pitchFamily="18" charset="0"/>
-            </a:endParaRPr>
-          </a:p>
-          <a:p>
-            <a:pPr marL="342900" lvl="0" indent="-342900">
-              <a:lnSpc>
-                <a:spcPct val="115000"/>
-              </a:lnSpc>
-              <a:spcAft>
-                <a:spcPts val="1000"/>
-              </a:spcAft>
-              <a:buFont typeface="Symbol" panose="05050102010706020507" pitchFamily="18" charset="2"/>
-              <a:buChar char=""/>
-            </a:pPr>
-            <a:r>
-              <a:rPr lang="en-US" sz="2800" dirty="0">
-                <a:effectLst/>
-                <a:latin typeface="Calibri body"/>
-                <a:ea typeface="Calibri" panose="020F0502020204030204" pitchFamily="34" charset="0"/>
-                <a:cs typeface="Times New Roman" panose="02020603050405020304" pitchFamily="18" charset="0"/>
-              </a:rPr>
-              <a:t>It also says that people watched more number of movies and tv shows and rated them in the year 2020.</a:t>
-            </a:r>
-            <a:endParaRPr lang="en-IN" sz="2800" dirty="0">
-              <a:effectLst/>
-              <a:latin typeface="Calibri body"/>
-              <a:ea typeface="Calibri" panose="020F0502020204030204" pitchFamily="34" charset="0"/>
-              <a:cs typeface="Times New Roman" panose="02020603050405020304" pitchFamily="18" charset="0"/>
-            </a:endParaRPr>
-          </a:p>
-        </p:txBody>
-      </p:sp>
-      <p:sp>
-        <p:nvSpPr>
-          <p:cNvPr id="9" name="TextBox 8">
-            <a:extLst>
-              <a:ext uri="{FF2B5EF4-FFF2-40B4-BE49-F238E27FC236}">
-                <a16:creationId xmlns:a16="http://schemas.microsoft.com/office/drawing/2014/main" id="{F9D9E7AB-9A9E-85A5-9031-9234796A31E3}"/>
-              </a:ext>
-            </a:extLst>
-          </p:cNvPr>
-          <p:cNvSpPr txBox="1"/>
-          <p:nvPr/>
-        </p:nvSpPr>
-        <p:spPr>
-          <a:xfrm>
-            <a:off x="558266" y="5246488"/>
-            <a:ext cx="6208294" cy="774571"/>
-          </a:xfrm>
-          <a:prstGeom prst="rect">
-            <a:avLst/>
-          </a:prstGeom>
-          <a:noFill/>
-        </p:spPr>
-        <p:txBody>
-          <a:bodyPr wrap="square">
-            <a:spAutoFit/>
-          </a:bodyPr>
-          <a:lstStyle/>
-          <a:p>
-            <a:pPr algn="ctr">
-              <a:spcAft>
-                <a:spcPts val="1000"/>
-              </a:spcAft>
-            </a:pPr>
-            <a:r>
-              <a:rPr lang="en-US" sz="1800" i="1" dirty="0">
-                <a:solidFill>
-                  <a:srgbClr val="1F497D"/>
-                </a:solidFill>
-                <a:effectLst/>
-                <a:latin typeface="Calibri" panose="020F0502020204030204" pitchFamily="34" charset="0"/>
-                <a:ea typeface="Calibri" panose="020F0502020204030204" pitchFamily="34" charset="0"/>
-                <a:cs typeface="Times New Roman" panose="02020603050405020304" pitchFamily="18" charset="0"/>
-              </a:rPr>
-              <a:t>Figure </a:t>
-            </a:r>
-            <a:r>
-              <a:rPr lang="en-US" i="1" dirty="0">
-                <a:solidFill>
-                  <a:srgbClr val="1F497D"/>
-                </a:solidFill>
-                <a:latin typeface="Calibri" panose="020F0502020204030204" pitchFamily="34" charset="0"/>
-                <a:ea typeface="Calibri" panose="020F0502020204030204" pitchFamily="34" charset="0"/>
-                <a:cs typeface="Times New Roman" panose="02020603050405020304" pitchFamily="18" charset="0"/>
-              </a:rPr>
-              <a:t>4 </a:t>
-            </a:r>
-            <a:r>
-              <a:rPr lang="en-US" sz="1800" i="1" dirty="0">
-                <a:solidFill>
-                  <a:srgbClr val="1F497D"/>
-                </a:solidFill>
-                <a:effectLst/>
-                <a:latin typeface="Calibri" panose="020F0502020204030204" pitchFamily="34" charset="0"/>
-                <a:ea typeface="Calibri" panose="020F0502020204030204" pitchFamily="34" charset="0"/>
-                <a:cs typeface="Times New Roman" panose="02020603050405020304" pitchFamily="18" charset="0"/>
-              </a:rPr>
-              <a:t>Density of IMDb ratings over the years.</a:t>
-            </a:r>
-            <a:endParaRPr lang="en-IN" sz="1800" i="1" dirty="0">
-              <a:solidFill>
-                <a:srgbClr val="1F497D"/>
-              </a:solidFill>
-              <a:effectLst/>
-              <a:latin typeface="Calibri" panose="020F0502020204030204" pitchFamily="34" charset="0"/>
-              <a:ea typeface="Calibri" panose="020F0502020204030204" pitchFamily="34" charset="0"/>
-              <a:cs typeface="Times New Roman" panose="02020603050405020304" pitchFamily="18" charset="0"/>
-            </a:endParaRPr>
-          </a:p>
-          <a:p>
-            <a:pPr algn="ctr">
-              <a:spcAft>
-                <a:spcPts val="1000"/>
-              </a:spcAft>
-            </a:pPr>
-            <a:endParaRPr lang="en-IN" sz="1800" i="1" dirty="0">
-              <a:solidFill>
-                <a:srgbClr val="1F497D"/>
-              </a:solidFill>
-              <a:effectLst/>
-              <a:latin typeface="Calibri" panose="020F0502020204030204" pitchFamily="34" charset="0"/>
-              <a:ea typeface="Calibri" panose="020F0502020204030204" pitchFamily="34" charset="0"/>
-              <a:cs typeface="Times New Roman" panose="02020603050405020304" pitchFamily="18" charset="0"/>
-            </a:endParaRPr>
-          </a:p>
-        </p:txBody>
-      </p:sp>
-    </p:spTree>
-    <p:extLst>
-      <p:ext uri="{BB962C8B-B14F-4D97-AF65-F5344CB8AC3E}">
-        <p14:creationId xmlns:p14="http://schemas.microsoft.com/office/powerpoint/2010/main" val="2852591628"/>
-      </p:ext>
-    </p:extLst>
-  </p:cSld>
-  <p:clrMapOvr>
-    <a:masterClrMapping/>
-  </p:clrMapOvr>
-</p:sld>
-</file>
-
-<file path=ppt/slides/slide12.xml><?xml version="1.0" encoding="utf-8"?>
-<p:sld xmlns:a="http://schemas.openxmlformats.org/drawingml/2006/main" xmlns:r="http://schemas.openxmlformats.org/officeDocument/2006/relationships" xmlns:p="http://schemas.openxmlformats.org/presentationml/2006/main">
-  <p:cSld>
-    <p:spTree>
-      <p:nvGrpSpPr>
-        <p:cNvPr id="1" name=""/>
-        <p:cNvGrpSpPr/>
-        <p:nvPr/>
-      </p:nvGrpSpPr>
-      <p:grpSpPr>
-        <a:xfrm>
-          <a:off x="0" y="0"/>
-          <a:ext cx="0" cy="0"/>
-          <a:chOff x="0" y="0"/>
-          <a:chExt cx="0" cy="0"/>
-        </a:xfrm>
-      </p:grpSpPr>
-      <p:sp>
-        <p:nvSpPr>
-          <p:cNvPr id="2" name="TextBox 1">
-            <a:extLst>
-              <a:ext uri="{FF2B5EF4-FFF2-40B4-BE49-F238E27FC236}">
-                <a16:creationId xmlns:a16="http://schemas.microsoft.com/office/drawing/2014/main" id="{5A5F6DF8-ECCD-EA1F-19A7-964D20E2CF06}"/>
-              </a:ext>
-            </a:extLst>
-          </p:cNvPr>
-          <p:cNvSpPr txBox="1"/>
-          <p:nvPr/>
-        </p:nvSpPr>
-        <p:spPr>
-          <a:xfrm>
-            <a:off x="0" y="-13904"/>
-            <a:ext cx="12192000" cy="1323439"/>
-          </a:xfrm>
-          <a:prstGeom prst="rect">
-            <a:avLst/>
-          </a:prstGeom>
-          <a:noFill/>
-        </p:spPr>
-        <p:txBody>
-          <a:bodyPr wrap="square">
-            <a:spAutoFit/>
-          </a:bodyPr>
-          <a:lstStyle/>
-          <a:p>
-            <a:r>
-              <a:rPr lang="en-IN" sz="4000" dirty="0"/>
-              <a:t>5. </a:t>
-            </a:r>
-            <a:r>
-              <a:rPr lang="en-US" sz="4000" dirty="0">
-                <a:solidFill>
-                  <a:srgbClr val="000000"/>
-                </a:solidFill>
-                <a:latin typeface="Calibri body"/>
-                <a:cs typeface="Helvetica" panose="020B0604020202020204" pitchFamily="34" charset="0"/>
-              </a:rPr>
-              <a:t>T</a:t>
-            </a:r>
-            <a:r>
-              <a:rPr lang="en-US" sz="4000" dirty="0">
-                <a:solidFill>
-                  <a:srgbClr val="000000"/>
-                </a:solidFill>
-                <a:effectLst/>
-                <a:latin typeface="Calibri body"/>
-                <a:ea typeface="Calibri" panose="020F0502020204030204" pitchFamily="34" charset="0"/>
-                <a:cs typeface="Helvetica" panose="020B0604020202020204" pitchFamily="34" charset="0"/>
-              </a:rPr>
-              <a:t>ype of Content that are added by Netflix in the year 2020</a:t>
-            </a:r>
-            <a:endParaRPr lang="en-IN" sz="4000" dirty="0">
-              <a:latin typeface="Calibri body"/>
-            </a:endParaRPr>
-          </a:p>
-        </p:txBody>
-      </p:sp>
-      <p:sp>
-        <p:nvSpPr>
-          <p:cNvPr id="5" name="TextBox 4">
-            <a:extLst>
-              <a:ext uri="{FF2B5EF4-FFF2-40B4-BE49-F238E27FC236}">
-                <a16:creationId xmlns:a16="http://schemas.microsoft.com/office/drawing/2014/main" id="{48D54282-4A6E-7914-D1A2-973C03F9402F}"/>
-              </a:ext>
-            </a:extLst>
-          </p:cNvPr>
-          <p:cNvSpPr txBox="1"/>
-          <p:nvPr/>
-        </p:nvSpPr>
-        <p:spPr>
-          <a:xfrm>
-            <a:off x="8550443" y="1464093"/>
-            <a:ext cx="3513220" cy="4651145"/>
-          </a:xfrm>
-          <a:prstGeom prst="rect">
-            <a:avLst/>
-          </a:prstGeom>
-          <a:noFill/>
-        </p:spPr>
-        <p:txBody>
-          <a:bodyPr wrap="square">
-            <a:spAutoFit/>
-          </a:bodyPr>
-          <a:lstStyle/>
-          <a:p>
-            <a:pPr>
-              <a:lnSpc>
-                <a:spcPct val="115000"/>
-              </a:lnSpc>
-              <a:spcAft>
-                <a:spcPts val="1000"/>
-              </a:spcAft>
-            </a:pPr>
-            <a:r>
-              <a:rPr lang="en-US" sz="2800" b="1" dirty="0">
-                <a:effectLst/>
-                <a:latin typeface="Calibri body"/>
-                <a:ea typeface="Calibri" panose="020F0502020204030204" pitchFamily="34" charset="0"/>
-                <a:cs typeface="Times New Roman" panose="02020603050405020304" pitchFamily="18" charset="0"/>
-              </a:rPr>
-              <a:t>Inference:</a:t>
-            </a:r>
-            <a:endParaRPr lang="en-IN" sz="2800" dirty="0">
-              <a:effectLst/>
-              <a:latin typeface="Calibri body"/>
-              <a:ea typeface="Calibri" panose="020F0502020204030204" pitchFamily="34" charset="0"/>
-              <a:cs typeface="Times New Roman" panose="02020603050405020304" pitchFamily="18" charset="0"/>
-            </a:endParaRPr>
-          </a:p>
-          <a:p>
-            <a:pPr marL="342900" lvl="0" indent="-342900">
-              <a:lnSpc>
-                <a:spcPct val="115000"/>
-              </a:lnSpc>
-              <a:spcAft>
-                <a:spcPts val="1000"/>
-              </a:spcAft>
-              <a:buFont typeface="Symbol" panose="05050102010706020507" pitchFamily="18" charset="2"/>
-              <a:buChar char=""/>
-            </a:pPr>
-            <a:r>
-              <a:rPr lang="en-US" sz="2800" dirty="0">
-                <a:effectLst/>
-                <a:latin typeface="Calibri body"/>
-                <a:ea typeface="Calibri" panose="020F0502020204030204" pitchFamily="34" charset="0"/>
-                <a:cs typeface="Times New Roman" panose="02020603050405020304" pitchFamily="18" charset="0"/>
-              </a:rPr>
-              <a:t>Figure 5 says that what are movies and content added by Netflix based on the maturity ratings. TV-MA content is added the highest amongst all.</a:t>
-            </a:r>
-            <a:endParaRPr lang="en-IN" sz="2800" dirty="0">
-              <a:effectLst/>
-              <a:latin typeface="Calibri body"/>
-              <a:ea typeface="Calibri" panose="020F0502020204030204" pitchFamily="34" charset="0"/>
-              <a:cs typeface="Times New Roman" panose="02020603050405020304" pitchFamily="18" charset="0"/>
-            </a:endParaRPr>
-          </a:p>
-        </p:txBody>
-      </p:sp>
-      <p:pic>
-        <p:nvPicPr>
-          <p:cNvPr id="6" name="Picture 5">
-            <a:extLst>
-              <a:ext uri="{FF2B5EF4-FFF2-40B4-BE49-F238E27FC236}">
-                <a16:creationId xmlns:a16="http://schemas.microsoft.com/office/drawing/2014/main" id="{18AD3ABE-E771-A591-FC3C-5104A3A0D458}"/>
-              </a:ext>
-            </a:extLst>
-          </p:cNvPr>
-          <p:cNvPicPr>
-            <a:picLocks noChangeAspect="1"/>
-          </p:cNvPicPr>
-          <p:nvPr/>
-        </p:nvPicPr>
-        <p:blipFill>
-          <a:blip r:embed="rId2">
-            <a:extLst>
-              <a:ext uri="{28A0092B-C50C-407E-A947-70E740481C1C}">
-                <a14:useLocalDpi xmlns:a14="http://schemas.microsoft.com/office/drawing/2010/main" val="0"/>
-              </a:ext>
-            </a:extLst>
-          </a:blip>
-          <a:stretch>
-            <a:fillRect/>
-          </a:stretch>
-        </p:blipFill>
-        <p:spPr>
-          <a:xfrm>
-            <a:off x="68412" y="1309535"/>
-            <a:ext cx="8278853" cy="4417497"/>
-          </a:xfrm>
-          <a:prstGeom prst="rect">
-            <a:avLst/>
-          </a:prstGeom>
-        </p:spPr>
-      </p:pic>
-      <p:sp>
-        <p:nvSpPr>
-          <p:cNvPr id="7" name="TextBox 6">
-            <a:extLst>
-              <a:ext uri="{FF2B5EF4-FFF2-40B4-BE49-F238E27FC236}">
-                <a16:creationId xmlns:a16="http://schemas.microsoft.com/office/drawing/2014/main" id="{34E56899-DE6C-199B-215C-1CD7DE41763A}"/>
-              </a:ext>
-            </a:extLst>
-          </p:cNvPr>
-          <p:cNvSpPr txBox="1"/>
-          <p:nvPr/>
-        </p:nvSpPr>
-        <p:spPr>
-          <a:xfrm>
-            <a:off x="1467852" y="5727032"/>
-            <a:ext cx="6208294" cy="369332"/>
-          </a:xfrm>
-          <a:prstGeom prst="rect">
-            <a:avLst/>
-          </a:prstGeom>
-          <a:noFill/>
-        </p:spPr>
-        <p:txBody>
-          <a:bodyPr wrap="square">
-            <a:spAutoFit/>
-          </a:bodyPr>
-          <a:lstStyle/>
-          <a:p>
-            <a:pPr algn="ctr">
-              <a:spcAft>
-                <a:spcPts val="1000"/>
-              </a:spcAft>
-            </a:pPr>
-            <a:r>
-              <a:rPr lang="en-US" sz="1800" i="1" dirty="0">
-                <a:solidFill>
-                  <a:srgbClr val="1F497D"/>
-                </a:solidFill>
-                <a:effectLst/>
-                <a:latin typeface="Calibri" panose="020F0502020204030204" pitchFamily="34" charset="0"/>
-                <a:ea typeface="Calibri" panose="020F0502020204030204" pitchFamily="34" charset="0"/>
-                <a:cs typeface="Times New Roman" panose="02020603050405020304" pitchFamily="18" charset="0"/>
-              </a:rPr>
-              <a:t>Figure </a:t>
-            </a:r>
-            <a:r>
-              <a:rPr lang="en-US" i="1" dirty="0">
-                <a:solidFill>
-                  <a:srgbClr val="1F497D"/>
-                </a:solidFill>
-                <a:latin typeface="Calibri" panose="020F0502020204030204" pitchFamily="34" charset="0"/>
-                <a:ea typeface="Calibri" panose="020F0502020204030204" pitchFamily="34" charset="0"/>
-                <a:cs typeface="Times New Roman" panose="02020603050405020304" pitchFamily="18" charset="0"/>
-              </a:rPr>
-              <a:t>5 </a:t>
-            </a:r>
-            <a:r>
-              <a:rPr lang="en-US" sz="1800" dirty="0">
-                <a:effectLst/>
-                <a:latin typeface="Calibri" panose="020F0502020204030204" pitchFamily="34" charset="0"/>
-                <a:ea typeface="Calibri" panose="020F0502020204030204" pitchFamily="34" charset="0"/>
-                <a:cs typeface="Times New Roman" panose="02020603050405020304" pitchFamily="18" charset="0"/>
-              </a:rPr>
-              <a:t>Type content released by Netflix in the year 2020.</a:t>
-            </a:r>
-            <a:endParaRPr lang="en-IN" sz="1800" i="1" dirty="0">
-              <a:solidFill>
-                <a:srgbClr val="1F497D"/>
-              </a:solidFill>
-              <a:effectLst/>
-              <a:latin typeface="Calibri" panose="020F0502020204030204" pitchFamily="34" charset="0"/>
-              <a:ea typeface="Calibri" panose="020F0502020204030204" pitchFamily="34" charset="0"/>
-              <a:cs typeface="Times New Roman" panose="02020603050405020304" pitchFamily="18" charset="0"/>
-            </a:endParaRPr>
-          </a:p>
-        </p:txBody>
-      </p:sp>
-    </p:spTree>
-    <p:extLst>
-      <p:ext uri="{BB962C8B-B14F-4D97-AF65-F5344CB8AC3E}">
-        <p14:creationId xmlns:p14="http://schemas.microsoft.com/office/powerpoint/2010/main" val="323609055"/>
-      </p:ext>
-    </p:extLst>
-  </p:cSld>
-  <p:clrMapOvr>
-    <a:masterClrMapping/>
-  </p:clrMapOvr>
-</p:sld>
-</file>
-
-<file path=ppt/slides/slide13.xml><?xml version="1.0" encoding="utf-8"?>
-<p:sld xmlns:a="http://schemas.openxmlformats.org/drawingml/2006/main" xmlns:r="http://schemas.openxmlformats.org/officeDocument/2006/relationships" xmlns:p="http://schemas.openxmlformats.org/presentationml/2006/main">
-  <p:cSld>
-    <p:spTree>
-      <p:nvGrpSpPr>
-        <p:cNvPr id="1" name=""/>
-        <p:cNvGrpSpPr/>
-        <p:nvPr/>
-      </p:nvGrpSpPr>
-      <p:grpSpPr>
-        <a:xfrm>
-          <a:off x="0" y="0"/>
-          <a:ext cx="0" cy="0"/>
-          <a:chOff x="0" y="0"/>
-          <a:chExt cx="0" cy="0"/>
-        </a:xfrm>
-      </p:grpSpPr>
-      <p:sp>
-        <p:nvSpPr>
-          <p:cNvPr id="2" name="TextBox 1">
-            <a:extLst>
-              <a:ext uri="{FF2B5EF4-FFF2-40B4-BE49-F238E27FC236}">
-                <a16:creationId xmlns:a16="http://schemas.microsoft.com/office/drawing/2014/main" id="{6461BD3F-47F5-7DBD-459B-226422BA74D4}"/>
-              </a:ext>
-            </a:extLst>
-          </p:cNvPr>
-          <p:cNvSpPr txBox="1"/>
-          <p:nvPr/>
-        </p:nvSpPr>
-        <p:spPr>
-          <a:xfrm>
-            <a:off x="124287" y="239697"/>
-            <a:ext cx="11878323" cy="5292411"/>
-          </a:xfrm>
-          <a:prstGeom prst="rect">
-            <a:avLst/>
-          </a:prstGeom>
-          <a:noFill/>
-        </p:spPr>
-        <p:txBody>
-          <a:bodyPr wrap="square" rtlCol="0">
-            <a:spAutoFit/>
-          </a:bodyPr>
-          <a:lstStyle/>
-          <a:p>
-            <a:pPr>
-              <a:lnSpc>
-                <a:spcPct val="115000"/>
-              </a:lnSpc>
-              <a:spcAft>
-                <a:spcPts val="1000"/>
-              </a:spcAft>
-            </a:pPr>
-            <a:r>
-              <a:rPr lang="en-US" sz="2400" b="1" dirty="0">
-                <a:effectLst/>
-                <a:latin typeface="Calibri body"/>
-                <a:ea typeface="Calibri" panose="020F0502020204030204" pitchFamily="34" charset="0"/>
-                <a:cs typeface="Times New Roman" panose="02020603050405020304" pitchFamily="18" charset="0"/>
-              </a:rPr>
-              <a:t>Conclusions:</a:t>
-            </a:r>
-            <a:endParaRPr lang="en-IN" sz="2400" dirty="0">
-              <a:effectLst/>
-              <a:latin typeface="Calibri body"/>
-              <a:ea typeface="Calibri" panose="020F0502020204030204" pitchFamily="34" charset="0"/>
-              <a:cs typeface="Times New Roman" panose="02020603050405020304" pitchFamily="18" charset="0"/>
-            </a:endParaRPr>
-          </a:p>
-          <a:p>
-            <a:pPr marL="342900" lvl="0" indent="-342900">
-              <a:lnSpc>
-                <a:spcPct val="115000"/>
-              </a:lnSpc>
-              <a:buFont typeface="Symbol" panose="05050102010706020507" pitchFamily="18" charset="2"/>
-              <a:buChar char=""/>
-            </a:pPr>
-            <a:r>
-              <a:rPr lang="en-US" sz="2400" dirty="0">
-                <a:effectLst/>
-                <a:latin typeface="Calibri body"/>
-                <a:ea typeface="Calibri" panose="020F0502020204030204" pitchFamily="34" charset="0"/>
-                <a:cs typeface="Times New Roman" panose="02020603050405020304" pitchFamily="18" charset="0"/>
-              </a:rPr>
-              <a:t>By this data analysis we can conclude that the growth of OTT platforms as been increased during the COVID-19 lockdown phase.</a:t>
-            </a:r>
-            <a:endParaRPr lang="en-IN" sz="2400" dirty="0">
-              <a:effectLst/>
-              <a:latin typeface="Calibri body"/>
-              <a:ea typeface="Calibri" panose="020F0502020204030204" pitchFamily="34" charset="0"/>
-              <a:cs typeface="Times New Roman" panose="02020603050405020304" pitchFamily="18" charset="0"/>
-            </a:endParaRPr>
-          </a:p>
-          <a:p>
-            <a:pPr marL="342900" lvl="0" indent="-342900">
-              <a:lnSpc>
-                <a:spcPct val="115000"/>
-              </a:lnSpc>
-              <a:buFont typeface="Symbol" panose="05050102010706020507" pitchFamily="18" charset="2"/>
-              <a:buChar char=""/>
-            </a:pPr>
-            <a:r>
-              <a:rPr lang="en-US" sz="2400" dirty="0">
-                <a:effectLst/>
-                <a:latin typeface="Calibri body"/>
-                <a:ea typeface="Calibri" panose="020F0502020204030204" pitchFamily="34" charset="0"/>
-                <a:cs typeface="Times New Roman" panose="02020603050405020304" pitchFamily="18" charset="0"/>
-              </a:rPr>
-              <a:t>All age groups have watched movies and tv shows on OTT platforms.</a:t>
-            </a:r>
-            <a:endParaRPr lang="en-IN" sz="2400" dirty="0">
-              <a:effectLst/>
-              <a:latin typeface="Calibri body"/>
-              <a:ea typeface="Calibri" panose="020F0502020204030204" pitchFamily="34" charset="0"/>
-              <a:cs typeface="Times New Roman" panose="02020603050405020304" pitchFamily="18" charset="0"/>
-            </a:endParaRPr>
-          </a:p>
-          <a:p>
-            <a:pPr marL="342900" lvl="0" indent="-342900">
-              <a:lnSpc>
-                <a:spcPct val="115000"/>
-              </a:lnSpc>
-              <a:buFont typeface="Symbol" panose="05050102010706020507" pitchFamily="18" charset="2"/>
-              <a:buChar char=""/>
-            </a:pPr>
-            <a:r>
-              <a:rPr lang="en-US" sz="2400" dirty="0">
-                <a:effectLst/>
-                <a:latin typeface="Calibri body"/>
-                <a:ea typeface="Calibri" panose="020F0502020204030204" pitchFamily="34" charset="0"/>
-                <a:cs typeface="Times New Roman" panose="02020603050405020304" pitchFamily="18" charset="0"/>
-              </a:rPr>
-              <a:t>Netflix and Amazon Prime has grown more among all the OTT platforms in terms of content added.</a:t>
-            </a:r>
-            <a:endParaRPr lang="en-IN" sz="2400" dirty="0">
-              <a:effectLst/>
-              <a:latin typeface="Calibri body"/>
-              <a:ea typeface="Calibri" panose="020F0502020204030204" pitchFamily="34" charset="0"/>
-              <a:cs typeface="Times New Roman" panose="02020603050405020304" pitchFamily="18" charset="0"/>
-            </a:endParaRPr>
-          </a:p>
-          <a:p>
-            <a:pPr marL="342900" lvl="0" indent="-342900">
-              <a:lnSpc>
-                <a:spcPct val="115000"/>
-              </a:lnSpc>
-              <a:buFont typeface="Symbol" panose="05050102010706020507" pitchFamily="18" charset="2"/>
-              <a:buChar char=""/>
-            </a:pPr>
-            <a:r>
-              <a:rPr lang="en-US" sz="2400" dirty="0">
-                <a:effectLst/>
-                <a:latin typeface="Calibri body"/>
-                <a:ea typeface="Calibri" panose="020F0502020204030204" pitchFamily="34" charset="0"/>
-                <a:cs typeface="Times New Roman" panose="02020603050405020304" pitchFamily="18" charset="0"/>
-              </a:rPr>
-              <a:t>As people had free time, people started to watch movies and tv shows and also give them ratings, resulting in the increase of IMDb ratings count.</a:t>
-            </a:r>
-            <a:endParaRPr lang="en-IN" sz="2400" dirty="0">
-              <a:effectLst/>
-              <a:latin typeface="Calibri body"/>
-              <a:ea typeface="Calibri" panose="020F0502020204030204" pitchFamily="34" charset="0"/>
-              <a:cs typeface="Times New Roman" panose="02020603050405020304" pitchFamily="18" charset="0"/>
-            </a:endParaRPr>
-          </a:p>
-          <a:p>
-            <a:pPr marL="342900" lvl="0" indent="-342900">
-              <a:lnSpc>
-                <a:spcPct val="115000"/>
-              </a:lnSpc>
-              <a:buFont typeface="Symbol" panose="05050102010706020507" pitchFamily="18" charset="2"/>
-              <a:buChar char=""/>
-            </a:pPr>
-            <a:r>
-              <a:rPr lang="en-US" sz="2400" dirty="0">
-                <a:effectLst/>
-                <a:latin typeface="Calibri body"/>
-                <a:ea typeface="Calibri" panose="020F0502020204030204" pitchFamily="34" charset="0"/>
-                <a:cs typeface="Times New Roman" panose="02020603050405020304" pitchFamily="18" charset="0"/>
-              </a:rPr>
-              <a:t>The number of content added by each OTT platforms in the year 2020 and 2021, in which Amazon Prime has added more content compared to all other platform. </a:t>
-            </a:r>
-            <a:endParaRPr lang="en-IN" sz="2400" dirty="0">
-              <a:effectLst/>
-              <a:latin typeface="Calibri body"/>
-              <a:ea typeface="Calibri" panose="020F0502020204030204" pitchFamily="34" charset="0"/>
-              <a:cs typeface="Times New Roman" panose="02020603050405020304" pitchFamily="18" charset="0"/>
-            </a:endParaRPr>
-          </a:p>
-          <a:p>
-            <a:pPr marL="342900" lvl="0" indent="-342900">
-              <a:lnSpc>
-                <a:spcPct val="115000"/>
-              </a:lnSpc>
-              <a:spcAft>
-                <a:spcPts val="1000"/>
-              </a:spcAft>
-              <a:buFont typeface="Symbol" panose="05050102010706020507" pitchFamily="18" charset="2"/>
-              <a:buChar char=""/>
-            </a:pPr>
-            <a:r>
-              <a:rPr lang="en-US" sz="2400" dirty="0">
-                <a:effectLst/>
-                <a:latin typeface="Calibri body"/>
-                <a:ea typeface="Calibri" panose="020F0502020204030204" pitchFamily="34" charset="0"/>
-                <a:cs typeface="Times New Roman" panose="02020603050405020304" pitchFamily="18" charset="0"/>
-              </a:rPr>
-              <a:t>As Netflix is more popular among the OTT platforms, so the content added by Netflix in year 2020 is of TV-MA maturity rating.</a:t>
-            </a:r>
-            <a:endParaRPr lang="en-IN" sz="2400" dirty="0">
-              <a:effectLst/>
-              <a:latin typeface="Calibri body"/>
-              <a:ea typeface="Calibri" panose="020F0502020204030204" pitchFamily="34" charset="0"/>
-              <a:cs typeface="Times New Roman" panose="02020603050405020304" pitchFamily="18" charset="0"/>
-            </a:endParaRPr>
-          </a:p>
-        </p:txBody>
-      </p:sp>
-    </p:spTree>
-    <p:extLst>
-      <p:ext uri="{BB962C8B-B14F-4D97-AF65-F5344CB8AC3E}">
-        <p14:creationId xmlns:p14="http://schemas.microsoft.com/office/powerpoint/2010/main" val="2430571425"/>
-      </p:ext>
-    </p:extLst>
-  </p:cSld>
-  <p:clrMapOvr>
-    <a:masterClrMapping/>
-  </p:clrMapOvr>
-</p:sld>
-</file>
-
-<file path=ppt/slides/slide14.xml><?xml version="1.0" encoding="utf-8"?>
-<p:sld xmlns:a="http://schemas.openxmlformats.org/drawingml/2006/main" xmlns:r="http://schemas.openxmlformats.org/officeDocument/2006/relationships" xmlns:p="http://schemas.openxmlformats.org/presentationml/2006/main">
-  <p:cSld>
-    <p:spTree>
-      <p:nvGrpSpPr>
-        <p:cNvPr id="1" name=""/>
-        <p:cNvGrpSpPr/>
-        <p:nvPr/>
-      </p:nvGrpSpPr>
-      <p:grpSpPr>
-        <a:xfrm>
-          <a:off x="0" y="0"/>
-          <a:ext cx="0" cy="0"/>
-          <a:chOff x="0" y="0"/>
-          <a:chExt cx="0" cy="0"/>
-        </a:xfrm>
-      </p:grpSpPr>
-      <p:sp>
-        <p:nvSpPr>
-          <p:cNvPr id="2" name="Title 1">
-            <a:extLst>
-              <a:ext uri="{FF2B5EF4-FFF2-40B4-BE49-F238E27FC236}">
-                <a16:creationId xmlns:a16="http://schemas.microsoft.com/office/drawing/2014/main" id="{C38A40AC-BB1A-4C02-AA9B-D762EF4B70DC}"/>
-              </a:ext>
-            </a:extLst>
-          </p:cNvPr>
-          <p:cNvSpPr txBox="1">
-            <a:spLocks/>
-          </p:cNvSpPr>
-          <p:nvPr/>
-        </p:nvSpPr>
-        <p:spPr>
-          <a:xfrm>
-            <a:off x="1066800" y="2693412"/>
-            <a:ext cx="10058400" cy="1471176"/>
-          </a:xfrm>
-          <a:prstGeom prst="rect">
-            <a:avLst/>
-          </a:prstGeom>
-        </p:spPr>
-        <p:txBody>
-          <a:bodyPr/>
-          <a:lstStyle>
-            <a:lvl1pPr algn="l" defTabSz="914400" rtl="0" eaLnBrk="1" latinLnBrk="0" hangingPunct="1">
-              <a:lnSpc>
-                <a:spcPct val="85000"/>
-              </a:lnSpc>
-              <a:spcBef>
-                <a:spcPct val="0"/>
-              </a:spcBef>
-              <a:buNone/>
-              <a:defRPr sz="4800" kern="1200" spc="-50" baseline="0">
-                <a:solidFill>
-                  <a:schemeClr val="tx1">
-                    <a:lumMod val="75000"/>
-                    <a:lumOff val="25000"/>
-                  </a:schemeClr>
-                </a:solidFill>
-                <a:latin typeface="+mj-lt"/>
-                <a:ea typeface="+mj-ea"/>
-                <a:cs typeface="+mj-cs"/>
-              </a:defRPr>
-            </a:lvl1pPr>
-          </a:lstStyle>
-          <a:p>
-            <a:pPr algn="ctr"/>
-            <a:r>
-              <a:rPr lang="en-IN"/>
-              <a:t>Thank You</a:t>
-            </a:r>
-            <a:endParaRPr lang="en-IN" dirty="0"/>
-          </a:p>
-        </p:txBody>
-      </p:sp>
-    </p:spTree>
-    <p:extLst>
-      <p:ext uri="{BB962C8B-B14F-4D97-AF65-F5344CB8AC3E}">
-        <p14:creationId xmlns:p14="http://schemas.microsoft.com/office/powerpoint/2010/main" val="1750998858"/>
-      </p:ext>
-    </p:extLst>
-  </p:cSld>
-  <p:clrMapOvr>
-    <a:masterClrMapping/>
-  </p:clrMapOvr>
-</p:sld>
-</file>
-
-<file path=ppt/slides/slide2.xml><?xml version="1.0" encoding="utf-8"?>
-<p:sld xmlns:a="http://schemas.openxmlformats.org/drawingml/2006/main" xmlns:r="http://schemas.openxmlformats.org/officeDocument/2006/relationships" xmlns:p="http://schemas.openxmlformats.org/presentationml/2006/main">
-  <p:cSld>
-    <p:spTree>
-      <p:nvGrpSpPr>
-        <p:cNvPr id="1" name=""/>
-        <p:cNvGrpSpPr/>
-        <p:nvPr/>
-      </p:nvGrpSpPr>
-      <p:grpSpPr>
-        <a:xfrm>
-          <a:off x="0" y="0"/>
-          <a:ext cx="0" cy="0"/>
-          <a:chOff x="0" y="0"/>
-          <a:chExt cx="0" cy="0"/>
-        </a:xfrm>
-      </p:grpSpPr>
-      <p:sp>
-        <p:nvSpPr>
-          <p:cNvPr id="2" name="Title 1">
-            <a:extLst>
-              <a:ext uri="{FF2B5EF4-FFF2-40B4-BE49-F238E27FC236}">
-                <a16:creationId xmlns:a16="http://schemas.microsoft.com/office/drawing/2014/main" id="{DA6F6184-72F7-3DAE-9671-523AB4455EB0}"/>
-              </a:ext>
-            </a:extLst>
-          </p:cNvPr>
-          <p:cNvSpPr>
-            <a:spLocks noGrp="1"/>
-          </p:cNvSpPr>
-          <p:nvPr>
-            <p:ph type="title"/>
-          </p:nvPr>
-        </p:nvSpPr>
-        <p:spPr/>
-        <p:txBody>
-          <a:bodyPr/>
-          <a:lstStyle/>
-          <a:p>
-            <a:r>
-              <a:rPr lang="en-IN" b="1" dirty="0"/>
-              <a:t>Problem Statement:</a:t>
-            </a:r>
-          </a:p>
-        </p:txBody>
-      </p:sp>
-      <p:sp>
-        <p:nvSpPr>
-          <p:cNvPr id="3" name="Content Placeholder 2">
-            <a:extLst>
-              <a:ext uri="{FF2B5EF4-FFF2-40B4-BE49-F238E27FC236}">
-                <a16:creationId xmlns:a16="http://schemas.microsoft.com/office/drawing/2014/main" id="{331EE89B-614B-DD62-1DC9-BB8CBC078EEB}"/>
-              </a:ext>
-            </a:extLst>
-          </p:cNvPr>
-          <p:cNvSpPr>
-            <a:spLocks noGrp="1"/>
-          </p:cNvSpPr>
-          <p:nvPr>
-            <p:ph idx="1"/>
-          </p:nvPr>
-        </p:nvSpPr>
-        <p:spPr/>
-        <p:txBody>
-          <a:bodyPr>
-            <a:normAutofit/>
-          </a:bodyPr>
-          <a:lstStyle/>
-          <a:p>
-            <a:pPr algn="just">
-              <a:lnSpc>
-                <a:spcPct val="115000"/>
-              </a:lnSpc>
-              <a:spcAft>
-                <a:spcPts val="1000"/>
-              </a:spcAft>
-              <a:tabLst>
-                <a:tab pos="729615" algn="l"/>
-              </a:tabLst>
-            </a:pPr>
-            <a:r>
-              <a:rPr lang="en-US" sz="3200" dirty="0">
-                <a:effectLst/>
-                <a:ea typeface="Calibri" panose="020F0502020204030204" pitchFamily="34" charset="0"/>
-                <a:cs typeface="Times New Roman" panose="02020603050405020304" pitchFamily="18" charset="0"/>
-              </a:rPr>
-              <a:t>How did COVID-19 had an impact on the growth and popularity  of OTT platforms in the lockdown period.</a:t>
-            </a:r>
-            <a:endParaRPr lang="en-IN" sz="3200" dirty="0">
-              <a:effectLst/>
-              <a:ea typeface="Calibri" panose="020F0502020204030204" pitchFamily="34" charset="0"/>
-              <a:cs typeface="Times New Roman" panose="02020603050405020304" pitchFamily="18" charset="0"/>
-            </a:endParaRPr>
-          </a:p>
-        </p:txBody>
-      </p:sp>
-    </p:spTree>
-    <p:extLst>
-      <p:ext uri="{BB962C8B-B14F-4D97-AF65-F5344CB8AC3E}">
-        <p14:creationId xmlns:p14="http://schemas.microsoft.com/office/powerpoint/2010/main" val="3592803340"/>
-      </p:ext>
-    </p:extLst>
-  </p:cSld>
-  <p:clrMapOvr>
-    <a:masterClrMapping/>
-  </p:clrMapOvr>
-</p:sld>
-</file>
-
-<file path=ppt/slides/slide3.xml><?xml version="1.0" encoding="utf-8"?>
-<p:sld xmlns:a="http://schemas.openxmlformats.org/drawingml/2006/main" xmlns:r="http://schemas.openxmlformats.org/officeDocument/2006/relationships" xmlns:p="http://schemas.openxmlformats.org/presentationml/2006/main">
-  <p:cSld>
-    <p:spTree>
-      <p:nvGrpSpPr>
-        <p:cNvPr id="1" name=""/>
-        <p:cNvGrpSpPr/>
-        <p:nvPr/>
-      </p:nvGrpSpPr>
-      <p:grpSpPr>
-        <a:xfrm>
-          <a:off x="0" y="0"/>
-          <a:ext cx="0" cy="0"/>
-          <a:chOff x="0" y="0"/>
-          <a:chExt cx="0" cy="0"/>
-        </a:xfrm>
-      </p:grpSpPr>
-      <p:sp>
-        <p:nvSpPr>
-          <p:cNvPr id="2" name="Title 1">
-            <a:extLst>
-              <a:ext uri="{FF2B5EF4-FFF2-40B4-BE49-F238E27FC236}">
-                <a16:creationId xmlns:a16="http://schemas.microsoft.com/office/drawing/2014/main" id="{CED640B4-26C0-9788-13B2-8A42CF14F80D}"/>
-              </a:ext>
-            </a:extLst>
-          </p:cNvPr>
-          <p:cNvSpPr>
-            <a:spLocks noGrp="1"/>
-          </p:cNvSpPr>
-          <p:nvPr>
-            <p:ph type="title" idx="4294967295"/>
-          </p:nvPr>
-        </p:nvSpPr>
-        <p:spPr>
-          <a:xfrm>
-            <a:off x="0" y="0"/>
-            <a:ext cx="12192000" cy="834189"/>
-          </a:xfrm>
-        </p:spPr>
-        <p:txBody>
-          <a:bodyPr/>
-          <a:lstStyle/>
-          <a:p>
-            <a:r>
-              <a:rPr lang="en-IN"/>
-              <a:t>Dataset Understanding</a:t>
-            </a:r>
-            <a:r>
-              <a:rPr lang="en-IN" dirty="0"/>
-              <a:t>:</a:t>
-            </a:r>
-          </a:p>
-        </p:txBody>
-      </p:sp>
-      <p:sp>
-        <p:nvSpPr>
-          <p:cNvPr id="4" name="TextBox 3">
-            <a:extLst>
-              <a:ext uri="{FF2B5EF4-FFF2-40B4-BE49-F238E27FC236}">
-                <a16:creationId xmlns:a16="http://schemas.microsoft.com/office/drawing/2014/main" id="{CC481A5A-F11E-6E77-4704-C7F8FE81C51C}"/>
-              </a:ext>
-            </a:extLst>
-          </p:cNvPr>
-          <p:cNvSpPr txBox="1"/>
-          <p:nvPr/>
-        </p:nvSpPr>
-        <p:spPr>
-          <a:xfrm>
-            <a:off x="256674" y="886252"/>
-            <a:ext cx="11245515" cy="5934958"/>
-          </a:xfrm>
-          <a:prstGeom prst="rect">
-            <a:avLst/>
-          </a:prstGeom>
-          <a:noFill/>
-        </p:spPr>
-        <p:txBody>
-          <a:bodyPr wrap="square" rtlCol="0">
-            <a:spAutoFit/>
-          </a:bodyPr>
-          <a:lstStyle/>
-          <a:p>
-            <a:pPr>
-              <a:lnSpc>
-                <a:spcPct val="115000"/>
-              </a:lnSpc>
-              <a:spcAft>
-                <a:spcPts val="1000"/>
-              </a:spcAft>
-              <a:tabLst>
-                <a:tab pos="729615" algn="l"/>
-              </a:tabLst>
-            </a:pPr>
-            <a:r>
-              <a:rPr lang="en-US" sz="2000" dirty="0">
-                <a:effectLst/>
-                <a:latin typeface="+mj-lt"/>
-                <a:ea typeface="Calibri" panose="020F0502020204030204" pitchFamily="34" charset="0"/>
-                <a:cs typeface="Times New Roman" panose="02020603050405020304" pitchFamily="18" charset="0"/>
-              </a:rPr>
-              <a:t>Our data consists of 6 datasets namely:</a:t>
-            </a:r>
-            <a:endParaRPr lang="en-IN" sz="2000" dirty="0">
-              <a:effectLst/>
-              <a:latin typeface="+mj-lt"/>
-              <a:ea typeface="Calibri" panose="020F0502020204030204" pitchFamily="34" charset="0"/>
-              <a:cs typeface="Times New Roman" panose="02020603050405020304" pitchFamily="18" charset="0"/>
-            </a:endParaRPr>
-          </a:p>
-          <a:p>
-            <a:pPr marL="342900" lvl="0" indent="-342900" algn="just">
-              <a:lnSpc>
-                <a:spcPct val="115000"/>
-              </a:lnSpc>
-              <a:buFont typeface="Symbol" panose="05050102010706020507" pitchFamily="18" charset="2"/>
-              <a:buChar char=""/>
-              <a:tabLst>
-                <a:tab pos="729615" algn="l"/>
-              </a:tabLst>
-            </a:pPr>
-            <a:r>
-              <a:rPr lang="en-US" sz="2000" dirty="0">
-                <a:effectLst/>
-                <a:latin typeface="+mj-lt"/>
-                <a:ea typeface="Calibri" panose="020F0502020204030204" pitchFamily="34" charset="0"/>
-                <a:cs typeface="Times New Roman" panose="02020603050405020304" pitchFamily="18" charset="0"/>
-              </a:rPr>
-              <a:t>Netflix Dataset: This dataset consists of 8807 rows x 13 columns of movie and tv shows, directors, cast, country, release year, duration, rating, listed in and description.</a:t>
-            </a:r>
-            <a:endParaRPr lang="en-IN" sz="2000" dirty="0">
-              <a:effectLst/>
-              <a:latin typeface="+mj-lt"/>
-              <a:ea typeface="Calibri" panose="020F0502020204030204" pitchFamily="34" charset="0"/>
-              <a:cs typeface="Times New Roman" panose="02020603050405020304" pitchFamily="18" charset="0"/>
-            </a:endParaRPr>
-          </a:p>
-          <a:p>
-            <a:pPr marL="342900" lvl="0" indent="-342900" algn="just">
-              <a:lnSpc>
-                <a:spcPct val="115000"/>
-              </a:lnSpc>
-              <a:buFont typeface="Symbol" panose="05050102010706020507" pitchFamily="18" charset="2"/>
-              <a:buChar char=""/>
-              <a:tabLst>
-                <a:tab pos="729615" algn="l"/>
-              </a:tabLst>
-            </a:pPr>
-            <a:r>
-              <a:rPr lang="en-US" sz="2000" dirty="0">
-                <a:effectLst/>
-                <a:latin typeface="+mj-lt"/>
-                <a:ea typeface="Calibri" panose="020F0502020204030204" pitchFamily="34" charset="0"/>
-                <a:cs typeface="Times New Roman" panose="02020603050405020304" pitchFamily="18" charset="0"/>
-              </a:rPr>
-              <a:t>Amazon Prime Dataset: This dataset consists of 9668 rows x 13 columns of movie and tv shows, directors, cast, country, release year, duration, rating, listed in and description.</a:t>
-            </a:r>
-            <a:endParaRPr lang="en-IN" sz="2000" dirty="0">
-              <a:effectLst/>
-              <a:latin typeface="+mj-lt"/>
-              <a:ea typeface="Calibri" panose="020F0502020204030204" pitchFamily="34" charset="0"/>
-              <a:cs typeface="Times New Roman" panose="02020603050405020304" pitchFamily="18" charset="0"/>
-            </a:endParaRPr>
-          </a:p>
-          <a:p>
-            <a:pPr marL="342900" lvl="0" indent="-342900" algn="just">
-              <a:lnSpc>
-                <a:spcPct val="115000"/>
-              </a:lnSpc>
-              <a:buFont typeface="Symbol" panose="05050102010706020507" pitchFamily="18" charset="2"/>
-              <a:buChar char=""/>
-              <a:tabLst>
-                <a:tab pos="729615" algn="l"/>
-              </a:tabLst>
-            </a:pPr>
-            <a:r>
-              <a:rPr lang="en-US" sz="2000" dirty="0">
-                <a:effectLst/>
-                <a:latin typeface="+mj-lt"/>
-                <a:ea typeface="Calibri" panose="020F0502020204030204" pitchFamily="34" charset="0"/>
-                <a:cs typeface="Times New Roman" panose="02020603050405020304" pitchFamily="18" charset="0"/>
-              </a:rPr>
-              <a:t>Disney+ Hotstar Dataset: This dataset consists of 1450 rows x 13 columns of movie and tv shows, directors, cast, country, release year, duration, rating, listed in and description.</a:t>
-            </a:r>
-            <a:endParaRPr lang="en-IN" sz="2000" dirty="0">
-              <a:effectLst/>
-              <a:latin typeface="+mj-lt"/>
-              <a:ea typeface="Calibri" panose="020F0502020204030204" pitchFamily="34" charset="0"/>
-              <a:cs typeface="Times New Roman" panose="02020603050405020304" pitchFamily="18" charset="0"/>
-            </a:endParaRPr>
-          </a:p>
-          <a:p>
-            <a:pPr marL="342900" lvl="0" indent="-342900" algn="just">
-              <a:lnSpc>
-                <a:spcPct val="115000"/>
-              </a:lnSpc>
-              <a:buFont typeface="Symbol" panose="05050102010706020507" pitchFamily="18" charset="2"/>
-              <a:buChar char=""/>
-              <a:tabLst>
-                <a:tab pos="729615" algn="l"/>
-              </a:tabLst>
-            </a:pPr>
-            <a:r>
-              <a:rPr lang="en-US" sz="2000" dirty="0">
-                <a:effectLst/>
-                <a:latin typeface="+mj-lt"/>
-                <a:ea typeface="Calibri" panose="020F0502020204030204" pitchFamily="34" charset="0"/>
-                <a:cs typeface="Times New Roman" panose="02020603050405020304" pitchFamily="18" charset="0"/>
-              </a:rPr>
-              <a:t>Hulu Dataset: This dataset consists of 3073 rows x 13 columns of movie and tv shows, directors, cast, country, release year, duration, rating, listed in and description.</a:t>
-            </a:r>
-            <a:endParaRPr lang="en-IN" sz="2000" dirty="0">
-              <a:effectLst/>
-              <a:latin typeface="+mj-lt"/>
-              <a:ea typeface="Calibri" panose="020F0502020204030204" pitchFamily="34" charset="0"/>
-              <a:cs typeface="Times New Roman" panose="02020603050405020304" pitchFamily="18" charset="0"/>
-            </a:endParaRPr>
-          </a:p>
-          <a:p>
-            <a:pPr marL="342900" lvl="0" indent="-342900" algn="just">
-              <a:lnSpc>
-                <a:spcPct val="115000"/>
-              </a:lnSpc>
-              <a:buFont typeface="Symbol" panose="05050102010706020507" pitchFamily="18" charset="2"/>
-              <a:buChar char=""/>
-              <a:tabLst>
-                <a:tab pos="729615" algn="l"/>
-              </a:tabLst>
-            </a:pPr>
-            <a:r>
-              <a:rPr lang="en-US" sz="2000" dirty="0">
-                <a:effectLst/>
-                <a:latin typeface="+mj-lt"/>
-                <a:ea typeface="Calibri" panose="020F0502020204030204" pitchFamily="34" charset="0"/>
-                <a:cs typeface="Times New Roman" panose="02020603050405020304" pitchFamily="18" charset="0"/>
-              </a:rPr>
-              <a:t>Movie Dataset: This dataset consists of 9515 rows x 11 columns of movies , year, age, rotten tomatoes, type and OTT platforms.</a:t>
-            </a:r>
-            <a:endParaRPr lang="en-IN" sz="2000" dirty="0">
-              <a:effectLst/>
-              <a:latin typeface="+mj-lt"/>
-              <a:ea typeface="Calibri" panose="020F0502020204030204" pitchFamily="34" charset="0"/>
-              <a:cs typeface="Times New Roman" panose="02020603050405020304" pitchFamily="18" charset="0"/>
-            </a:endParaRPr>
-          </a:p>
-          <a:p>
-            <a:pPr marL="342900" lvl="0" indent="-342900" algn="just">
-              <a:lnSpc>
-                <a:spcPct val="115000"/>
-              </a:lnSpc>
-              <a:buFont typeface="Symbol" panose="05050102010706020507" pitchFamily="18" charset="2"/>
-              <a:buChar char=""/>
-              <a:tabLst>
-                <a:tab pos="729615" algn="l"/>
-              </a:tabLst>
-            </a:pPr>
-            <a:r>
-              <a:rPr lang="en-US" sz="2000" dirty="0">
-                <a:effectLst/>
-                <a:latin typeface="+mj-lt"/>
-                <a:ea typeface="Calibri" panose="020F0502020204030204" pitchFamily="34" charset="0"/>
-                <a:cs typeface="Times New Roman" panose="02020603050405020304" pitchFamily="18" charset="0"/>
-              </a:rPr>
-              <a:t>Tv show Dataset: This dataset consists of 5368 rows x 11 columns of movies , year, age, rotten tomatoes, type and OTT platforms</a:t>
-            </a:r>
-            <a:endParaRPr lang="en-IN" sz="2000" dirty="0">
-              <a:effectLst/>
-              <a:latin typeface="+mj-lt"/>
-              <a:ea typeface="Calibri" panose="020F0502020204030204" pitchFamily="34" charset="0"/>
-              <a:cs typeface="Times New Roman" panose="02020603050405020304" pitchFamily="18" charset="0"/>
-            </a:endParaRPr>
-          </a:p>
-          <a:p>
-            <a:pPr marL="342900" lvl="0" indent="-342900" algn="just">
-              <a:lnSpc>
-                <a:spcPct val="115000"/>
-              </a:lnSpc>
-              <a:spcAft>
-                <a:spcPts val="1000"/>
-              </a:spcAft>
-              <a:buFont typeface="Symbol" panose="05050102010706020507" pitchFamily="18" charset="2"/>
-              <a:buChar char=""/>
-              <a:tabLst>
-                <a:tab pos="729615" algn="l"/>
-              </a:tabLst>
-            </a:pPr>
-            <a:r>
-              <a:rPr lang="en-US" sz="2000" dirty="0">
-                <a:effectLst/>
-                <a:latin typeface="+mj-lt"/>
-                <a:ea typeface="Calibri" panose="020F0502020204030204" pitchFamily="34" charset="0"/>
-                <a:cs typeface="Times New Roman" panose="02020603050405020304" pitchFamily="18" charset="0"/>
-              </a:rPr>
-              <a:t>Revenue Dataset: This datasets consists of 40 rows X 3 columns of area, years, revenue of Netflix platform.</a:t>
-            </a:r>
-            <a:endParaRPr lang="en-IN" sz="2000" dirty="0">
-              <a:effectLst/>
-              <a:latin typeface="+mj-lt"/>
-              <a:ea typeface="Calibri" panose="020F0502020204030204" pitchFamily="34" charset="0"/>
-              <a:cs typeface="Times New Roman" panose="02020603050405020304" pitchFamily="18" charset="0"/>
-            </a:endParaRPr>
-          </a:p>
-          <a:p>
-            <a:endParaRPr lang="en-IN" sz="2000" dirty="0">
-              <a:latin typeface="+mj-lt"/>
-            </a:endParaRPr>
-          </a:p>
-        </p:txBody>
-      </p:sp>
-    </p:spTree>
-    <p:extLst>
-      <p:ext uri="{BB962C8B-B14F-4D97-AF65-F5344CB8AC3E}">
-        <p14:creationId xmlns:p14="http://schemas.microsoft.com/office/powerpoint/2010/main" val="2657105128"/>
-      </p:ext>
-    </p:extLst>
-  </p:cSld>
-  <p:clrMapOvr>
-    <a:masterClrMapping/>
-  </p:clrMapOvr>
-</p:sld>
-</file>
-
-<file path=ppt/slides/slide4.xml><?xml version="1.0" encoding="utf-8"?>
-<p:sld xmlns:a="http://schemas.openxmlformats.org/drawingml/2006/main" xmlns:r="http://schemas.openxmlformats.org/officeDocument/2006/relationships" xmlns:p="http://schemas.openxmlformats.org/presentationml/2006/main">
-  <p:cSld>
-    <p:spTree>
-      <p:nvGrpSpPr>
-        <p:cNvPr id="1" name=""/>
-        <p:cNvGrpSpPr/>
-        <p:nvPr/>
-      </p:nvGrpSpPr>
-      <p:grpSpPr>
-        <a:xfrm>
-          <a:off x="0" y="0"/>
-          <a:ext cx="0" cy="0"/>
-          <a:chOff x="0" y="0"/>
-          <a:chExt cx="0" cy="0"/>
-        </a:xfrm>
-      </p:grpSpPr>
-      <p:sp>
-        <p:nvSpPr>
-          <p:cNvPr id="4" name="TextBox 3">
-            <a:extLst>
-              <a:ext uri="{FF2B5EF4-FFF2-40B4-BE49-F238E27FC236}">
-                <a16:creationId xmlns:a16="http://schemas.microsoft.com/office/drawing/2014/main" id="{1736D85A-F6CD-6E87-A55D-0E1FD565C90F}"/>
-              </a:ext>
-            </a:extLst>
-          </p:cNvPr>
-          <p:cNvSpPr txBox="1"/>
-          <p:nvPr/>
-        </p:nvSpPr>
-        <p:spPr>
-          <a:xfrm>
-            <a:off x="0" y="0"/>
-            <a:ext cx="11726779" cy="6419899"/>
-          </a:xfrm>
-          <a:prstGeom prst="rect">
-            <a:avLst/>
-          </a:prstGeom>
-          <a:noFill/>
-        </p:spPr>
-        <p:txBody>
-          <a:bodyPr wrap="square" rtlCol="0">
-            <a:spAutoFit/>
-          </a:bodyPr>
-          <a:lstStyle/>
-          <a:p>
-            <a:r>
-              <a:rPr lang="en-US" sz="3200" dirty="0">
-                <a:effectLst/>
-                <a:ea typeface="Calibri" panose="020F0502020204030204" pitchFamily="34" charset="0"/>
-                <a:cs typeface="Times New Roman" panose="02020603050405020304" pitchFamily="18" charset="0"/>
-              </a:rPr>
-              <a:t>Data Preprocessing :</a:t>
-            </a:r>
-            <a:endParaRPr lang="en-IN" sz="3200" dirty="0"/>
-          </a:p>
-          <a:p>
-            <a:endParaRPr lang="en-IN" sz="2200" dirty="0"/>
-          </a:p>
-          <a:p>
-            <a:pPr marL="342900" lvl="0" indent="-342900" algn="just">
-              <a:lnSpc>
-                <a:spcPct val="115000"/>
-              </a:lnSpc>
-              <a:buFont typeface="Symbol" panose="05050102010706020507" pitchFamily="18" charset="2"/>
-              <a:buChar char=""/>
-            </a:pPr>
-            <a:r>
-              <a:rPr lang="en-US" sz="2400" dirty="0">
-                <a:effectLst/>
-                <a:latin typeface="+mj-lt"/>
-                <a:ea typeface="Calibri" panose="020F0502020204030204" pitchFamily="34" charset="0"/>
-                <a:cs typeface="Times New Roman" panose="02020603050405020304" pitchFamily="18" charset="0"/>
-              </a:rPr>
-              <a:t>Netflix Dataset: This dataset consists of total 4307 null values, we dropped few unwanted columns in order to remove the null values.</a:t>
-            </a:r>
-            <a:endParaRPr lang="en-IN" sz="2400" dirty="0">
-              <a:effectLst/>
-              <a:latin typeface="+mj-lt"/>
-              <a:ea typeface="Calibri" panose="020F0502020204030204" pitchFamily="34" charset="0"/>
-              <a:cs typeface="Times New Roman" panose="02020603050405020304" pitchFamily="18" charset="0"/>
-            </a:endParaRPr>
-          </a:p>
-          <a:p>
-            <a:pPr marL="342900" lvl="0" indent="-342900" algn="just">
-              <a:lnSpc>
-                <a:spcPct val="115000"/>
-              </a:lnSpc>
-              <a:buFont typeface="Symbol" panose="05050102010706020507" pitchFamily="18" charset="2"/>
-              <a:buChar char=""/>
-            </a:pPr>
-            <a:r>
-              <a:rPr lang="en-US" sz="2400" dirty="0">
-                <a:effectLst/>
-                <a:latin typeface="+mj-lt"/>
-                <a:ea typeface="Calibri" panose="020F0502020204030204" pitchFamily="34" charset="0"/>
-                <a:cs typeface="Times New Roman" panose="02020603050405020304" pitchFamily="18" charset="0"/>
-              </a:rPr>
-              <a:t>Amazon Prime Dataset: This dataset consists of total 22161 null values, we dropped few unwanted columns in order to remove the null values.</a:t>
-            </a:r>
-            <a:endParaRPr lang="en-IN" sz="2400" dirty="0">
-              <a:effectLst/>
-              <a:latin typeface="+mj-lt"/>
-              <a:ea typeface="Calibri" panose="020F0502020204030204" pitchFamily="34" charset="0"/>
-              <a:cs typeface="Times New Roman" panose="02020603050405020304" pitchFamily="18" charset="0"/>
-            </a:endParaRPr>
-          </a:p>
-          <a:p>
-            <a:pPr marL="342900" lvl="0" indent="-342900" algn="just">
-              <a:lnSpc>
-                <a:spcPct val="115000"/>
-              </a:lnSpc>
-              <a:buFont typeface="Symbol" panose="05050102010706020507" pitchFamily="18" charset="2"/>
-              <a:buChar char=""/>
-            </a:pPr>
-            <a:r>
-              <a:rPr lang="en-US" sz="2400" dirty="0">
-                <a:effectLst/>
-                <a:latin typeface="+mj-lt"/>
-                <a:ea typeface="Calibri" panose="020F0502020204030204" pitchFamily="34" charset="0"/>
-                <a:cs typeface="Times New Roman" panose="02020603050405020304" pitchFamily="18" charset="0"/>
-              </a:rPr>
-              <a:t>Disney+ Hotstar Dataset: This dataset consists of total 888 null values, we dropped few unwanted columns in order to remove the null values.</a:t>
-            </a:r>
-            <a:endParaRPr lang="en-IN" sz="2400" dirty="0">
-              <a:effectLst/>
-              <a:latin typeface="+mj-lt"/>
-              <a:ea typeface="Calibri" panose="020F0502020204030204" pitchFamily="34" charset="0"/>
-              <a:cs typeface="Times New Roman" panose="02020603050405020304" pitchFamily="18" charset="0"/>
-            </a:endParaRPr>
-          </a:p>
-          <a:p>
-            <a:pPr marL="342900" lvl="0" indent="-342900" algn="just">
-              <a:lnSpc>
-                <a:spcPct val="115000"/>
-              </a:lnSpc>
-              <a:buFont typeface="Symbol" panose="05050102010706020507" pitchFamily="18" charset="2"/>
-              <a:buChar char=""/>
-            </a:pPr>
-            <a:r>
-              <a:rPr lang="en-US" sz="2400" dirty="0">
-                <a:effectLst/>
-                <a:latin typeface="+mj-lt"/>
-                <a:ea typeface="Calibri" panose="020F0502020204030204" pitchFamily="34" charset="0"/>
-                <a:cs typeface="Times New Roman" panose="02020603050405020304" pitchFamily="18" charset="0"/>
-              </a:rPr>
-              <a:t>Hulu Dataset: This dataset consists of total 8627 null values, we dropped few unwanted columns in order to remove the null values.</a:t>
-            </a:r>
-            <a:endParaRPr lang="en-IN" sz="2400" dirty="0">
-              <a:effectLst/>
-              <a:latin typeface="+mj-lt"/>
-              <a:ea typeface="Calibri" panose="020F0502020204030204" pitchFamily="34" charset="0"/>
-              <a:cs typeface="Times New Roman" panose="02020603050405020304" pitchFamily="18" charset="0"/>
-            </a:endParaRPr>
-          </a:p>
-          <a:p>
-            <a:pPr marL="342900" lvl="0" indent="-342900" algn="just">
-              <a:lnSpc>
-                <a:spcPct val="115000"/>
-              </a:lnSpc>
-              <a:buFont typeface="Symbol" panose="05050102010706020507" pitchFamily="18" charset="2"/>
-              <a:buChar char=""/>
-            </a:pPr>
-            <a:r>
-              <a:rPr lang="en-US" sz="2400" dirty="0">
-                <a:effectLst/>
-                <a:latin typeface="+mj-lt"/>
-                <a:ea typeface="Calibri" panose="020F0502020204030204" pitchFamily="34" charset="0"/>
-                <a:cs typeface="Times New Roman" panose="02020603050405020304" pitchFamily="18" charset="0"/>
-              </a:rPr>
-              <a:t>Movies Dataset: This dataset consists of total 4184 null values, replaced the null values by mode of the attribute in order to remove the null values.</a:t>
-            </a:r>
-            <a:endParaRPr lang="en-IN" sz="2400" dirty="0">
-              <a:effectLst/>
-              <a:latin typeface="+mj-lt"/>
-              <a:ea typeface="Calibri" panose="020F0502020204030204" pitchFamily="34" charset="0"/>
-              <a:cs typeface="Times New Roman" panose="02020603050405020304" pitchFamily="18" charset="0"/>
-            </a:endParaRPr>
-          </a:p>
-          <a:p>
-            <a:pPr marL="342900" lvl="0" indent="-342900" algn="just">
-              <a:lnSpc>
-                <a:spcPct val="115000"/>
-              </a:lnSpc>
-              <a:buFont typeface="Symbol" panose="05050102010706020507" pitchFamily="18" charset="2"/>
-              <a:buChar char=""/>
-            </a:pPr>
-            <a:r>
-              <a:rPr lang="en-US" sz="2400" dirty="0">
-                <a:effectLst/>
-                <a:latin typeface="+mj-lt"/>
-                <a:ea typeface="Calibri" panose="020F0502020204030204" pitchFamily="34" charset="0"/>
-                <a:cs typeface="Times New Roman" panose="02020603050405020304" pitchFamily="18" charset="0"/>
-              </a:rPr>
-              <a:t>Tv shows Dataset: This dataset consists of total 3089 null values, replaced the null values by mode of the attribute in order to remove the null values.</a:t>
-            </a:r>
-            <a:endParaRPr lang="en-IN" sz="2400" dirty="0">
-              <a:effectLst/>
-              <a:latin typeface="+mj-lt"/>
-              <a:ea typeface="Calibri" panose="020F0502020204030204" pitchFamily="34" charset="0"/>
-              <a:cs typeface="Times New Roman" panose="02020603050405020304" pitchFamily="18" charset="0"/>
-            </a:endParaRPr>
-          </a:p>
-          <a:p>
-            <a:pPr marL="342900" lvl="0" indent="-342900" algn="just">
-              <a:lnSpc>
-                <a:spcPct val="115000"/>
-              </a:lnSpc>
-              <a:spcAft>
-                <a:spcPts val="1000"/>
-              </a:spcAft>
-              <a:buFont typeface="Symbol" panose="05050102010706020507" pitchFamily="18" charset="2"/>
-              <a:buChar char=""/>
-            </a:pPr>
-            <a:r>
-              <a:rPr lang="en-US" sz="2400" dirty="0">
-                <a:effectLst/>
-                <a:latin typeface="+mj-lt"/>
-                <a:ea typeface="Calibri" panose="020F0502020204030204" pitchFamily="34" charset="0"/>
-                <a:cs typeface="Times New Roman" panose="02020603050405020304" pitchFamily="18" charset="0"/>
-              </a:rPr>
-              <a:t>Revenue Dataset: This dataset consists of zero null values.</a:t>
-            </a:r>
-            <a:endParaRPr lang="en-IN" sz="2400" dirty="0">
-              <a:effectLst/>
-              <a:latin typeface="+mj-lt"/>
-              <a:ea typeface="Calibri" panose="020F0502020204030204" pitchFamily="34" charset="0"/>
-              <a:cs typeface="Times New Roman" panose="02020603050405020304" pitchFamily="18" charset="0"/>
-            </a:endParaRPr>
-          </a:p>
-        </p:txBody>
-      </p:sp>
-    </p:spTree>
-    <p:extLst>
-      <p:ext uri="{BB962C8B-B14F-4D97-AF65-F5344CB8AC3E}">
-        <p14:creationId xmlns:p14="http://schemas.microsoft.com/office/powerpoint/2010/main" val="361322864"/>
-      </p:ext>
-    </p:extLst>
-  </p:cSld>
-  <p:clrMapOvr>
-    <a:masterClrMapping/>
-  </p:clrMapOvr>
-</p:sld>
-</file>
-
-<file path=ppt/slides/slide5.xml><?xml version="1.0" encoding="utf-8"?>
-<p:sld xmlns:a="http://schemas.openxmlformats.org/drawingml/2006/main" xmlns:r="http://schemas.openxmlformats.org/officeDocument/2006/relationships" xmlns:p="http://schemas.openxmlformats.org/presentationml/2006/main">
-  <p:cSld>
-    <p:spTree>
-      <p:nvGrpSpPr>
-        <p:cNvPr id="1" name=""/>
-        <p:cNvGrpSpPr/>
-        <p:nvPr/>
-      </p:nvGrpSpPr>
-      <p:grpSpPr>
-        <a:xfrm>
-          <a:off x="0" y="0"/>
-          <a:ext cx="0" cy="0"/>
-          <a:chOff x="0" y="0"/>
-          <a:chExt cx="0" cy="0"/>
-        </a:xfrm>
-      </p:grpSpPr>
-      <p:sp>
-        <p:nvSpPr>
-          <p:cNvPr id="2" name="TextBox 1">
-            <a:extLst>
-              <a:ext uri="{FF2B5EF4-FFF2-40B4-BE49-F238E27FC236}">
-                <a16:creationId xmlns:a16="http://schemas.microsoft.com/office/drawing/2014/main" id="{1EB9777D-AF3D-F244-120C-0A01AF1A310D}"/>
-              </a:ext>
-            </a:extLst>
-          </p:cNvPr>
-          <p:cNvSpPr txBox="1"/>
-          <p:nvPr/>
-        </p:nvSpPr>
-        <p:spPr>
-          <a:xfrm>
-            <a:off x="0" y="0"/>
-            <a:ext cx="12192000" cy="707886"/>
-          </a:xfrm>
-          <a:prstGeom prst="rect">
-            <a:avLst/>
-          </a:prstGeom>
-          <a:noFill/>
-        </p:spPr>
-        <p:txBody>
-          <a:bodyPr wrap="square">
-            <a:spAutoFit/>
-          </a:bodyPr>
-          <a:lstStyle/>
-          <a:p>
-            <a:r>
-              <a:rPr lang="en-US" sz="4000" dirty="0">
-                <a:latin typeface="Calibri body"/>
-              </a:rPr>
-              <a:t>Q1. Growth of OTT Platforms year wise</a:t>
-            </a:r>
-            <a:endParaRPr lang="en-IN" sz="4000" dirty="0">
-              <a:latin typeface="Calibri body"/>
-            </a:endParaRPr>
-          </a:p>
-        </p:txBody>
-      </p:sp>
-      <p:pic>
-        <p:nvPicPr>
-          <p:cNvPr id="5" name="Picture 4">
-            <a:extLst>
-              <a:ext uri="{FF2B5EF4-FFF2-40B4-BE49-F238E27FC236}">
-                <a16:creationId xmlns:a16="http://schemas.microsoft.com/office/drawing/2014/main" id="{E890A23E-9306-1290-3C5B-CA35EC2DA8FA}"/>
-              </a:ext>
-            </a:extLst>
-          </p:cNvPr>
-          <p:cNvPicPr>
-            <a:picLocks noChangeAspect="1"/>
-          </p:cNvPicPr>
-          <p:nvPr/>
-        </p:nvPicPr>
-        <p:blipFill>
-          <a:blip r:embed="rId2">
-            <a:extLst>
-              <a:ext uri="{28A0092B-C50C-407E-A947-70E740481C1C}">
-                <a14:useLocalDpi xmlns:a14="http://schemas.microsoft.com/office/drawing/2010/main" val="0"/>
-              </a:ext>
-            </a:extLst>
-          </a:blip>
-          <a:stretch>
-            <a:fillRect/>
-          </a:stretch>
-        </p:blipFill>
-        <p:spPr>
-          <a:xfrm>
-            <a:off x="0" y="1680410"/>
-            <a:ext cx="5651441" cy="3497179"/>
-          </a:xfrm>
-          <a:prstGeom prst="rect">
-            <a:avLst/>
-          </a:prstGeom>
-        </p:spPr>
-      </p:pic>
-      <p:sp>
-        <p:nvSpPr>
-          <p:cNvPr id="8" name="TextBox 7">
-            <a:extLst>
-              <a:ext uri="{FF2B5EF4-FFF2-40B4-BE49-F238E27FC236}">
-                <a16:creationId xmlns:a16="http://schemas.microsoft.com/office/drawing/2014/main" id="{99273EBE-0172-7C1D-C01D-4155F72815B6}"/>
-              </a:ext>
-            </a:extLst>
-          </p:cNvPr>
-          <p:cNvSpPr txBox="1"/>
-          <p:nvPr/>
-        </p:nvSpPr>
-        <p:spPr>
-          <a:xfrm>
-            <a:off x="0" y="5177589"/>
-            <a:ext cx="6208294" cy="369332"/>
-          </a:xfrm>
-          <a:prstGeom prst="rect">
-            <a:avLst/>
-          </a:prstGeom>
-          <a:noFill/>
-        </p:spPr>
-        <p:txBody>
-          <a:bodyPr wrap="square">
-            <a:spAutoFit/>
-          </a:bodyPr>
-          <a:lstStyle/>
-          <a:p>
-            <a:pPr algn="ctr">
-              <a:spcAft>
-                <a:spcPts val="1000"/>
-              </a:spcAft>
-            </a:pPr>
-            <a:r>
-              <a:rPr lang="en-US" sz="1800" i="1" dirty="0">
-                <a:solidFill>
-                  <a:srgbClr val="1F497D"/>
-                </a:solidFill>
-                <a:effectLst/>
-                <a:latin typeface="Calibri" panose="020F0502020204030204" pitchFamily="34" charset="0"/>
-                <a:ea typeface="Calibri" panose="020F0502020204030204" pitchFamily="34" charset="0"/>
-                <a:cs typeface="Times New Roman" panose="02020603050405020304" pitchFamily="18" charset="0"/>
-              </a:rPr>
-              <a:t>Figure 1a </a:t>
-            </a:r>
-            <a:r>
-              <a:rPr lang="en-US" sz="1800" dirty="0">
-                <a:effectLst/>
-                <a:latin typeface="Calibri" panose="020F0502020204030204" pitchFamily="34" charset="0"/>
-                <a:ea typeface="Calibri" panose="020F0502020204030204" pitchFamily="34" charset="0"/>
-                <a:cs typeface="Times New Roman" panose="02020603050405020304" pitchFamily="18" charset="0"/>
-              </a:rPr>
-              <a:t>Total no. of content present in Netflix over the years.</a:t>
-            </a:r>
-            <a:endParaRPr lang="en-IN" sz="1800" i="1" dirty="0">
-              <a:solidFill>
-                <a:srgbClr val="1F497D"/>
-              </a:solidFill>
-              <a:effectLst/>
-              <a:latin typeface="Calibri" panose="020F0502020204030204" pitchFamily="34" charset="0"/>
-              <a:ea typeface="Calibri" panose="020F0502020204030204" pitchFamily="34" charset="0"/>
-              <a:cs typeface="Times New Roman" panose="02020603050405020304" pitchFamily="18" charset="0"/>
-            </a:endParaRPr>
-          </a:p>
-        </p:txBody>
-      </p:sp>
-      <p:pic>
-        <p:nvPicPr>
-          <p:cNvPr id="10" name="Picture 9">
-            <a:extLst>
-              <a:ext uri="{FF2B5EF4-FFF2-40B4-BE49-F238E27FC236}">
-                <a16:creationId xmlns:a16="http://schemas.microsoft.com/office/drawing/2014/main" id="{BA6E4ECC-30C4-4391-88DA-562DD2BE088D}"/>
-              </a:ext>
-            </a:extLst>
-          </p:cNvPr>
-          <p:cNvPicPr>
-            <a:picLocks noChangeAspect="1"/>
-          </p:cNvPicPr>
-          <p:nvPr/>
-        </p:nvPicPr>
-        <p:blipFill>
-          <a:blip r:embed="rId3">
-            <a:extLst>
-              <a:ext uri="{28A0092B-C50C-407E-A947-70E740481C1C}">
-                <a14:useLocalDpi xmlns:a14="http://schemas.microsoft.com/office/drawing/2010/main" val="0"/>
-              </a:ext>
-            </a:extLst>
-          </a:blip>
-          <a:stretch>
-            <a:fillRect/>
-          </a:stretch>
-        </p:blipFill>
-        <p:spPr>
-          <a:xfrm>
-            <a:off x="5651441" y="1680411"/>
-            <a:ext cx="6208294" cy="3497178"/>
-          </a:xfrm>
-          <a:prstGeom prst="rect">
-            <a:avLst/>
-          </a:prstGeom>
-        </p:spPr>
-      </p:pic>
-      <p:sp>
-        <p:nvSpPr>
-          <p:cNvPr id="11" name="TextBox 10">
-            <a:extLst>
-              <a:ext uri="{FF2B5EF4-FFF2-40B4-BE49-F238E27FC236}">
-                <a16:creationId xmlns:a16="http://schemas.microsoft.com/office/drawing/2014/main" id="{AA0D5D18-DBB9-6181-229F-4B055594C22A}"/>
-              </a:ext>
-            </a:extLst>
-          </p:cNvPr>
-          <p:cNvSpPr txBox="1"/>
-          <p:nvPr/>
-        </p:nvSpPr>
-        <p:spPr>
-          <a:xfrm>
-            <a:off x="5983706" y="5177589"/>
-            <a:ext cx="6208294" cy="646331"/>
-          </a:xfrm>
-          <a:prstGeom prst="rect">
-            <a:avLst/>
-          </a:prstGeom>
-          <a:noFill/>
-        </p:spPr>
-        <p:txBody>
-          <a:bodyPr wrap="square">
-            <a:spAutoFit/>
-          </a:bodyPr>
-          <a:lstStyle/>
-          <a:p>
-            <a:pPr algn="ctr">
-              <a:spcAft>
-                <a:spcPts val="1000"/>
-              </a:spcAft>
-            </a:pPr>
-            <a:r>
-              <a:rPr lang="en-US" sz="1800" i="1" dirty="0">
-                <a:solidFill>
-                  <a:srgbClr val="1F497D"/>
-                </a:solidFill>
-                <a:effectLst/>
-                <a:latin typeface="Calibri" panose="020F0502020204030204" pitchFamily="34" charset="0"/>
-                <a:ea typeface="Calibri" panose="020F0502020204030204" pitchFamily="34" charset="0"/>
-                <a:cs typeface="Times New Roman" panose="02020603050405020304" pitchFamily="18" charset="0"/>
-              </a:rPr>
-              <a:t>Figure 1b </a:t>
-            </a:r>
-            <a:r>
-              <a:rPr lang="en-US" sz="1800" dirty="0">
-                <a:effectLst/>
-                <a:latin typeface="Calibri" panose="020F0502020204030204" pitchFamily="34" charset="0"/>
-                <a:ea typeface="Calibri" panose="020F0502020204030204" pitchFamily="34" charset="0"/>
-                <a:cs typeface="Times New Roman" panose="02020603050405020304" pitchFamily="18" charset="0"/>
-              </a:rPr>
-              <a:t>Total no. of content present in Amazon Prime over the years.</a:t>
-            </a:r>
-            <a:endParaRPr lang="en-IN" sz="1800" i="1" dirty="0">
-              <a:solidFill>
-                <a:srgbClr val="1F497D"/>
-              </a:solidFill>
-              <a:effectLst/>
-              <a:latin typeface="Calibri" panose="020F0502020204030204" pitchFamily="34" charset="0"/>
-              <a:ea typeface="Calibri" panose="020F0502020204030204" pitchFamily="34" charset="0"/>
-              <a:cs typeface="Times New Roman" panose="02020603050405020304" pitchFamily="18" charset="0"/>
-            </a:endParaRPr>
-          </a:p>
-        </p:txBody>
-      </p:sp>
-    </p:spTree>
-    <p:extLst>
-      <p:ext uri="{BB962C8B-B14F-4D97-AF65-F5344CB8AC3E}">
-        <p14:creationId xmlns:p14="http://schemas.microsoft.com/office/powerpoint/2010/main" val="2706733557"/>
-      </p:ext>
-    </p:extLst>
-  </p:cSld>
-  <p:clrMapOvr>
-    <a:masterClrMapping/>
-  </p:clrMapOvr>
-</p:sld>
-</file>
-
-<file path=ppt/slides/slide6.xml><?xml version="1.0" encoding="utf-8"?>
-<p:sld xmlns:a="http://schemas.openxmlformats.org/drawingml/2006/main" xmlns:r="http://schemas.openxmlformats.org/officeDocument/2006/relationships" xmlns:p="http://schemas.openxmlformats.org/presentationml/2006/main">
-  <p:cSld>
-    <p:spTree>
-      <p:nvGrpSpPr>
-        <p:cNvPr id="1" name=""/>
-        <p:cNvGrpSpPr/>
-        <p:nvPr/>
-      </p:nvGrpSpPr>
-      <p:grpSpPr>
-        <a:xfrm>
-          <a:off x="0" y="0"/>
-          <a:ext cx="0" cy="0"/>
-          <a:chOff x="0" y="0"/>
-          <a:chExt cx="0" cy="0"/>
-        </a:xfrm>
-      </p:grpSpPr>
-      <p:pic>
-        <p:nvPicPr>
-          <p:cNvPr id="2" name="Picture 1">
-            <a:extLst>
-              <a:ext uri="{FF2B5EF4-FFF2-40B4-BE49-F238E27FC236}">
-                <a16:creationId xmlns:a16="http://schemas.microsoft.com/office/drawing/2014/main" id="{A20BBA0E-363F-3FEE-D397-0A83811ECCCA}"/>
-              </a:ext>
-            </a:extLst>
-          </p:cNvPr>
-          <p:cNvPicPr>
-            <a:picLocks noChangeAspect="1"/>
-          </p:cNvPicPr>
-          <p:nvPr/>
-        </p:nvPicPr>
-        <p:blipFill>
-          <a:blip r:embed="rId2">
-            <a:extLst>
-              <a:ext uri="{28A0092B-C50C-407E-A947-70E740481C1C}">
-                <a14:useLocalDpi xmlns:a14="http://schemas.microsoft.com/office/drawing/2010/main" val="0"/>
-              </a:ext>
-            </a:extLst>
-          </a:blip>
-          <a:stretch>
-            <a:fillRect/>
-          </a:stretch>
-        </p:blipFill>
-        <p:spPr>
-          <a:xfrm>
-            <a:off x="0" y="1448201"/>
-            <a:ext cx="6172625" cy="3672840"/>
-          </a:xfrm>
-          <a:prstGeom prst="rect">
-            <a:avLst/>
-          </a:prstGeom>
-        </p:spPr>
-      </p:pic>
-      <p:pic>
-        <p:nvPicPr>
-          <p:cNvPr id="3" name="Picture 2">
-            <a:extLst>
-              <a:ext uri="{FF2B5EF4-FFF2-40B4-BE49-F238E27FC236}">
-                <a16:creationId xmlns:a16="http://schemas.microsoft.com/office/drawing/2014/main" id="{39C01355-0067-DF99-CF5E-CD1B6230D531}"/>
-              </a:ext>
-            </a:extLst>
-          </p:cNvPr>
-          <p:cNvPicPr>
-            <a:picLocks noChangeAspect="1"/>
-          </p:cNvPicPr>
-          <p:nvPr/>
-        </p:nvPicPr>
-        <p:blipFill>
-          <a:blip r:embed="rId3">
-            <a:extLst>
-              <a:ext uri="{28A0092B-C50C-407E-A947-70E740481C1C}">
-                <a14:useLocalDpi xmlns:a14="http://schemas.microsoft.com/office/drawing/2010/main" val="0"/>
-              </a:ext>
-            </a:extLst>
-          </a:blip>
-          <a:stretch>
-            <a:fillRect/>
-          </a:stretch>
-        </p:blipFill>
-        <p:spPr>
-          <a:xfrm>
-            <a:off x="6096000" y="1448201"/>
-            <a:ext cx="5996940" cy="3672840"/>
-          </a:xfrm>
-          <a:prstGeom prst="rect">
-            <a:avLst/>
-          </a:prstGeom>
-        </p:spPr>
-      </p:pic>
-      <p:sp>
-        <p:nvSpPr>
-          <p:cNvPr id="4" name="TextBox 3">
-            <a:extLst>
-              <a:ext uri="{FF2B5EF4-FFF2-40B4-BE49-F238E27FC236}">
-                <a16:creationId xmlns:a16="http://schemas.microsoft.com/office/drawing/2014/main" id="{A0B03847-6FFB-5D8D-C6C2-F37351EFA394}"/>
-              </a:ext>
-            </a:extLst>
-          </p:cNvPr>
-          <p:cNvSpPr txBox="1"/>
-          <p:nvPr/>
-        </p:nvSpPr>
-        <p:spPr>
-          <a:xfrm>
-            <a:off x="0" y="5177589"/>
-            <a:ext cx="6208294" cy="774571"/>
-          </a:xfrm>
-          <a:prstGeom prst="rect">
-            <a:avLst/>
-          </a:prstGeom>
-          <a:noFill/>
-        </p:spPr>
-        <p:txBody>
-          <a:bodyPr wrap="square">
-            <a:spAutoFit/>
-          </a:bodyPr>
-          <a:lstStyle/>
-          <a:p>
-            <a:pPr algn="ctr">
-              <a:spcAft>
-                <a:spcPts val="1000"/>
-              </a:spcAft>
-            </a:pPr>
-            <a:r>
-              <a:rPr lang="en-US" sz="1800" i="1" dirty="0">
-                <a:solidFill>
-                  <a:srgbClr val="1F497D"/>
-                </a:solidFill>
-                <a:effectLst/>
-                <a:latin typeface="Calibri" panose="020F0502020204030204" pitchFamily="34" charset="0"/>
-                <a:ea typeface="Calibri" panose="020F0502020204030204" pitchFamily="34" charset="0"/>
-                <a:cs typeface="Times New Roman" panose="02020603050405020304" pitchFamily="18" charset="0"/>
-              </a:rPr>
-              <a:t>Figure 1c Total no. of content present in Hulu over the years.</a:t>
-            </a:r>
-            <a:endParaRPr lang="en-IN" sz="1800" i="1" dirty="0">
-              <a:solidFill>
-                <a:srgbClr val="1F497D"/>
-              </a:solidFill>
-              <a:effectLst/>
-              <a:latin typeface="Calibri" panose="020F0502020204030204" pitchFamily="34" charset="0"/>
-              <a:ea typeface="Calibri" panose="020F0502020204030204" pitchFamily="34" charset="0"/>
-              <a:cs typeface="Times New Roman" panose="02020603050405020304" pitchFamily="18" charset="0"/>
-            </a:endParaRPr>
-          </a:p>
-          <a:p>
-            <a:pPr algn="ctr">
-              <a:spcAft>
-                <a:spcPts val="1000"/>
-              </a:spcAft>
-            </a:pPr>
-            <a:endParaRPr lang="en-IN" sz="1800" i="1" dirty="0">
-              <a:solidFill>
-                <a:srgbClr val="1F497D"/>
-              </a:solidFill>
-              <a:effectLst/>
-              <a:latin typeface="Calibri" panose="020F0502020204030204" pitchFamily="34" charset="0"/>
-              <a:ea typeface="Calibri" panose="020F0502020204030204" pitchFamily="34" charset="0"/>
-              <a:cs typeface="Times New Roman" panose="02020603050405020304" pitchFamily="18" charset="0"/>
-            </a:endParaRPr>
-          </a:p>
-        </p:txBody>
-      </p:sp>
-      <p:sp>
-        <p:nvSpPr>
-          <p:cNvPr id="5" name="TextBox 4">
-            <a:extLst>
-              <a:ext uri="{FF2B5EF4-FFF2-40B4-BE49-F238E27FC236}">
-                <a16:creationId xmlns:a16="http://schemas.microsoft.com/office/drawing/2014/main" id="{08EF5E90-0BB3-767F-ED9C-9D722FD16B4D}"/>
-              </a:ext>
-            </a:extLst>
-          </p:cNvPr>
-          <p:cNvSpPr txBox="1"/>
-          <p:nvPr/>
-        </p:nvSpPr>
-        <p:spPr>
-          <a:xfrm>
-            <a:off x="6172625" y="5177589"/>
-            <a:ext cx="6208294" cy="646331"/>
-          </a:xfrm>
-          <a:prstGeom prst="rect">
-            <a:avLst/>
-          </a:prstGeom>
-          <a:noFill/>
-        </p:spPr>
-        <p:txBody>
-          <a:bodyPr wrap="square">
-            <a:spAutoFit/>
-          </a:bodyPr>
-          <a:lstStyle/>
-          <a:p>
-            <a:pPr algn="ctr">
-              <a:spcAft>
-                <a:spcPts val="1000"/>
-              </a:spcAft>
-            </a:pPr>
-            <a:r>
-              <a:rPr lang="en-US" sz="1800" i="1" dirty="0">
-                <a:solidFill>
-                  <a:srgbClr val="1F497D"/>
-                </a:solidFill>
-                <a:effectLst/>
-                <a:latin typeface="Calibri" panose="020F0502020204030204" pitchFamily="34" charset="0"/>
-                <a:ea typeface="Calibri" panose="020F0502020204030204" pitchFamily="34" charset="0"/>
-                <a:cs typeface="Times New Roman" panose="02020603050405020304" pitchFamily="18" charset="0"/>
-              </a:rPr>
-              <a:t>Figure 1d </a:t>
-            </a:r>
-            <a:r>
-              <a:rPr lang="en-US" sz="1800" dirty="0">
-                <a:effectLst/>
-                <a:latin typeface="Calibri" panose="020F0502020204030204" pitchFamily="34" charset="0"/>
-                <a:ea typeface="Calibri" panose="020F0502020204030204" pitchFamily="34" charset="0"/>
-                <a:cs typeface="Times New Roman" panose="02020603050405020304" pitchFamily="18" charset="0"/>
-              </a:rPr>
-              <a:t>Total no. of content present in Disney+ </a:t>
-            </a:r>
-            <a:r>
-              <a:rPr lang="en-US" sz="1800" dirty="0" err="1">
-                <a:effectLst/>
-                <a:latin typeface="Calibri" panose="020F0502020204030204" pitchFamily="34" charset="0"/>
-                <a:ea typeface="Calibri" panose="020F0502020204030204" pitchFamily="34" charset="0"/>
-                <a:cs typeface="Times New Roman" panose="02020603050405020304" pitchFamily="18" charset="0"/>
-              </a:rPr>
-              <a:t>hotstar</a:t>
-            </a:r>
-            <a:r>
-              <a:rPr lang="en-US" sz="1800" dirty="0">
-                <a:effectLst/>
-                <a:latin typeface="Calibri" panose="020F0502020204030204" pitchFamily="34" charset="0"/>
-                <a:ea typeface="Calibri" panose="020F0502020204030204" pitchFamily="34" charset="0"/>
-                <a:cs typeface="Times New Roman" panose="02020603050405020304" pitchFamily="18" charset="0"/>
-              </a:rPr>
-              <a:t> over the years.</a:t>
-            </a:r>
-            <a:endParaRPr lang="en-IN" sz="1800" i="1" dirty="0">
-              <a:solidFill>
-                <a:srgbClr val="1F497D"/>
-              </a:solidFill>
-              <a:effectLst/>
-              <a:latin typeface="Calibri" panose="020F0502020204030204" pitchFamily="34" charset="0"/>
-              <a:ea typeface="Calibri" panose="020F0502020204030204" pitchFamily="34" charset="0"/>
-              <a:cs typeface="Times New Roman" panose="02020603050405020304" pitchFamily="18" charset="0"/>
-            </a:endParaRPr>
-          </a:p>
-        </p:txBody>
-      </p:sp>
-    </p:spTree>
-    <p:extLst>
-      <p:ext uri="{BB962C8B-B14F-4D97-AF65-F5344CB8AC3E}">
-        <p14:creationId xmlns:p14="http://schemas.microsoft.com/office/powerpoint/2010/main" val="2647533628"/>
-      </p:ext>
-    </p:extLst>
-  </p:cSld>
-  <p:clrMapOvr>
-    <a:masterClrMapping/>
-  </p:clrMapOvr>
-</p:sld>
-</file>
-
-<file path=ppt/slides/slide7.xml><?xml version="1.0" encoding="utf-8"?>
-<p:sld xmlns:a="http://schemas.openxmlformats.org/drawingml/2006/main" xmlns:r="http://schemas.openxmlformats.org/officeDocument/2006/relationships" xmlns:p="http://schemas.openxmlformats.org/presentationml/2006/main">
-  <p:cSld>
-    <p:spTree>
-      <p:nvGrpSpPr>
-        <p:cNvPr id="1" name=""/>
-        <p:cNvGrpSpPr/>
-        <p:nvPr/>
-      </p:nvGrpSpPr>
-      <p:grpSpPr>
-        <a:xfrm>
-          <a:off x="0" y="0"/>
-          <a:ext cx="0" cy="0"/>
-          <a:chOff x="0" y="0"/>
-          <a:chExt cx="0" cy="0"/>
-        </a:xfrm>
-      </p:grpSpPr>
-      <p:sp>
-        <p:nvSpPr>
-          <p:cNvPr id="2" name="TextBox 1">
-            <a:extLst>
-              <a:ext uri="{FF2B5EF4-FFF2-40B4-BE49-F238E27FC236}">
-                <a16:creationId xmlns:a16="http://schemas.microsoft.com/office/drawing/2014/main" id="{F2CC52EF-A009-7E50-2711-E528B8794B10}"/>
-              </a:ext>
-            </a:extLst>
-          </p:cNvPr>
-          <p:cNvSpPr txBox="1"/>
-          <p:nvPr/>
-        </p:nvSpPr>
-        <p:spPr>
-          <a:xfrm>
-            <a:off x="0" y="0"/>
-            <a:ext cx="12079705" cy="6636689"/>
-          </a:xfrm>
-          <a:prstGeom prst="rect">
-            <a:avLst/>
-          </a:prstGeom>
-          <a:noFill/>
-        </p:spPr>
-        <p:txBody>
-          <a:bodyPr wrap="square" rtlCol="0">
-            <a:spAutoFit/>
-          </a:bodyPr>
-          <a:lstStyle/>
-          <a:p>
-            <a:pPr>
-              <a:lnSpc>
-                <a:spcPct val="115000"/>
-              </a:lnSpc>
-              <a:spcAft>
-                <a:spcPts val="1000"/>
-              </a:spcAft>
-            </a:pPr>
-            <a:r>
-              <a:rPr lang="en-US" sz="3600" b="1" dirty="0">
-                <a:effectLst/>
-                <a:ea typeface="Calibri" panose="020F0502020204030204" pitchFamily="34" charset="0"/>
-                <a:cs typeface="Times New Roman" panose="02020603050405020304" pitchFamily="18" charset="0"/>
-              </a:rPr>
-              <a:t>Inference:</a:t>
-            </a:r>
-            <a:endParaRPr lang="en-IN" sz="3600" dirty="0">
-              <a:effectLst/>
-              <a:ea typeface="Calibri" panose="020F0502020204030204" pitchFamily="34" charset="0"/>
-              <a:cs typeface="Times New Roman" panose="02020603050405020304" pitchFamily="18" charset="0"/>
-            </a:endParaRPr>
-          </a:p>
-          <a:p>
-            <a:pPr marL="342900" lvl="0" indent="-342900">
-              <a:lnSpc>
-                <a:spcPct val="115000"/>
-              </a:lnSpc>
-              <a:buFont typeface="Symbol" panose="05050102010706020507" pitchFamily="18" charset="2"/>
-              <a:buChar char=""/>
-            </a:pPr>
-            <a:r>
-              <a:rPr lang="en-US" sz="3600" dirty="0">
-                <a:effectLst/>
-                <a:ea typeface="Calibri" panose="020F0502020204030204" pitchFamily="34" charset="0"/>
-                <a:cs typeface="Times New Roman" panose="02020603050405020304" pitchFamily="18" charset="0"/>
-              </a:rPr>
-              <a:t>Figure 1a says that Netflix in the year 2020 content decreased because of lack of new movies and tv shows. </a:t>
-            </a:r>
-            <a:endParaRPr lang="en-IN" sz="3600" dirty="0">
-              <a:effectLst/>
-              <a:ea typeface="Calibri" panose="020F0502020204030204" pitchFamily="34" charset="0"/>
-              <a:cs typeface="Times New Roman" panose="02020603050405020304" pitchFamily="18" charset="0"/>
-            </a:endParaRPr>
-          </a:p>
-          <a:p>
-            <a:pPr marL="342900" lvl="0" indent="-342900">
-              <a:lnSpc>
-                <a:spcPct val="115000"/>
-              </a:lnSpc>
-              <a:buFont typeface="Symbol" panose="05050102010706020507" pitchFamily="18" charset="2"/>
-              <a:buChar char=""/>
-            </a:pPr>
-            <a:r>
-              <a:rPr lang="en-US" sz="3600" dirty="0">
-                <a:effectLst/>
-                <a:ea typeface="Calibri" panose="020F0502020204030204" pitchFamily="34" charset="0"/>
-                <a:cs typeface="Times New Roman" panose="02020603050405020304" pitchFamily="18" charset="0"/>
-              </a:rPr>
-              <a:t>Figure 1b says Amazon prime in the year 2020 content got increased as they added existing movies and tv shows.</a:t>
-            </a:r>
-            <a:endParaRPr lang="en-IN" sz="3600" dirty="0">
-              <a:effectLst/>
-              <a:ea typeface="Calibri" panose="020F0502020204030204" pitchFamily="34" charset="0"/>
-              <a:cs typeface="Times New Roman" panose="02020603050405020304" pitchFamily="18" charset="0"/>
-            </a:endParaRPr>
-          </a:p>
-          <a:p>
-            <a:pPr marL="342900" lvl="0" indent="-342900">
-              <a:lnSpc>
-                <a:spcPct val="115000"/>
-              </a:lnSpc>
-              <a:buFont typeface="Symbol" panose="05050102010706020507" pitchFamily="18" charset="2"/>
-              <a:buChar char=""/>
-            </a:pPr>
-            <a:r>
-              <a:rPr lang="en-US" sz="3600" dirty="0">
-                <a:effectLst/>
-                <a:ea typeface="Calibri" panose="020F0502020204030204" pitchFamily="34" charset="0"/>
-                <a:cs typeface="Times New Roman" panose="02020603050405020304" pitchFamily="18" charset="0"/>
-              </a:rPr>
-              <a:t>Figure 1c says that Hulu content in the year 2020 decreased because of lack of movies and tv shows.</a:t>
-            </a:r>
-            <a:endParaRPr lang="en-IN" sz="3600" dirty="0">
-              <a:effectLst/>
-              <a:ea typeface="Calibri" panose="020F0502020204030204" pitchFamily="34" charset="0"/>
-              <a:cs typeface="Times New Roman" panose="02020603050405020304" pitchFamily="18" charset="0"/>
-            </a:endParaRPr>
-          </a:p>
-          <a:p>
-            <a:pPr marL="342900" lvl="0" indent="-342900">
-              <a:lnSpc>
-                <a:spcPct val="115000"/>
-              </a:lnSpc>
-              <a:spcAft>
-                <a:spcPts val="1000"/>
-              </a:spcAft>
-              <a:buFont typeface="Symbol" panose="05050102010706020507" pitchFamily="18" charset="2"/>
-              <a:buChar char=""/>
-            </a:pPr>
-            <a:r>
-              <a:rPr lang="en-US" sz="3600" dirty="0">
-                <a:effectLst/>
-                <a:ea typeface="Calibri" panose="020F0502020204030204" pitchFamily="34" charset="0"/>
-                <a:cs typeface="Times New Roman" panose="02020603050405020304" pitchFamily="18" charset="0"/>
-              </a:rPr>
-              <a:t>Figure 1d says Disney + Hotstar in the year 2020 content got increased as they added existing movies and tv shows.</a:t>
-            </a:r>
-            <a:endParaRPr lang="en-IN" sz="3600" dirty="0">
-              <a:effectLst/>
-              <a:ea typeface="Calibri" panose="020F0502020204030204" pitchFamily="34" charset="0"/>
-              <a:cs typeface="Times New Roman" panose="02020603050405020304" pitchFamily="18" charset="0"/>
-            </a:endParaRPr>
-          </a:p>
-          <a:p>
-            <a:endParaRPr lang="en-IN" sz="3600" dirty="0"/>
-          </a:p>
-        </p:txBody>
-      </p:sp>
-    </p:spTree>
-    <p:extLst>
-      <p:ext uri="{BB962C8B-B14F-4D97-AF65-F5344CB8AC3E}">
-        <p14:creationId xmlns:p14="http://schemas.microsoft.com/office/powerpoint/2010/main" val="991132035"/>
-      </p:ext>
-    </p:extLst>
-  </p:cSld>
-  <p:clrMapOvr>
-    <a:masterClrMapping/>
-  </p:clrMapOvr>
-</p:sld>
-</file>
-
-<file path=ppt/slides/slide8.xml><?xml version="1.0" encoding="utf-8"?>
-<p:sld xmlns:a="http://schemas.openxmlformats.org/drawingml/2006/main" xmlns:r="http://schemas.openxmlformats.org/officeDocument/2006/relationships" xmlns:p="http://schemas.openxmlformats.org/presentationml/2006/main">
-  <p:cSld>
-    <p:spTree>
-      <p:nvGrpSpPr>
-        <p:cNvPr id="1" name=""/>
-        <p:cNvGrpSpPr/>
-        <p:nvPr/>
-      </p:nvGrpSpPr>
-      <p:grpSpPr>
-        <a:xfrm>
-          <a:off x="0" y="0"/>
-          <a:ext cx="0" cy="0"/>
-          <a:chOff x="0" y="0"/>
-          <a:chExt cx="0" cy="0"/>
-        </a:xfrm>
-      </p:grpSpPr>
-      <p:sp>
-        <p:nvSpPr>
-          <p:cNvPr id="3" name="TextBox 2">
-            <a:extLst>
-              <a:ext uri="{FF2B5EF4-FFF2-40B4-BE49-F238E27FC236}">
-                <a16:creationId xmlns:a16="http://schemas.microsoft.com/office/drawing/2014/main" id="{542B093F-1325-AD08-88C6-A58B30945D3A}"/>
-              </a:ext>
-            </a:extLst>
-          </p:cNvPr>
-          <p:cNvSpPr txBox="1"/>
-          <p:nvPr/>
-        </p:nvSpPr>
-        <p:spPr>
-          <a:xfrm>
-            <a:off x="0" y="0"/>
-            <a:ext cx="12192000" cy="707886"/>
-          </a:xfrm>
-          <a:prstGeom prst="rect">
-            <a:avLst/>
-          </a:prstGeom>
-          <a:noFill/>
-        </p:spPr>
-        <p:txBody>
-          <a:bodyPr wrap="square">
-            <a:spAutoFit/>
-          </a:bodyPr>
-          <a:lstStyle/>
-          <a:p>
-            <a:r>
-              <a:rPr lang="en-US" sz="4000" dirty="0">
-                <a:latin typeface="Calibri body"/>
-              </a:rPr>
-              <a:t>2. </a:t>
-            </a:r>
-            <a:r>
-              <a:rPr lang="en-US" sz="3600" dirty="0">
-                <a:effectLst/>
-                <a:ea typeface="Calibri" panose="020F0502020204030204" pitchFamily="34" charset="0"/>
-                <a:cs typeface="Times New Roman" panose="02020603050405020304" pitchFamily="18" charset="0"/>
-              </a:rPr>
-              <a:t>Revenue of Netflix over the years.</a:t>
-            </a:r>
-            <a:endParaRPr lang="en-IN" sz="4000" dirty="0"/>
           </a:p>
         </p:txBody>
       </p:sp>
@@ -6730,7 +4447,7 @@
                 <a:ea typeface="Calibri" panose="020F0502020204030204" pitchFamily="34" charset="0"/>
                 <a:cs typeface="Times New Roman" panose="02020603050405020304" pitchFamily="18" charset="0"/>
               </a:rPr>
-              <a:t>Figure 2</a:t>
+              <a:t>Figure 2:</a:t>
             </a:r>
             <a:r>
               <a:rPr lang="en-US" i="1" dirty="0">
@@ -6814,8 +4531,8 @@
         </p:nvSpPr>
         <p:spPr>
           <a:xfrm>
-            <a:off x="8879305" y="975139"/>
-            <a:ext cx="3076843" cy="5146665"/>
+            <a:off x="9031859" y="975139"/>
+            <a:ext cx="2924290" cy="3584379"/>
           </a:xfrm>
           <a:prstGeom prst="rect">
             <a:avLst/>
@@ -6837,17 +4554,17 @@
               </a:spcAft>
             </a:pPr>
             <a:r>
-              <a:rPr lang="en-US" sz="2800" b="1" dirty="0">
+              <a:rPr lang="en-US" sz="2400" b="1" dirty="0">
                 <a:effectLst/>
-                <a:latin typeface="+mj-lt"/>
+                <a:latin typeface="Times New Roman" panose="02020603050405020304" pitchFamily="18" charset="0"/>
                 <a:ea typeface="Calibri" panose="020F0502020204030204" pitchFamily="34" charset="0"/>
                 <a:cs typeface="Times New Roman" panose="02020603050405020304" pitchFamily="18" charset="0"/>
               </a:rPr>
               <a:t>Inference:</a:t>
             </a:r>
-            <a:endParaRPr lang="en-IN" sz="2800" dirty="0">
+            <a:endParaRPr lang="en-IN" sz="2400" dirty="0">
               <a:effectLst/>
-              <a:latin typeface="+mj-lt"/>
+              <a:latin typeface="Times New Roman" panose="02020603050405020304" pitchFamily="18" charset="0"/>
               <a:ea typeface="Calibri" panose="020F0502020204030204" pitchFamily="34" charset="0"/>
               <a:cs typeface="Times New Roman" panose="02020603050405020304" pitchFamily="18" charset="0"/>
             </a:endParaRPr>
@@ -6864,17 +4581,17 @@
               <a:buChar char=""/>
             </a:pPr>
             <a:r>
-              <a:rPr lang="en-US" sz="2800" dirty="0">
+              <a:rPr lang="en-US" sz="2400" dirty="0">
                 <a:effectLst/>
-                <a:latin typeface="+mj-lt"/>
+                <a:latin typeface="Times New Roman" panose="02020603050405020304" pitchFamily="18" charset="0"/>
                 <a:ea typeface="Calibri" panose="020F0502020204030204" pitchFamily="34" charset="0"/>
                 <a:cs typeface="Times New Roman" panose="02020603050405020304" pitchFamily="18" charset="0"/>
               </a:rPr>
               <a:t>From figure 2 revenue of Netflix has increased in all regions, comparing the revenue of the year 2018 and 2019. </a:t>
             </a:r>
-            <a:endParaRPr lang="en-IN" sz="2800" dirty="0">
+            <a:endParaRPr lang="en-IN" sz="2400" dirty="0">
               <a:effectLst/>
-              <a:latin typeface="+mj-lt"/>
+              <a:latin typeface="Times New Roman" panose="02020603050405020304" pitchFamily="18" charset="0"/>
               <a:ea typeface="Calibri" panose="020F0502020204030204" pitchFamily="34" charset="0"/>
               <a:cs typeface="Times New Roman" panose="02020603050405020304" pitchFamily="18" charset="0"/>
             </a:endParaRPr>
@@ -6894,7 +4611,7 @@
 </p:sld>
 </file>
 
-<file path=ppt/slides/slide9.xml><?xml version="1.0" encoding="utf-8"?>
+<file path=ppt/slides/slide12.xml><?xml version="1.0" encoding="utf-8"?>
 <p:sld xmlns:a="http://schemas.openxmlformats.org/drawingml/2006/main" xmlns:r="http://schemas.openxmlformats.org/officeDocument/2006/relationships" xmlns:p="http://schemas.openxmlformats.org/presentationml/2006/main">
   <p:cSld>
     <p:spTree>
@@ -6941,12 +4658,14 @@
           <a:p>
             <a:r>
               <a:rPr lang="en-US" sz="4000" dirty="0">
-                <a:latin typeface="Calibri body"/>
-              </a:rPr>
-              <a:t>3. No. of Content produced by OTT platforms in the year 2020 and 2021</a:t>
+                <a:latin typeface="Times New Roman" panose="02020603050405020304" pitchFamily="18" charset="0"/>
+                <a:cs typeface="Times New Roman" panose="02020603050405020304" pitchFamily="18" charset="0"/>
+              </a:rPr>
+              <a:t>3. No. of Content produced by OTT platforms in the years 2020 and 2021</a:t>
             </a:r>
             <a:endParaRPr lang="en-IN" sz="4000" dirty="0">
-              <a:latin typeface="Calibri body"/>
+              <a:latin typeface="Times New Roman" panose="02020603050405020304" pitchFamily="18" charset="0"/>
+              <a:cs typeface="Times New Roman" panose="02020603050405020304" pitchFamily="18" charset="0"/>
             </a:endParaRPr>
           </a:p>
         </p:txBody>
@@ -7038,7 +4757,7 @@
         <p:spPr>
           <a:xfrm>
             <a:off x="224364" y="4764505"/>
-            <a:ext cx="6208294" cy="369332"/>
+            <a:ext cx="6208294" cy="646331"/>
           </a:xfrm>
           <a:prstGeom prst="rect">
             <a:avLst/>
@@ -7077,7 +4796,7 @@
                 <a:ea typeface="Calibri" panose="020F0502020204030204" pitchFamily="34" charset="0"/>
                 <a:cs typeface="Times New Roman" panose="02020603050405020304" pitchFamily="18" charset="0"/>
               </a:rPr>
-              <a:t>3.1 </a:t>
+              <a:t>3.a: </a:t>
             </a:r>
             <a:r>
               <a:rPr lang="en-US" sz="1800" i="1" dirty="0">
@@ -7089,7 +4808,7 @@
                 <a:ea typeface="Calibri" panose="020F0502020204030204" pitchFamily="34" charset="0"/>
                 <a:cs typeface="Times New Roman" panose="02020603050405020304" pitchFamily="18" charset="0"/>
               </a:rPr>
-              <a:t>No. of content in different OTT platforms in year 2020.</a:t>
+              <a:t>No. of content in different OTT platforms in the year 2020.</a:t>
             </a:r>
             <a:endParaRPr lang="en-IN" sz="1800" i="1" dirty="0">
               <a:solidFill>
@@ -7157,7 +4876,7 @@
                 <a:ea typeface="Calibri" panose="020F0502020204030204" pitchFamily="34" charset="0"/>
                 <a:cs typeface="Times New Roman" panose="02020603050405020304" pitchFamily="18" charset="0"/>
               </a:rPr>
-              <a:t>3.2 </a:t>
+              <a:t>3.b: </a:t>
             </a:r>
             <a:r>
               <a:rPr lang="en-US" sz="1800" dirty="0">
@@ -7166,7 +4885,7 @@
                 <a:ea typeface="Calibri" panose="020F0502020204030204" pitchFamily="34" charset="0"/>
                 <a:cs typeface="Times New Roman" panose="02020603050405020304" pitchFamily="18" charset="0"/>
               </a:rPr>
-              <a:t>No. of content in different OTT platforms in year 2021.</a:t>
+              <a:t>No. of content in different OTT platforms in the year 2021.</a:t>
             </a:r>
             <a:endParaRPr lang="en-US" sz="1800" i="1" dirty="0">
               <a:solidFill>
@@ -7184,6 +4903,3997 @@
     <p:extLst>
       <p:ext uri="{BB962C8B-B14F-4D97-AF65-F5344CB8AC3E}">
         <p14:creationId xmlns:p14="http://schemas.microsoft.com/office/powerpoint/2010/main" val="2249285400"/>
+      </p:ext>
+    </p:extLst>
+  </p:cSld>
+  <p:clrMapOvr>
+    <a:masterClrMapping/>
+  </p:clrMapOvr>
+</p:sld>
+</file>
+
+<file path=ppt/slides/slide13.xml><?xml version="1.0" encoding="utf-8"?>
+<p:sld xmlns:a="http://schemas.openxmlformats.org/drawingml/2006/main" xmlns:r="http://schemas.openxmlformats.org/officeDocument/2006/relationships" xmlns:p="http://schemas.openxmlformats.org/presentationml/2006/main">
+  <p:cSld>
+    <p:spTree>
+      <p:nvGrpSpPr>
+        <p:cNvPr id="1" name=""/>
+        <p:cNvGrpSpPr/>
+        <p:nvPr/>
+      </p:nvGrpSpPr>
+      <p:grpSpPr>
+        <a:xfrm>
+          <a:off x="0" y="0"/>
+          <a:ext cx="0" cy="0"/>
+          <a:chOff x="0" y="0"/>
+          <a:chExt cx="0" cy="0"/>
+        </a:xfrm>
+      </p:grpSpPr>
+      <p:sp>
+        <p:nvSpPr>
+          <p:cNvPr id="2" name="TextBox 1">
+            <a:extLst>
+              <a:ext uri="{FF2B5EF4-FFF2-40B4-BE49-F238E27FC236}">
+                <a16:creationId xmlns:a16="http://schemas.microsoft.com/office/drawing/2014/main" id="{CE4620FD-B5BA-BE22-6A0E-1FCF39262E15}"/>
+              </a:ext>
+            </a:extLst>
+          </p:cNvPr>
+          <p:cNvSpPr txBox="1"/>
+          <p:nvPr/>
+        </p:nvSpPr>
+        <p:spPr>
+          <a:xfrm>
+            <a:off x="0" y="0"/>
+            <a:ext cx="12079705" cy="2310184"/>
+          </a:xfrm>
+          <a:prstGeom prst="rect">
+            <a:avLst/>
+          </a:prstGeom>
+          <a:noFill/>
+        </p:spPr>
+        <p:txBody>
+          <a:bodyPr wrap="square" rtlCol="0">
+            <a:spAutoFit/>
+          </a:bodyPr>
+          <a:lstStyle/>
+          <a:p>
+            <a:pPr>
+              <a:lnSpc>
+                <a:spcPct val="115000"/>
+              </a:lnSpc>
+              <a:spcAft>
+                <a:spcPts val="1000"/>
+              </a:spcAft>
+            </a:pPr>
+            <a:r>
+              <a:rPr lang="en-US" sz="2400" b="1" dirty="0">
+                <a:effectLst/>
+                <a:latin typeface="Times New Roman" panose="02020603050405020304" pitchFamily="18" charset="0"/>
+                <a:ea typeface="Calibri" panose="020F0502020204030204" pitchFamily="34" charset="0"/>
+                <a:cs typeface="Times New Roman" panose="02020603050405020304" pitchFamily="18" charset="0"/>
+              </a:rPr>
+              <a:t>Inference:</a:t>
+            </a:r>
+            <a:endParaRPr lang="en-IN" sz="2400" dirty="0">
+              <a:effectLst/>
+              <a:latin typeface="Times New Roman" panose="02020603050405020304" pitchFamily="18" charset="0"/>
+              <a:ea typeface="Calibri" panose="020F0502020204030204" pitchFamily="34" charset="0"/>
+              <a:cs typeface="Times New Roman" panose="02020603050405020304" pitchFamily="18" charset="0"/>
+            </a:endParaRPr>
+          </a:p>
+          <a:p>
+            <a:pPr marL="342900" lvl="0" indent="-342900">
+              <a:lnSpc>
+                <a:spcPct val="115000"/>
+              </a:lnSpc>
+              <a:buFont typeface="Symbol" panose="05050102010706020507" pitchFamily="18" charset="2"/>
+              <a:buChar char=""/>
+            </a:pPr>
+            <a:r>
+              <a:rPr lang="en-US" sz="2400" dirty="0">
+                <a:effectLst/>
+                <a:latin typeface="Times New Roman" panose="02020603050405020304" pitchFamily="18" charset="0"/>
+                <a:ea typeface="Calibri" panose="020F0502020204030204" pitchFamily="34" charset="0"/>
+                <a:cs typeface="Times New Roman" panose="02020603050405020304" pitchFamily="18" charset="0"/>
+              </a:rPr>
+              <a:t>Figure 3.a shows the number of movies and tv shows present on each OTT platform in the year 2020.</a:t>
+            </a:r>
+            <a:endParaRPr lang="en-IN" sz="2400" dirty="0">
+              <a:effectLst/>
+              <a:latin typeface="Times New Roman" panose="02020603050405020304" pitchFamily="18" charset="0"/>
+              <a:ea typeface="Calibri" panose="020F0502020204030204" pitchFamily="34" charset="0"/>
+              <a:cs typeface="Times New Roman" panose="02020603050405020304" pitchFamily="18" charset="0"/>
+            </a:endParaRPr>
+          </a:p>
+          <a:p>
+            <a:pPr marL="342900" lvl="0" indent="-342900">
+              <a:lnSpc>
+                <a:spcPct val="115000"/>
+              </a:lnSpc>
+              <a:spcAft>
+                <a:spcPts val="1000"/>
+              </a:spcAft>
+              <a:buFont typeface="Symbol" panose="05050102010706020507" pitchFamily="18" charset="2"/>
+              <a:buChar char=""/>
+            </a:pPr>
+            <a:r>
+              <a:rPr lang="en-US" sz="2400" dirty="0">
+                <a:effectLst/>
+                <a:latin typeface="Times New Roman" panose="02020603050405020304" pitchFamily="18" charset="0"/>
+                <a:ea typeface="Calibri" panose="020F0502020204030204" pitchFamily="34" charset="0"/>
+                <a:cs typeface="Times New Roman" panose="02020603050405020304" pitchFamily="18" charset="0"/>
+              </a:rPr>
+              <a:t>Figure 3.b shows the number of movies and tv shows present on each OTT platform in the year 2021.</a:t>
+            </a:r>
+            <a:endParaRPr lang="en-IN" sz="2400" dirty="0">
+              <a:effectLst/>
+              <a:latin typeface="Times New Roman" panose="02020603050405020304" pitchFamily="18" charset="0"/>
+              <a:ea typeface="Calibri" panose="020F0502020204030204" pitchFamily="34" charset="0"/>
+              <a:cs typeface="Times New Roman" panose="02020603050405020304" pitchFamily="18" charset="0"/>
+            </a:endParaRPr>
+          </a:p>
+        </p:txBody>
+      </p:sp>
+    </p:spTree>
+    <p:extLst>
+      <p:ext uri="{BB962C8B-B14F-4D97-AF65-F5344CB8AC3E}">
+        <p14:creationId xmlns:p14="http://schemas.microsoft.com/office/powerpoint/2010/main" val="2980772283"/>
+      </p:ext>
+    </p:extLst>
+  </p:cSld>
+  <p:clrMapOvr>
+    <a:masterClrMapping/>
+  </p:clrMapOvr>
+</p:sld>
+</file>
+
+<file path=ppt/slides/slide14.xml><?xml version="1.0" encoding="utf-8"?>
+<p:sld xmlns:a="http://schemas.openxmlformats.org/drawingml/2006/main" xmlns:r="http://schemas.openxmlformats.org/officeDocument/2006/relationships" xmlns:p="http://schemas.openxmlformats.org/presentationml/2006/main">
+  <p:cSld>
+    <p:spTree>
+      <p:nvGrpSpPr>
+        <p:cNvPr id="1" name=""/>
+        <p:cNvGrpSpPr/>
+        <p:nvPr/>
+      </p:nvGrpSpPr>
+      <p:grpSpPr>
+        <a:xfrm>
+          <a:off x="0" y="0"/>
+          <a:ext cx="0" cy="0"/>
+          <a:chOff x="0" y="0"/>
+          <a:chExt cx="0" cy="0"/>
+        </a:xfrm>
+      </p:grpSpPr>
+      <p:sp>
+        <p:nvSpPr>
+          <p:cNvPr id="3" name="TextBox 2">
+            <a:extLst>
+              <a:ext uri="{FF2B5EF4-FFF2-40B4-BE49-F238E27FC236}">
+                <a16:creationId xmlns:a16="http://schemas.microsoft.com/office/drawing/2014/main" id="{ADFFB6AB-D791-D6A5-4E64-BF1B20FCDC85}"/>
+              </a:ext>
+            </a:extLst>
+          </p:cNvPr>
+          <p:cNvSpPr txBox="1"/>
+          <p:nvPr/>
+        </p:nvSpPr>
+        <p:spPr>
+          <a:xfrm>
+            <a:off x="0" y="0"/>
+            <a:ext cx="12192000" cy="707886"/>
+          </a:xfrm>
+          <a:prstGeom prst="rect">
+            <a:avLst/>
+          </a:prstGeom>
+          <a:noFill/>
+        </p:spPr>
+        <p:txBody>
+          <a:bodyPr wrap="square">
+            <a:spAutoFit/>
+          </a:bodyPr>
+          <a:lstStyle/>
+          <a:p>
+            <a:r>
+              <a:rPr lang="en-IN" sz="4000" dirty="0">
+                <a:latin typeface="Times New Roman" panose="02020603050405020304" pitchFamily="18" charset="0"/>
+                <a:cs typeface="Times New Roman" panose="02020603050405020304" pitchFamily="18" charset="0"/>
+              </a:rPr>
+              <a:t>4. </a:t>
+            </a:r>
+            <a:r>
+              <a:rPr lang="en-US" sz="4000" dirty="0">
+                <a:latin typeface="Times New Roman" panose="02020603050405020304" pitchFamily="18" charset="0"/>
+                <a:cs typeface="Times New Roman" panose="02020603050405020304" pitchFamily="18" charset="0"/>
+              </a:rPr>
+              <a:t>I</a:t>
+            </a:r>
+            <a:r>
+              <a:rPr lang="en-US" sz="4000" dirty="0">
+                <a:effectLst/>
+                <a:latin typeface="Times New Roman" panose="02020603050405020304" pitchFamily="18" charset="0"/>
+                <a:ea typeface="Calibri" panose="020F0502020204030204" pitchFamily="34" charset="0"/>
+                <a:cs typeface="Times New Roman" panose="02020603050405020304" pitchFamily="18" charset="0"/>
+              </a:rPr>
+              <a:t>mpact of COVID-19 on IMDb ratings</a:t>
+            </a:r>
+            <a:endParaRPr lang="en-IN" sz="4000" dirty="0">
+              <a:latin typeface="Times New Roman" panose="02020603050405020304" pitchFamily="18" charset="0"/>
+              <a:cs typeface="Times New Roman" panose="02020603050405020304" pitchFamily="18" charset="0"/>
+            </a:endParaRPr>
+          </a:p>
+        </p:txBody>
+      </p:sp>
+      <p:pic>
+        <p:nvPicPr>
+          <p:cNvPr id="5" name="Picture 4">
+            <a:extLst>
+              <a:ext uri="{FF2B5EF4-FFF2-40B4-BE49-F238E27FC236}">
+                <a16:creationId xmlns:a16="http://schemas.microsoft.com/office/drawing/2014/main" id="{B5AE9E69-1B14-5888-2A8B-2BD249FAEB2E}"/>
+              </a:ext>
+            </a:extLst>
+          </p:cNvPr>
+          <p:cNvPicPr>
+            <a:picLocks noChangeAspect="1"/>
+          </p:cNvPicPr>
+          <p:nvPr/>
+        </p:nvPicPr>
+        <p:blipFill>
+          <a:blip r:embed="rId2">
+            <a:extLst>
+              <a:ext uri="{28A0092B-C50C-407E-A947-70E740481C1C}">
+                <a14:useLocalDpi xmlns:a14="http://schemas.microsoft.com/office/drawing/2010/main" val="0"/>
+              </a:ext>
+            </a:extLst>
+          </a:blip>
+          <a:stretch>
+            <a:fillRect/>
+          </a:stretch>
+        </p:blipFill>
+        <p:spPr>
+          <a:xfrm>
+            <a:off x="0" y="1212098"/>
+            <a:ext cx="6766560" cy="3984625"/>
+          </a:xfrm>
+          <a:prstGeom prst="rect">
+            <a:avLst/>
+          </a:prstGeom>
+        </p:spPr>
+      </p:pic>
+      <p:sp>
+        <p:nvSpPr>
+          <p:cNvPr id="7" name="TextBox 6">
+            <a:extLst>
+              <a:ext uri="{FF2B5EF4-FFF2-40B4-BE49-F238E27FC236}">
+                <a16:creationId xmlns:a16="http://schemas.microsoft.com/office/drawing/2014/main" id="{FF93B29E-AAA5-9722-6C5D-566611EA5F46}"/>
+              </a:ext>
+            </a:extLst>
+          </p:cNvPr>
+          <p:cNvSpPr txBox="1"/>
+          <p:nvPr/>
+        </p:nvSpPr>
+        <p:spPr>
+          <a:xfrm>
+            <a:off x="6914147" y="1090863"/>
+            <a:ext cx="4940969" cy="3584379"/>
+          </a:xfrm>
+          <a:prstGeom prst="rect">
+            <a:avLst/>
+          </a:prstGeom>
+          <a:noFill/>
+        </p:spPr>
+        <p:txBody>
+          <a:bodyPr wrap="square">
+            <a:spAutoFit/>
+          </a:bodyPr>
+          <a:lstStyle/>
+          <a:p>
+            <a:pPr>
+              <a:lnSpc>
+                <a:spcPct val="115000"/>
+              </a:lnSpc>
+              <a:spcAft>
+                <a:spcPts val="1000"/>
+              </a:spcAft>
+            </a:pPr>
+            <a:r>
+              <a:rPr lang="en-US" sz="2400" b="1" dirty="0">
+                <a:effectLst/>
+                <a:latin typeface="Times New Roman" panose="02020603050405020304" pitchFamily="18" charset="0"/>
+                <a:ea typeface="Calibri" panose="020F0502020204030204" pitchFamily="34" charset="0"/>
+                <a:cs typeface="Times New Roman" panose="02020603050405020304" pitchFamily="18" charset="0"/>
+              </a:rPr>
+              <a:t>Inference:</a:t>
+            </a:r>
+            <a:endParaRPr lang="en-IN" sz="2400" dirty="0">
+              <a:effectLst/>
+              <a:latin typeface="Times New Roman" panose="02020603050405020304" pitchFamily="18" charset="0"/>
+              <a:ea typeface="Calibri" panose="020F0502020204030204" pitchFamily="34" charset="0"/>
+              <a:cs typeface="Times New Roman" panose="02020603050405020304" pitchFamily="18" charset="0"/>
+            </a:endParaRPr>
+          </a:p>
+          <a:p>
+            <a:pPr marL="342900" lvl="0" indent="-342900">
+              <a:lnSpc>
+                <a:spcPct val="115000"/>
+              </a:lnSpc>
+              <a:buFont typeface="Symbol" panose="05050102010706020507" pitchFamily="18" charset="2"/>
+              <a:buChar char=""/>
+            </a:pPr>
+            <a:r>
+              <a:rPr lang="en-US" sz="2400" dirty="0">
+                <a:effectLst/>
+                <a:latin typeface="Times New Roman" panose="02020603050405020304" pitchFamily="18" charset="0"/>
+                <a:ea typeface="Calibri" panose="020F0502020204030204" pitchFamily="34" charset="0"/>
+                <a:cs typeface="Times New Roman" panose="02020603050405020304" pitchFamily="18" charset="0"/>
+              </a:rPr>
+              <a:t>Figure </a:t>
+            </a:r>
+            <a:r>
+              <a:rPr lang="en-US" sz="2400" dirty="0">
+                <a:latin typeface="Times New Roman" panose="02020603050405020304" pitchFamily="18" charset="0"/>
+                <a:ea typeface="Calibri" panose="020F0502020204030204" pitchFamily="34" charset="0"/>
+                <a:cs typeface="Times New Roman" panose="02020603050405020304" pitchFamily="18" charset="0"/>
+              </a:rPr>
+              <a:t>4</a:t>
+            </a:r>
+            <a:r>
+              <a:rPr lang="en-US" sz="2400" dirty="0">
+                <a:effectLst/>
+                <a:latin typeface="Times New Roman" panose="02020603050405020304" pitchFamily="18" charset="0"/>
+                <a:ea typeface="Calibri" panose="020F0502020204030204" pitchFamily="34" charset="0"/>
+                <a:cs typeface="Times New Roman" panose="02020603050405020304" pitchFamily="18" charset="0"/>
+              </a:rPr>
+              <a:t> shows how the density of IMDb ratings is high near the year 2020.</a:t>
+            </a:r>
+            <a:endParaRPr lang="en-IN" sz="2400" dirty="0">
+              <a:effectLst/>
+              <a:latin typeface="Times New Roman" panose="02020603050405020304" pitchFamily="18" charset="0"/>
+              <a:ea typeface="Calibri" panose="020F0502020204030204" pitchFamily="34" charset="0"/>
+              <a:cs typeface="Times New Roman" panose="02020603050405020304" pitchFamily="18" charset="0"/>
+            </a:endParaRPr>
+          </a:p>
+          <a:p>
+            <a:pPr marL="342900" lvl="0" indent="-342900">
+              <a:lnSpc>
+                <a:spcPct val="115000"/>
+              </a:lnSpc>
+              <a:spcAft>
+                <a:spcPts val="1000"/>
+              </a:spcAft>
+              <a:buFont typeface="Symbol" panose="05050102010706020507" pitchFamily="18" charset="2"/>
+              <a:buChar char=""/>
+            </a:pPr>
+            <a:r>
+              <a:rPr lang="en-US" sz="2400" dirty="0">
+                <a:effectLst/>
+                <a:latin typeface="Times New Roman" panose="02020603050405020304" pitchFamily="18" charset="0"/>
+                <a:ea typeface="Calibri" panose="020F0502020204030204" pitchFamily="34" charset="0"/>
+                <a:cs typeface="Times New Roman" panose="02020603050405020304" pitchFamily="18" charset="0"/>
+              </a:rPr>
+              <a:t>It also says that people watched more number of movies and tv shows and rated them in the year 2020.</a:t>
+            </a:r>
+            <a:endParaRPr lang="en-IN" sz="2400" dirty="0">
+              <a:effectLst/>
+              <a:latin typeface="Times New Roman" panose="02020603050405020304" pitchFamily="18" charset="0"/>
+              <a:ea typeface="Calibri" panose="020F0502020204030204" pitchFamily="34" charset="0"/>
+              <a:cs typeface="Times New Roman" panose="02020603050405020304" pitchFamily="18" charset="0"/>
+            </a:endParaRPr>
+          </a:p>
+        </p:txBody>
+      </p:sp>
+      <p:sp>
+        <p:nvSpPr>
+          <p:cNvPr id="9" name="TextBox 8">
+            <a:extLst>
+              <a:ext uri="{FF2B5EF4-FFF2-40B4-BE49-F238E27FC236}">
+                <a16:creationId xmlns:a16="http://schemas.microsoft.com/office/drawing/2014/main" id="{F9D9E7AB-9A9E-85A5-9031-9234796A31E3}"/>
+              </a:ext>
+            </a:extLst>
+          </p:cNvPr>
+          <p:cNvSpPr txBox="1"/>
+          <p:nvPr/>
+        </p:nvSpPr>
+        <p:spPr>
+          <a:xfrm>
+            <a:off x="558266" y="5246488"/>
+            <a:ext cx="6208294" cy="774571"/>
+          </a:xfrm>
+          <a:prstGeom prst="rect">
+            <a:avLst/>
+          </a:prstGeom>
+          <a:noFill/>
+        </p:spPr>
+        <p:txBody>
+          <a:bodyPr wrap="square">
+            <a:spAutoFit/>
+          </a:bodyPr>
+          <a:lstStyle/>
+          <a:p>
+            <a:pPr algn="ctr">
+              <a:spcAft>
+                <a:spcPts val="1000"/>
+              </a:spcAft>
+            </a:pPr>
+            <a:r>
+              <a:rPr lang="en-US" sz="1800" i="1" dirty="0">
+                <a:solidFill>
+                  <a:srgbClr val="1F497D"/>
+                </a:solidFill>
+                <a:effectLst/>
+                <a:latin typeface="Calibri" panose="020F0502020204030204" pitchFamily="34" charset="0"/>
+                <a:ea typeface="Calibri" panose="020F0502020204030204" pitchFamily="34" charset="0"/>
+                <a:cs typeface="Times New Roman" panose="02020603050405020304" pitchFamily="18" charset="0"/>
+              </a:rPr>
+              <a:t>Figure </a:t>
+            </a:r>
+            <a:r>
+              <a:rPr lang="en-US" i="1" dirty="0">
+                <a:solidFill>
+                  <a:srgbClr val="1F497D"/>
+                </a:solidFill>
+                <a:latin typeface="Calibri" panose="020F0502020204030204" pitchFamily="34" charset="0"/>
+                <a:ea typeface="Calibri" panose="020F0502020204030204" pitchFamily="34" charset="0"/>
+                <a:cs typeface="Times New Roman" panose="02020603050405020304" pitchFamily="18" charset="0"/>
+              </a:rPr>
+              <a:t>4 </a:t>
+            </a:r>
+            <a:r>
+              <a:rPr lang="en-US" sz="1800" i="1" dirty="0">
+                <a:solidFill>
+                  <a:srgbClr val="1F497D"/>
+                </a:solidFill>
+                <a:effectLst/>
+                <a:latin typeface="Calibri" panose="020F0502020204030204" pitchFamily="34" charset="0"/>
+                <a:ea typeface="Calibri" panose="020F0502020204030204" pitchFamily="34" charset="0"/>
+                <a:cs typeface="Times New Roman" panose="02020603050405020304" pitchFamily="18" charset="0"/>
+              </a:rPr>
+              <a:t>Density of IMDb ratings over the years.</a:t>
+            </a:r>
+            <a:endParaRPr lang="en-IN" sz="1800" i="1" dirty="0">
+              <a:solidFill>
+                <a:srgbClr val="1F497D"/>
+              </a:solidFill>
+              <a:effectLst/>
+              <a:latin typeface="Calibri" panose="020F0502020204030204" pitchFamily="34" charset="0"/>
+              <a:ea typeface="Calibri" panose="020F0502020204030204" pitchFamily="34" charset="0"/>
+              <a:cs typeface="Times New Roman" panose="02020603050405020304" pitchFamily="18" charset="0"/>
+            </a:endParaRPr>
+          </a:p>
+          <a:p>
+            <a:pPr algn="ctr">
+              <a:spcAft>
+                <a:spcPts val="1000"/>
+              </a:spcAft>
+            </a:pPr>
+            <a:endParaRPr lang="en-IN" sz="1800" i="1" dirty="0">
+              <a:solidFill>
+                <a:srgbClr val="1F497D"/>
+              </a:solidFill>
+              <a:effectLst/>
+              <a:latin typeface="Calibri" panose="020F0502020204030204" pitchFamily="34" charset="0"/>
+              <a:ea typeface="Calibri" panose="020F0502020204030204" pitchFamily="34" charset="0"/>
+              <a:cs typeface="Times New Roman" panose="02020603050405020304" pitchFamily="18" charset="0"/>
+            </a:endParaRPr>
+          </a:p>
+        </p:txBody>
+      </p:sp>
+    </p:spTree>
+    <p:extLst>
+      <p:ext uri="{BB962C8B-B14F-4D97-AF65-F5344CB8AC3E}">
+        <p14:creationId xmlns:p14="http://schemas.microsoft.com/office/powerpoint/2010/main" val="2852591628"/>
+      </p:ext>
+    </p:extLst>
+  </p:cSld>
+  <p:clrMapOvr>
+    <a:masterClrMapping/>
+  </p:clrMapOvr>
+</p:sld>
+</file>
+
+<file path=ppt/slides/slide15.xml><?xml version="1.0" encoding="utf-8"?>
+<p:sld xmlns:a="http://schemas.openxmlformats.org/drawingml/2006/main" xmlns:r="http://schemas.openxmlformats.org/officeDocument/2006/relationships" xmlns:p="http://schemas.openxmlformats.org/presentationml/2006/main">
+  <p:cSld>
+    <p:spTree>
+      <p:nvGrpSpPr>
+        <p:cNvPr id="1" name=""/>
+        <p:cNvGrpSpPr/>
+        <p:nvPr/>
+      </p:nvGrpSpPr>
+      <p:grpSpPr>
+        <a:xfrm>
+          <a:off x="0" y="0"/>
+          <a:ext cx="0" cy="0"/>
+          <a:chOff x="0" y="0"/>
+          <a:chExt cx="0" cy="0"/>
+        </a:xfrm>
+      </p:grpSpPr>
+      <p:sp>
+        <p:nvSpPr>
+          <p:cNvPr id="2" name="TextBox 1">
+            <a:extLst>
+              <a:ext uri="{FF2B5EF4-FFF2-40B4-BE49-F238E27FC236}">
+                <a16:creationId xmlns:a16="http://schemas.microsoft.com/office/drawing/2014/main" id="{5A5F6DF8-ECCD-EA1F-19A7-964D20E2CF06}"/>
+              </a:ext>
+            </a:extLst>
+          </p:cNvPr>
+          <p:cNvSpPr txBox="1"/>
+          <p:nvPr/>
+        </p:nvSpPr>
+        <p:spPr>
+          <a:xfrm>
+            <a:off x="0" y="-13904"/>
+            <a:ext cx="12192000" cy="1323439"/>
+          </a:xfrm>
+          <a:prstGeom prst="rect">
+            <a:avLst/>
+          </a:prstGeom>
+          <a:noFill/>
+        </p:spPr>
+        <p:txBody>
+          <a:bodyPr wrap="square">
+            <a:spAutoFit/>
+          </a:bodyPr>
+          <a:lstStyle/>
+          <a:p>
+            <a:r>
+              <a:rPr lang="en-IN" sz="4000" dirty="0">
+                <a:latin typeface="Times New Roman" panose="02020603050405020304" pitchFamily="18" charset="0"/>
+                <a:cs typeface="Times New Roman" panose="02020603050405020304" pitchFamily="18" charset="0"/>
+              </a:rPr>
+              <a:t>5. </a:t>
+            </a:r>
+            <a:r>
+              <a:rPr lang="en-US" sz="4000" dirty="0">
+                <a:solidFill>
+                  <a:srgbClr val="000000"/>
+                </a:solidFill>
+                <a:latin typeface="Times New Roman" panose="02020603050405020304" pitchFamily="18" charset="0"/>
+                <a:cs typeface="Times New Roman" panose="02020603050405020304" pitchFamily="18" charset="0"/>
+              </a:rPr>
+              <a:t>T</a:t>
+            </a:r>
+            <a:r>
+              <a:rPr lang="en-US" sz="4000" dirty="0">
+                <a:solidFill>
+                  <a:srgbClr val="000000"/>
+                </a:solidFill>
+                <a:effectLst/>
+                <a:latin typeface="Times New Roman" panose="02020603050405020304" pitchFamily="18" charset="0"/>
+                <a:ea typeface="Calibri" panose="020F0502020204030204" pitchFamily="34" charset="0"/>
+                <a:cs typeface="Times New Roman" panose="02020603050405020304" pitchFamily="18" charset="0"/>
+              </a:rPr>
+              <a:t>ype of Content that are added by Netflix in the year 2020</a:t>
+            </a:r>
+            <a:endParaRPr lang="en-IN" sz="4000" dirty="0">
+              <a:latin typeface="Times New Roman" panose="02020603050405020304" pitchFamily="18" charset="0"/>
+              <a:cs typeface="Times New Roman" panose="02020603050405020304" pitchFamily="18" charset="0"/>
+            </a:endParaRPr>
+          </a:p>
+        </p:txBody>
+      </p:sp>
+      <p:sp>
+        <p:nvSpPr>
+          <p:cNvPr id="5" name="TextBox 4">
+            <a:extLst>
+              <a:ext uri="{FF2B5EF4-FFF2-40B4-BE49-F238E27FC236}">
+                <a16:creationId xmlns:a16="http://schemas.microsoft.com/office/drawing/2014/main" id="{48D54282-4A6E-7914-D1A2-973C03F9402F}"/>
+              </a:ext>
+            </a:extLst>
+          </p:cNvPr>
+          <p:cNvSpPr txBox="1"/>
+          <p:nvPr/>
+        </p:nvSpPr>
+        <p:spPr>
+          <a:xfrm>
+            <a:off x="8550443" y="1464093"/>
+            <a:ext cx="3513220" cy="3584379"/>
+          </a:xfrm>
+          <a:prstGeom prst="rect">
+            <a:avLst/>
+          </a:prstGeom>
+          <a:noFill/>
+        </p:spPr>
+        <p:txBody>
+          <a:bodyPr wrap="square">
+            <a:spAutoFit/>
+          </a:bodyPr>
+          <a:lstStyle/>
+          <a:p>
+            <a:pPr>
+              <a:lnSpc>
+                <a:spcPct val="115000"/>
+              </a:lnSpc>
+              <a:spcAft>
+                <a:spcPts val="1000"/>
+              </a:spcAft>
+            </a:pPr>
+            <a:r>
+              <a:rPr lang="en-US" sz="2400" b="1" dirty="0">
+                <a:effectLst/>
+                <a:latin typeface="Times New Roman" panose="02020603050405020304" pitchFamily="18" charset="0"/>
+                <a:ea typeface="Calibri" panose="020F0502020204030204" pitchFamily="34" charset="0"/>
+                <a:cs typeface="Times New Roman" panose="02020603050405020304" pitchFamily="18" charset="0"/>
+              </a:rPr>
+              <a:t>Inference:</a:t>
+            </a:r>
+            <a:endParaRPr lang="en-IN" sz="2400" dirty="0">
+              <a:effectLst/>
+              <a:latin typeface="Times New Roman" panose="02020603050405020304" pitchFamily="18" charset="0"/>
+              <a:ea typeface="Calibri" panose="020F0502020204030204" pitchFamily="34" charset="0"/>
+              <a:cs typeface="Times New Roman" panose="02020603050405020304" pitchFamily="18" charset="0"/>
+            </a:endParaRPr>
+          </a:p>
+          <a:p>
+            <a:pPr marL="342900" lvl="0" indent="-342900">
+              <a:lnSpc>
+                <a:spcPct val="115000"/>
+              </a:lnSpc>
+              <a:spcAft>
+                <a:spcPts val="1000"/>
+              </a:spcAft>
+              <a:buFont typeface="Symbol" panose="05050102010706020507" pitchFamily="18" charset="2"/>
+              <a:buChar char=""/>
+            </a:pPr>
+            <a:r>
+              <a:rPr lang="en-US" sz="2400" dirty="0">
+                <a:effectLst/>
+                <a:latin typeface="Times New Roman" panose="02020603050405020304" pitchFamily="18" charset="0"/>
+                <a:ea typeface="Calibri" panose="020F0502020204030204" pitchFamily="34" charset="0"/>
+                <a:cs typeface="Times New Roman" panose="02020603050405020304" pitchFamily="18" charset="0"/>
+              </a:rPr>
+              <a:t>Figure 5 says that what are movies and content added by Netflix based on the maturity ratings. TV-MA content is added the highest amongst all.</a:t>
+            </a:r>
+            <a:endParaRPr lang="en-IN" sz="2400" dirty="0">
+              <a:effectLst/>
+              <a:latin typeface="Times New Roman" panose="02020603050405020304" pitchFamily="18" charset="0"/>
+              <a:ea typeface="Calibri" panose="020F0502020204030204" pitchFamily="34" charset="0"/>
+              <a:cs typeface="Times New Roman" panose="02020603050405020304" pitchFamily="18" charset="0"/>
+            </a:endParaRPr>
+          </a:p>
+        </p:txBody>
+      </p:sp>
+      <p:pic>
+        <p:nvPicPr>
+          <p:cNvPr id="6" name="Picture 5">
+            <a:extLst>
+              <a:ext uri="{FF2B5EF4-FFF2-40B4-BE49-F238E27FC236}">
+                <a16:creationId xmlns:a16="http://schemas.microsoft.com/office/drawing/2014/main" id="{18AD3ABE-E771-A591-FC3C-5104A3A0D458}"/>
+              </a:ext>
+            </a:extLst>
+          </p:cNvPr>
+          <p:cNvPicPr>
+            <a:picLocks noChangeAspect="1"/>
+          </p:cNvPicPr>
+          <p:nvPr/>
+        </p:nvPicPr>
+        <p:blipFill>
+          <a:blip r:embed="rId2">
+            <a:extLst>
+              <a:ext uri="{28A0092B-C50C-407E-A947-70E740481C1C}">
+                <a14:useLocalDpi xmlns:a14="http://schemas.microsoft.com/office/drawing/2010/main" val="0"/>
+              </a:ext>
+            </a:extLst>
+          </a:blip>
+          <a:stretch>
+            <a:fillRect/>
+          </a:stretch>
+        </p:blipFill>
+        <p:spPr>
+          <a:xfrm>
+            <a:off x="68412" y="1309535"/>
+            <a:ext cx="8278853" cy="4417497"/>
+          </a:xfrm>
+          <a:prstGeom prst="rect">
+            <a:avLst/>
+          </a:prstGeom>
+        </p:spPr>
+      </p:pic>
+      <p:sp>
+        <p:nvSpPr>
+          <p:cNvPr id="7" name="TextBox 6">
+            <a:extLst>
+              <a:ext uri="{FF2B5EF4-FFF2-40B4-BE49-F238E27FC236}">
+                <a16:creationId xmlns:a16="http://schemas.microsoft.com/office/drawing/2014/main" id="{34E56899-DE6C-199B-215C-1CD7DE41763A}"/>
+              </a:ext>
+            </a:extLst>
+          </p:cNvPr>
+          <p:cNvSpPr txBox="1"/>
+          <p:nvPr/>
+        </p:nvSpPr>
+        <p:spPr>
+          <a:xfrm>
+            <a:off x="1467852" y="5727032"/>
+            <a:ext cx="6208294" cy="369332"/>
+          </a:xfrm>
+          <a:prstGeom prst="rect">
+            <a:avLst/>
+          </a:prstGeom>
+          <a:noFill/>
+        </p:spPr>
+        <p:txBody>
+          <a:bodyPr wrap="square">
+            <a:spAutoFit/>
+          </a:bodyPr>
+          <a:lstStyle/>
+          <a:p>
+            <a:pPr algn="ctr">
+              <a:spcAft>
+                <a:spcPts val="1000"/>
+              </a:spcAft>
+            </a:pPr>
+            <a:r>
+              <a:rPr lang="en-US" sz="1800" i="1" dirty="0">
+                <a:solidFill>
+                  <a:srgbClr val="1F497D"/>
+                </a:solidFill>
+                <a:effectLst/>
+                <a:latin typeface="Calibri" panose="020F0502020204030204" pitchFamily="34" charset="0"/>
+                <a:ea typeface="Calibri" panose="020F0502020204030204" pitchFamily="34" charset="0"/>
+                <a:cs typeface="Times New Roman" panose="02020603050405020304" pitchFamily="18" charset="0"/>
+              </a:rPr>
+              <a:t>Figure </a:t>
+            </a:r>
+            <a:r>
+              <a:rPr lang="en-US" i="1" dirty="0">
+                <a:solidFill>
+                  <a:srgbClr val="1F497D"/>
+                </a:solidFill>
+                <a:latin typeface="Calibri" panose="020F0502020204030204" pitchFamily="34" charset="0"/>
+                <a:ea typeface="Calibri" panose="020F0502020204030204" pitchFamily="34" charset="0"/>
+                <a:cs typeface="Times New Roman" panose="02020603050405020304" pitchFamily="18" charset="0"/>
+              </a:rPr>
+              <a:t>5 </a:t>
+            </a:r>
+            <a:r>
+              <a:rPr lang="en-US" sz="1800" dirty="0">
+                <a:effectLst/>
+                <a:latin typeface="Calibri" panose="020F0502020204030204" pitchFamily="34" charset="0"/>
+                <a:ea typeface="Calibri" panose="020F0502020204030204" pitchFamily="34" charset="0"/>
+                <a:cs typeface="Times New Roman" panose="02020603050405020304" pitchFamily="18" charset="0"/>
+              </a:rPr>
+              <a:t>Type content released by Netflix in the year 2020.</a:t>
+            </a:r>
+            <a:endParaRPr lang="en-IN" sz="1800" i="1" dirty="0">
+              <a:solidFill>
+                <a:srgbClr val="1F497D"/>
+              </a:solidFill>
+              <a:effectLst/>
+              <a:latin typeface="Calibri" panose="020F0502020204030204" pitchFamily="34" charset="0"/>
+              <a:ea typeface="Calibri" panose="020F0502020204030204" pitchFamily="34" charset="0"/>
+              <a:cs typeface="Times New Roman" panose="02020603050405020304" pitchFamily="18" charset="0"/>
+            </a:endParaRPr>
+          </a:p>
+        </p:txBody>
+      </p:sp>
+    </p:spTree>
+    <p:extLst>
+      <p:ext uri="{BB962C8B-B14F-4D97-AF65-F5344CB8AC3E}">
+        <p14:creationId xmlns:p14="http://schemas.microsoft.com/office/powerpoint/2010/main" val="323609055"/>
+      </p:ext>
+    </p:extLst>
+  </p:cSld>
+  <p:clrMapOvr>
+    <a:masterClrMapping/>
+  </p:clrMapOvr>
+</p:sld>
+</file>
+
+<file path=ppt/slides/slide16.xml><?xml version="1.0" encoding="utf-8"?>
+<p:sld xmlns:a="http://schemas.openxmlformats.org/drawingml/2006/main" xmlns:r="http://schemas.openxmlformats.org/officeDocument/2006/relationships" xmlns:p="http://schemas.openxmlformats.org/presentationml/2006/main">
+  <p:cSld>
+    <p:spTree>
+      <p:nvGrpSpPr>
+        <p:cNvPr id="1" name=""/>
+        <p:cNvGrpSpPr/>
+        <p:nvPr/>
+      </p:nvGrpSpPr>
+      <p:grpSpPr>
+        <a:xfrm>
+          <a:off x="0" y="0"/>
+          <a:ext cx="0" cy="0"/>
+          <a:chOff x="0" y="0"/>
+          <a:chExt cx="0" cy="0"/>
+        </a:xfrm>
+      </p:grpSpPr>
+      <p:sp>
+        <p:nvSpPr>
+          <p:cNvPr id="2" name="TextBox 1">
+            <a:extLst>
+              <a:ext uri="{FF2B5EF4-FFF2-40B4-BE49-F238E27FC236}">
+                <a16:creationId xmlns:a16="http://schemas.microsoft.com/office/drawing/2014/main" id="{6461BD3F-47F5-7DBD-459B-226422BA74D4}"/>
+              </a:ext>
+            </a:extLst>
+          </p:cNvPr>
+          <p:cNvSpPr txBox="1"/>
+          <p:nvPr/>
+        </p:nvSpPr>
+        <p:spPr>
+          <a:xfrm>
+            <a:off x="124287" y="239697"/>
+            <a:ext cx="11878323" cy="5708037"/>
+          </a:xfrm>
+          <a:prstGeom prst="rect">
+            <a:avLst/>
+          </a:prstGeom>
+          <a:noFill/>
+        </p:spPr>
+        <p:txBody>
+          <a:bodyPr wrap="square" rtlCol="0">
+            <a:spAutoFit/>
+          </a:bodyPr>
+          <a:lstStyle/>
+          <a:p>
+            <a:pPr>
+              <a:lnSpc>
+                <a:spcPct val="115000"/>
+              </a:lnSpc>
+              <a:spcAft>
+                <a:spcPts val="1000"/>
+              </a:spcAft>
+            </a:pPr>
+            <a:r>
+              <a:rPr lang="en-US" sz="4000" b="1" dirty="0">
+                <a:effectLst/>
+                <a:latin typeface="Times New Roman" panose="02020603050405020304" pitchFamily="18" charset="0"/>
+                <a:ea typeface="Calibri" panose="020F0502020204030204" pitchFamily="34" charset="0"/>
+                <a:cs typeface="Times New Roman" panose="02020603050405020304" pitchFamily="18" charset="0"/>
+              </a:rPr>
+              <a:t>Conclusions:</a:t>
+            </a:r>
+            <a:endParaRPr lang="en-IN" sz="4000" dirty="0">
+              <a:effectLst/>
+              <a:latin typeface="Times New Roman" panose="02020603050405020304" pitchFamily="18" charset="0"/>
+              <a:ea typeface="Calibri" panose="020F0502020204030204" pitchFamily="34" charset="0"/>
+              <a:cs typeface="Times New Roman" panose="02020603050405020304" pitchFamily="18" charset="0"/>
+            </a:endParaRPr>
+          </a:p>
+          <a:p>
+            <a:pPr marL="342900" lvl="0" indent="-342900">
+              <a:lnSpc>
+                <a:spcPct val="115000"/>
+              </a:lnSpc>
+              <a:buFont typeface="Symbol" panose="05050102010706020507" pitchFamily="18" charset="2"/>
+              <a:buChar char=""/>
+            </a:pPr>
+            <a:r>
+              <a:rPr lang="en-US" sz="2400" dirty="0">
+                <a:effectLst/>
+                <a:latin typeface="Times New Roman" panose="02020603050405020304" pitchFamily="18" charset="0"/>
+                <a:ea typeface="Calibri" panose="020F0502020204030204" pitchFamily="34" charset="0"/>
+                <a:cs typeface="Times New Roman" panose="02020603050405020304" pitchFamily="18" charset="0"/>
+              </a:rPr>
+              <a:t>By this data analysis we can conclude that the growth of OTT platforms as been increased during the COVID-19 lockdown phase.</a:t>
+            </a:r>
+            <a:endParaRPr lang="en-IN" sz="2400" dirty="0">
+              <a:effectLst/>
+              <a:latin typeface="Times New Roman" panose="02020603050405020304" pitchFamily="18" charset="0"/>
+              <a:ea typeface="Calibri" panose="020F0502020204030204" pitchFamily="34" charset="0"/>
+              <a:cs typeface="Times New Roman" panose="02020603050405020304" pitchFamily="18" charset="0"/>
+            </a:endParaRPr>
+          </a:p>
+          <a:p>
+            <a:pPr marL="342900" lvl="0" indent="-342900">
+              <a:lnSpc>
+                <a:spcPct val="115000"/>
+              </a:lnSpc>
+              <a:buFont typeface="Symbol" panose="05050102010706020507" pitchFamily="18" charset="2"/>
+              <a:buChar char=""/>
+            </a:pPr>
+            <a:r>
+              <a:rPr lang="en-US" sz="2400" dirty="0">
+                <a:effectLst/>
+                <a:latin typeface="Times New Roman" panose="02020603050405020304" pitchFamily="18" charset="0"/>
+                <a:ea typeface="Calibri" panose="020F0502020204030204" pitchFamily="34" charset="0"/>
+                <a:cs typeface="Times New Roman" panose="02020603050405020304" pitchFamily="18" charset="0"/>
+              </a:rPr>
+              <a:t>All age groups have watched movies and tv shows on OTT platforms.</a:t>
+            </a:r>
+            <a:endParaRPr lang="en-IN" sz="2400" dirty="0">
+              <a:effectLst/>
+              <a:latin typeface="Times New Roman" panose="02020603050405020304" pitchFamily="18" charset="0"/>
+              <a:ea typeface="Calibri" panose="020F0502020204030204" pitchFamily="34" charset="0"/>
+              <a:cs typeface="Times New Roman" panose="02020603050405020304" pitchFamily="18" charset="0"/>
+            </a:endParaRPr>
+          </a:p>
+          <a:p>
+            <a:pPr marL="342900" lvl="0" indent="-342900">
+              <a:lnSpc>
+                <a:spcPct val="115000"/>
+              </a:lnSpc>
+              <a:buFont typeface="Symbol" panose="05050102010706020507" pitchFamily="18" charset="2"/>
+              <a:buChar char=""/>
+            </a:pPr>
+            <a:r>
+              <a:rPr lang="en-US" sz="2400" dirty="0">
+                <a:effectLst/>
+                <a:latin typeface="Times New Roman" panose="02020603050405020304" pitchFamily="18" charset="0"/>
+                <a:ea typeface="Calibri" panose="020F0502020204030204" pitchFamily="34" charset="0"/>
+                <a:cs typeface="Times New Roman" panose="02020603050405020304" pitchFamily="18" charset="0"/>
+              </a:rPr>
+              <a:t>Netflix and Amazon Prime has grown more among all the OTT platforms in terms of content added.</a:t>
+            </a:r>
+            <a:endParaRPr lang="en-IN" sz="2400" dirty="0">
+              <a:effectLst/>
+              <a:latin typeface="Times New Roman" panose="02020603050405020304" pitchFamily="18" charset="0"/>
+              <a:ea typeface="Calibri" panose="020F0502020204030204" pitchFamily="34" charset="0"/>
+              <a:cs typeface="Times New Roman" panose="02020603050405020304" pitchFamily="18" charset="0"/>
+            </a:endParaRPr>
+          </a:p>
+          <a:p>
+            <a:pPr marL="342900" lvl="0" indent="-342900">
+              <a:lnSpc>
+                <a:spcPct val="115000"/>
+              </a:lnSpc>
+              <a:buFont typeface="Symbol" panose="05050102010706020507" pitchFamily="18" charset="2"/>
+              <a:buChar char=""/>
+            </a:pPr>
+            <a:r>
+              <a:rPr lang="en-US" sz="2400" dirty="0">
+                <a:effectLst/>
+                <a:latin typeface="Times New Roman" panose="02020603050405020304" pitchFamily="18" charset="0"/>
+                <a:ea typeface="Calibri" panose="020F0502020204030204" pitchFamily="34" charset="0"/>
+                <a:cs typeface="Times New Roman" panose="02020603050405020304" pitchFamily="18" charset="0"/>
+              </a:rPr>
+              <a:t>As people had free time, people started to watch movies and tv shows and also give them ratings, resulting in the increase of IMDb ratings count.</a:t>
+            </a:r>
+            <a:endParaRPr lang="en-IN" sz="2400" dirty="0">
+              <a:effectLst/>
+              <a:latin typeface="Times New Roman" panose="02020603050405020304" pitchFamily="18" charset="0"/>
+              <a:ea typeface="Calibri" panose="020F0502020204030204" pitchFamily="34" charset="0"/>
+              <a:cs typeface="Times New Roman" panose="02020603050405020304" pitchFamily="18" charset="0"/>
+            </a:endParaRPr>
+          </a:p>
+          <a:p>
+            <a:pPr marL="342900" lvl="0" indent="-342900">
+              <a:lnSpc>
+                <a:spcPct val="115000"/>
+              </a:lnSpc>
+              <a:buFont typeface="Symbol" panose="05050102010706020507" pitchFamily="18" charset="2"/>
+              <a:buChar char=""/>
+            </a:pPr>
+            <a:r>
+              <a:rPr lang="en-US" sz="2400" dirty="0">
+                <a:effectLst/>
+                <a:latin typeface="Times New Roman" panose="02020603050405020304" pitchFamily="18" charset="0"/>
+                <a:ea typeface="Calibri" panose="020F0502020204030204" pitchFamily="34" charset="0"/>
+                <a:cs typeface="Times New Roman" panose="02020603050405020304" pitchFamily="18" charset="0"/>
+              </a:rPr>
+              <a:t>The number of content added by each OTT platforms in the year 2020 and 2021, in which Amazon Prime has added more content compared to all other platform. </a:t>
+            </a:r>
+            <a:endParaRPr lang="en-IN" sz="2400" dirty="0">
+              <a:effectLst/>
+              <a:latin typeface="Times New Roman" panose="02020603050405020304" pitchFamily="18" charset="0"/>
+              <a:ea typeface="Calibri" panose="020F0502020204030204" pitchFamily="34" charset="0"/>
+              <a:cs typeface="Times New Roman" panose="02020603050405020304" pitchFamily="18" charset="0"/>
+            </a:endParaRPr>
+          </a:p>
+          <a:p>
+            <a:pPr marL="342900" lvl="0" indent="-342900">
+              <a:lnSpc>
+                <a:spcPct val="115000"/>
+              </a:lnSpc>
+              <a:spcAft>
+                <a:spcPts val="1000"/>
+              </a:spcAft>
+              <a:buFont typeface="Symbol" panose="05050102010706020507" pitchFamily="18" charset="2"/>
+              <a:buChar char=""/>
+            </a:pPr>
+            <a:r>
+              <a:rPr lang="en-US" sz="2400" dirty="0">
+                <a:effectLst/>
+                <a:latin typeface="Times New Roman" panose="02020603050405020304" pitchFamily="18" charset="0"/>
+                <a:ea typeface="Calibri" panose="020F0502020204030204" pitchFamily="34" charset="0"/>
+                <a:cs typeface="Times New Roman" panose="02020603050405020304" pitchFamily="18" charset="0"/>
+              </a:rPr>
+              <a:t>As Netflix is more popular among the OTT platforms, so the content added by Netflix in year 2020 is of TV-MA maturity rating.</a:t>
+            </a:r>
+            <a:endParaRPr lang="en-IN" sz="2400" dirty="0">
+              <a:effectLst/>
+              <a:latin typeface="Times New Roman" panose="02020603050405020304" pitchFamily="18" charset="0"/>
+              <a:ea typeface="Calibri" panose="020F0502020204030204" pitchFamily="34" charset="0"/>
+              <a:cs typeface="Times New Roman" panose="02020603050405020304" pitchFamily="18" charset="0"/>
+            </a:endParaRPr>
+          </a:p>
+        </p:txBody>
+      </p:sp>
+    </p:spTree>
+    <p:extLst>
+      <p:ext uri="{BB962C8B-B14F-4D97-AF65-F5344CB8AC3E}">
+        <p14:creationId xmlns:p14="http://schemas.microsoft.com/office/powerpoint/2010/main" val="2430571425"/>
+      </p:ext>
+    </p:extLst>
+  </p:cSld>
+  <p:clrMapOvr>
+    <a:masterClrMapping/>
+  </p:clrMapOvr>
+</p:sld>
+</file>
+
+<file path=ppt/slides/slide17.xml><?xml version="1.0" encoding="utf-8"?>
+<p:sld xmlns:a="http://schemas.openxmlformats.org/drawingml/2006/main" xmlns:r="http://schemas.openxmlformats.org/officeDocument/2006/relationships" xmlns:p="http://schemas.openxmlformats.org/presentationml/2006/main">
+  <p:cSld>
+    <p:spTree>
+      <p:nvGrpSpPr>
+        <p:cNvPr id="1" name=""/>
+        <p:cNvGrpSpPr/>
+        <p:nvPr/>
+      </p:nvGrpSpPr>
+      <p:grpSpPr>
+        <a:xfrm>
+          <a:off x="0" y="0"/>
+          <a:ext cx="0" cy="0"/>
+          <a:chOff x="0" y="0"/>
+          <a:chExt cx="0" cy="0"/>
+        </a:xfrm>
+      </p:grpSpPr>
+      <p:sp>
+        <p:nvSpPr>
+          <p:cNvPr id="2" name="Title 1">
+            <a:extLst>
+              <a:ext uri="{FF2B5EF4-FFF2-40B4-BE49-F238E27FC236}">
+                <a16:creationId xmlns:a16="http://schemas.microsoft.com/office/drawing/2014/main" id="{C38A40AC-BB1A-4C02-AA9B-D762EF4B70DC}"/>
+              </a:ext>
+            </a:extLst>
+          </p:cNvPr>
+          <p:cNvSpPr txBox="1">
+            <a:spLocks/>
+          </p:cNvSpPr>
+          <p:nvPr/>
+        </p:nvSpPr>
+        <p:spPr>
+          <a:xfrm>
+            <a:off x="1066800" y="2693412"/>
+            <a:ext cx="10058400" cy="1471176"/>
+          </a:xfrm>
+          <a:prstGeom prst="rect">
+            <a:avLst/>
+          </a:prstGeom>
+        </p:spPr>
+        <p:txBody>
+          <a:bodyPr/>
+          <a:lstStyle>
+            <a:lvl1pPr algn="l" defTabSz="914400" rtl="0" eaLnBrk="1" latinLnBrk="0" hangingPunct="1">
+              <a:lnSpc>
+                <a:spcPct val="85000"/>
+              </a:lnSpc>
+              <a:spcBef>
+                <a:spcPct val="0"/>
+              </a:spcBef>
+              <a:buNone/>
+              <a:defRPr sz="4800" kern="1200" spc="-50" baseline="0">
+                <a:solidFill>
+                  <a:schemeClr val="tx1">
+                    <a:lumMod val="75000"/>
+                    <a:lumOff val="25000"/>
+                  </a:schemeClr>
+                </a:solidFill>
+                <a:latin typeface="+mj-lt"/>
+                <a:ea typeface="+mj-ea"/>
+                <a:cs typeface="+mj-cs"/>
+              </a:defRPr>
+            </a:lvl1pPr>
+          </a:lstStyle>
+          <a:p>
+            <a:pPr algn="ctr"/>
+            <a:r>
+              <a:rPr lang="en-IN" sz="8000" dirty="0">
+                <a:latin typeface="Times New Roman" panose="02020603050405020304" pitchFamily="18" charset="0"/>
+                <a:cs typeface="Times New Roman" panose="02020603050405020304" pitchFamily="18" charset="0"/>
+              </a:rPr>
+              <a:t>Thank You</a:t>
+            </a:r>
+          </a:p>
+        </p:txBody>
+      </p:sp>
+    </p:spTree>
+    <p:extLst>
+      <p:ext uri="{BB962C8B-B14F-4D97-AF65-F5344CB8AC3E}">
+        <p14:creationId xmlns:p14="http://schemas.microsoft.com/office/powerpoint/2010/main" val="1750998858"/>
+      </p:ext>
+    </p:extLst>
+  </p:cSld>
+  <p:clrMapOvr>
+    <a:masterClrMapping/>
+  </p:clrMapOvr>
+</p:sld>
+</file>
+
+<file path=ppt/slides/slide2.xml><?xml version="1.0" encoding="utf-8"?>
+<p:sld xmlns:a="http://schemas.openxmlformats.org/drawingml/2006/main" xmlns:r="http://schemas.openxmlformats.org/officeDocument/2006/relationships" xmlns:p="http://schemas.openxmlformats.org/presentationml/2006/main">
+  <p:cSld>
+    <p:spTree>
+      <p:nvGrpSpPr>
+        <p:cNvPr id="1" name=""/>
+        <p:cNvGrpSpPr/>
+        <p:nvPr/>
+      </p:nvGrpSpPr>
+      <p:grpSpPr>
+        <a:xfrm>
+          <a:off x="0" y="0"/>
+          <a:ext cx="0" cy="0"/>
+          <a:chOff x="0" y="0"/>
+          <a:chExt cx="0" cy="0"/>
+        </a:xfrm>
+      </p:grpSpPr>
+      <p:sp>
+        <p:nvSpPr>
+          <p:cNvPr id="2" name="Title 1">
+            <a:extLst>
+              <a:ext uri="{FF2B5EF4-FFF2-40B4-BE49-F238E27FC236}">
+                <a16:creationId xmlns:a16="http://schemas.microsoft.com/office/drawing/2014/main" id="{DB735F38-C402-B619-A36B-1D46AAEBC503}"/>
+              </a:ext>
+            </a:extLst>
+          </p:cNvPr>
+          <p:cNvSpPr>
+            <a:spLocks noGrp="1"/>
+          </p:cNvSpPr>
+          <p:nvPr>
+            <p:ph type="title"/>
+          </p:nvPr>
+        </p:nvSpPr>
+        <p:spPr>
+          <a:xfrm>
+            <a:off x="1097280" y="988906"/>
+            <a:ext cx="10058400" cy="748454"/>
+          </a:xfrm>
+        </p:spPr>
+        <p:txBody>
+          <a:bodyPr>
+            <a:normAutofit/>
+          </a:bodyPr>
+          <a:lstStyle/>
+          <a:p>
+            <a:r>
+              <a:rPr lang="en-US" sz="4000" b="1" dirty="0">
+                <a:latin typeface="Times New Roman" panose="02020603050405020304" pitchFamily="18" charset="0"/>
+                <a:cs typeface="Times New Roman" panose="02020603050405020304" pitchFamily="18" charset="0"/>
+              </a:rPr>
+              <a:t>Contents</a:t>
+            </a:r>
+          </a:p>
+        </p:txBody>
+      </p:sp>
+      <p:sp>
+        <p:nvSpPr>
+          <p:cNvPr id="3" name="Content Placeholder 2">
+            <a:extLst>
+              <a:ext uri="{FF2B5EF4-FFF2-40B4-BE49-F238E27FC236}">
+                <a16:creationId xmlns:a16="http://schemas.microsoft.com/office/drawing/2014/main" id="{B269D446-1585-E0F8-64E9-482B1AA86D55}"/>
+              </a:ext>
+            </a:extLst>
+          </p:cNvPr>
+          <p:cNvSpPr>
+            <a:spLocks noGrp="1"/>
+          </p:cNvSpPr>
+          <p:nvPr>
+            <p:ph idx="1"/>
+          </p:nvPr>
+        </p:nvSpPr>
+        <p:spPr/>
+        <p:txBody>
+          <a:bodyPr/>
+          <a:lstStyle/>
+          <a:p>
+            <a:pPr marL="457200" indent="-457200">
+              <a:buFont typeface="+mj-lt"/>
+              <a:buAutoNum type="arabicPeriod"/>
+            </a:pPr>
+            <a:r>
+              <a:rPr lang="en-US" sz="2400" dirty="0">
+                <a:latin typeface="Times New Roman" panose="02020603050405020304" pitchFamily="18" charset="0"/>
+                <a:cs typeface="Times New Roman" panose="02020603050405020304" pitchFamily="18" charset="0"/>
+              </a:rPr>
+              <a:t>Problem Statement</a:t>
+            </a:r>
+          </a:p>
+          <a:p>
+            <a:pPr marL="457200" indent="-457200">
+              <a:buFont typeface="+mj-lt"/>
+              <a:buAutoNum type="arabicPeriod"/>
+            </a:pPr>
+            <a:r>
+              <a:rPr lang="en-US" sz="2400" dirty="0">
+                <a:latin typeface="Times New Roman" panose="02020603050405020304" pitchFamily="18" charset="0"/>
+                <a:cs typeface="Times New Roman" panose="02020603050405020304" pitchFamily="18" charset="0"/>
+              </a:rPr>
+              <a:t>Domain Understanding</a:t>
+            </a:r>
+          </a:p>
+          <a:p>
+            <a:pPr marL="457200" indent="-457200">
+              <a:buFont typeface="+mj-lt"/>
+              <a:buAutoNum type="arabicPeriod"/>
+            </a:pPr>
+            <a:r>
+              <a:rPr lang="en-US" sz="2400" dirty="0">
+                <a:latin typeface="Times New Roman" panose="02020603050405020304" pitchFamily="18" charset="0"/>
+                <a:cs typeface="Times New Roman" panose="02020603050405020304" pitchFamily="18" charset="0"/>
+              </a:rPr>
+              <a:t>Dataset Details</a:t>
+            </a:r>
+          </a:p>
+          <a:p>
+            <a:pPr marL="457200" indent="-457200">
+              <a:buFont typeface="+mj-lt"/>
+              <a:buAutoNum type="arabicPeriod"/>
+            </a:pPr>
+            <a:r>
+              <a:rPr lang="en-US" sz="2400" dirty="0">
+                <a:latin typeface="Times New Roman" panose="02020603050405020304" pitchFamily="18" charset="0"/>
+                <a:cs typeface="Times New Roman" panose="02020603050405020304" pitchFamily="18" charset="0"/>
+              </a:rPr>
+              <a:t>Data Pre-processing</a:t>
+            </a:r>
+          </a:p>
+          <a:p>
+            <a:pPr marL="457200" indent="-457200">
+              <a:buFont typeface="+mj-lt"/>
+              <a:buAutoNum type="arabicPeriod"/>
+            </a:pPr>
+            <a:r>
+              <a:rPr lang="en-US" sz="2400" dirty="0">
+                <a:latin typeface="Times New Roman" panose="02020603050405020304" pitchFamily="18" charset="0"/>
+                <a:cs typeface="Times New Roman" panose="02020603050405020304" pitchFamily="18" charset="0"/>
+              </a:rPr>
+              <a:t>Questions and Analysis</a:t>
+            </a:r>
+          </a:p>
+          <a:p>
+            <a:pPr marL="457200" indent="-457200">
+              <a:buFont typeface="+mj-lt"/>
+              <a:buAutoNum type="arabicPeriod"/>
+            </a:pPr>
+            <a:r>
+              <a:rPr lang="en-US" sz="2400" dirty="0">
+                <a:latin typeface="Times New Roman" panose="02020603050405020304" pitchFamily="18" charset="0"/>
+                <a:cs typeface="Times New Roman" panose="02020603050405020304" pitchFamily="18" charset="0"/>
+              </a:rPr>
+              <a:t>Conclusions</a:t>
+            </a:r>
+          </a:p>
+          <a:p>
+            <a:pPr marL="457200" indent="-457200">
+              <a:buFont typeface="+mj-lt"/>
+              <a:buAutoNum type="arabicPeriod"/>
+            </a:pPr>
+            <a:endParaRPr lang="en-US" dirty="0"/>
+          </a:p>
+          <a:p>
+            <a:pPr marL="457200" indent="-457200">
+              <a:buFont typeface="+mj-lt"/>
+              <a:buAutoNum type="arabicPeriod"/>
+            </a:pPr>
+            <a:endParaRPr lang="en-US" dirty="0"/>
+          </a:p>
+        </p:txBody>
+      </p:sp>
+    </p:spTree>
+    <p:extLst>
+      <p:ext uri="{BB962C8B-B14F-4D97-AF65-F5344CB8AC3E}">
+        <p14:creationId xmlns:p14="http://schemas.microsoft.com/office/powerpoint/2010/main" val="3827942862"/>
+      </p:ext>
+    </p:extLst>
+  </p:cSld>
+  <p:clrMapOvr>
+    <a:masterClrMapping/>
+  </p:clrMapOvr>
+</p:sld>
+</file>
+
+<file path=ppt/slides/slide3.xml><?xml version="1.0" encoding="utf-8"?>
+<p:sld xmlns:a="http://schemas.openxmlformats.org/drawingml/2006/main" xmlns:r="http://schemas.openxmlformats.org/officeDocument/2006/relationships" xmlns:p="http://schemas.openxmlformats.org/presentationml/2006/main">
+  <p:cSld>
+    <p:spTree>
+      <p:nvGrpSpPr>
+        <p:cNvPr id="1" name=""/>
+        <p:cNvGrpSpPr/>
+        <p:nvPr/>
+      </p:nvGrpSpPr>
+      <p:grpSpPr>
+        <a:xfrm>
+          <a:off x="0" y="0"/>
+          <a:ext cx="0" cy="0"/>
+          <a:chOff x="0" y="0"/>
+          <a:chExt cx="0" cy="0"/>
+        </a:xfrm>
+      </p:grpSpPr>
+      <p:sp>
+        <p:nvSpPr>
+          <p:cNvPr id="2" name="Title 1">
+            <a:extLst>
+              <a:ext uri="{FF2B5EF4-FFF2-40B4-BE49-F238E27FC236}">
+                <a16:creationId xmlns:a16="http://schemas.microsoft.com/office/drawing/2014/main" id="{DA6F6184-72F7-3DAE-9671-523AB4455EB0}"/>
+              </a:ext>
+            </a:extLst>
+          </p:cNvPr>
+          <p:cNvSpPr>
+            <a:spLocks noGrp="1"/>
+          </p:cNvSpPr>
+          <p:nvPr>
+            <p:ph type="title"/>
+          </p:nvPr>
+        </p:nvSpPr>
+        <p:spPr/>
+        <p:txBody>
+          <a:bodyPr>
+            <a:normAutofit/>
+          </a:bodyPr>
+          <a:lstStyle/>
+          <a:p>
+            <a:r>
+              <a:rPr lang="en-IN" sz="4000" b="1" dirty="0">
+                <a:latin typeface="Times New Roman" panose="02020603050405020304" pitchFamily="18" charset="0"/>
+                <a:cs typeface="Times New Roman" panose="02020603050405020304" pitchFamily="18" charset="0"/>
+              </a:rPr>
+              <a:t>Problem Statement:</a:t>
+            </a:r>
+          </a:p>
+        </p:txBody>
+      </p:sp>
+      <p:sp>
+        <p:nvSpPr>
+          <p:cNvPr id="3" name="Content Placeholder 2">
+            <a:extLst>
+              <a:ext uri="{FF2B5EF4-FFF2-40B4-BE49-F238E27FC236}">
+                <a16:creationId xmlns:a16="http://schemas.microsoft.com/office/drawing/2014/main" id="{331EE89B-614B-DD62-1DC9-BB8CBC078EEB}"/>
+              </a:ext>
+            </a:extLst>
+          </p:cNvPr>
+          <p:cNvSpPr>
+            <a:spLocks noGrp="1"/>
+          </p:cNvSpPr>
+          <p:nvPr>
+            <p:ph idx="1"/>
+          </p:nvPr>
+        </p:nvSpPr>
+        <p:spPr/>
+        <p:txBody>
+          <a:bodyPr>
+            <a:normAutofit/>
+          </a:bodyPr>
+          <a:lstStyle/>
+          <a:p>
+            <a:pPr marL="0" marR="0" algn="just">
+              <a:lnSpc>
+                <a:spcPct val="115000"/>
+              </a:lnSpc>
+              <a:spcBef>
+                <a:spcPts val="0"/>
+              </a:spcBef>
+              <a:spcAft>
+                <a:spcPts val="1000"/>
+              </a:spcAft>
+              <a:tabLst>
+                <a:tab pos="729615" algn="l"/>
+              </a:tabLst>
+            </a:pPr>
+            <a:r>
+              <a:rPr lang="en-US" sz="1800" dirty="0">
+                <a:effectLst/>
+                <a:latin typeface="Times New Roman" panose="02020603050405020304" pitchFamily="18" charset="0"/>
+                <a:ea typeface="Calibri" panose="020F0502020204030204" pitchFamily="34" charset="0"/>
+                <a:cs typeface="Times New Roman" panose="02020603050405020304" pitchFamily="18" charset="0"/>
+              </a:rPr>
+              <a:t> </a:t>
+            </a:r>
+            <a:r>
+              <a:rPr lang="en-US" sz="3200" dirty="0">
+                <a:effectLst/>
+                <a:latin typeface="Times New Roman" panose="02020603050405020304" pitchFamily="18" charset="0"/>
+                <a:ea typeface="Calibri" panose="020F0502020204030204" pitchFamily="34" charset="0"/>
+                <a:cs typeface="Times New Roman" panose="02020603050405020304" pitchFamily="18" charset="0"/>
+              </a:rPr>
+              <a:t>Analysis of the Covid 19 Pandemic on the OTT Platform</a:t>
+            </a:r>
+            <a:endParaRPr lang="en-US" sz="3200" dirty="0">
+              <a:effectLst/>
+              <a:latin typeface="Calibri" panose="020F0502020204030204" pitchFamily="34" charset="0"/>
+              <a:ea typeface="Calibri" panose="020F0502020204030204" pitchFamily="34" charset="0"/>
+              <a:cs typeface="Times New Roman" panose="02020603050405020304" pitchFamily="18" charset="0"/>
+            </a:endParaRPr>
+          </a:p>
+        </p:txBody>
+      </p:sp>
+    </p:spTree>
+    <p:extLst>
+      <p:ext uri="{BB962C8B-B14F-4D97-AF65-F5344CB8AC3E}">
+        <p14:creationId xmlns:p14="http://schemas.microsoft.com/office/powerpoint/2010/main" val="3592803340"/>
+      </p:ext>
+    </p:extLst>
+  </p:cSld>
+  <p:clrMapOvr>
+    <a:masterClrMapping/>
+  </p:clrMapOvr>
+</p:sld>
+</file>
+
+<file path=ppt/slides/slide4.xml><?xml version="1.0" encoding="utf-8"?>
+<p:sld xmlns:a="http://schemas.openxmlformats.org/drawingml/2006/main" xmlns:r="http://schemas.openxmlformats.org/officeDocument/2006/relationships" xmlns:p="http://schemas.openxmlformats.org/presentationml/2006/main">
+  <p:cSld>
+    <p:spTree>
+      <p:nvGrpSpPr>
+        <p:cNvPr id="1" name=""/>
+        <p:cNvGrpSpPr/>
+        <p:nvPr/>
+      </p:nvGrpSpPr>
+      <p:grpSpPr>
+        <a:xfrm>
+          <a:off x="0" y="0"/>
+          <a:ext cx="0" cy="0"/>
+          <a:chOff x="0" y="0"/>
+          <a:chExt cx="0" cy="0"/>
+        </a:xfrm>
+      </p:grpSpPr>
+      <p:sp>
+        <p:nvSpPr>
+          <p:cNvPr id="2" name="Title 1">
+            <a:extLst>
+              <a:ext uri="{FF2B5EF4-FFF2-40B4-BE49-F238E27FC236}">
+                <a16:creationId xmlns:a16="http://schemas.microsoft.com/office/drawing/2014/main" id="{40796B82-10CD-3E45-B99E-CBA35C2C4AE4}"/>
+              </a:ext>
+            </a:extLst>
+          </p:cNvPr>
+          <p:cNvSpPr>
+            <a:spLocks noGrp="1"/>
+          </p:cNvSpPr>
+          <p:nvPr>
+            <p:ph type="title"/>
+          </p:nvPr>
+        </p:nvSpPr>
+        <p:spPr/>
+        <p:txBody>
+          <a:bodyPr>
+            <a:normAutofit/>
+          </a:bodyPr>
+          <a:lstStyle/>
+          <a:p>
+            <a:r>
+              <a:rPr lang="en-US" sz="4000" b="1" dirty="0">
+                <a:latin typeface="Times New Roman" panose="02020603050405020304" pitchFamily="18" charset="0"/>
+                <a:cs typeface="Times New Roman" panose="02020603050405020304" pitchFamily="18" charset="0"/>
+              </a:rPr>
+              <a:t>Domain Understanding:</a:t>
+            </a:r>
+          </a:p>
+        </p:txBody>
+      </p:sp>
+      <p:sp>
+        <p:nvSpPr>
+          <p:cNvPr id="3" name="Content Placeholder 2">
+            <a:extLst>
+              <a:ext uri="{FF2B5EF4-FFF2-40B4-BE49-F238E27FC236}">
+                <a16:creationId xmlns:a16="http://schemas.microsoft.com/office/drawing/2014/main" id="{46396802-361B-A11D-887C-C99896948601}"/>
+              </a:ext>
+            </a:extLst>
+          </p:cNvPr>
+          <p:cNvSpPr>
+            <a:spLocks noGrp="1"/>
+          </p:cNvSpPr>
+          <p:nvPr>
+            <p:ph idx="1"/>
+          </p:nvPr>
+        </p:nvSpPr>
+        <p:spPr/>
+        <p:txBody>
+          <a:bodyPr>
+            <a:normAutofit/>
+          </a:bodyPr>
+          <a:lstStyle/>
+          <a:p>
+            <a:r>
+              <a:rPr lang="en-US" sz="2400" dirty="0">
+                <a:solidFill>
+                  <a:srgbClr val="333333"/>
+                </a:solidFill>
+                <a:effectLst/>
+                <a:latin typeface="Times New Roman" panose="02020603050405020304" pitchFamily="18" charset="0"/>
+                <a:ea typeface="Calibri" panose="020F0502020204030204" pitchFamily="34" charset="0"/>
+              </a:rPr>
+              <a:t>Over-the-Top (OTT) video platforms, once considered a luxury is today a commodity.</a:t>
+            </a:r>
+            <a:r>
+              <a:rPr lang="en-US" sz="2400" dirty="0">
+                <a:solidFill>
+                  <a:srgbClr val="333333"/>
+                </a:solidFill>
+                <a:effectLst/>
+                <a:latin typeface="Times New Roman" panose="02020603050405020304" pitchFamily="18" charset="0"/>
+                <a:ea typeface="Calibri" panose="020F0502020204030204" pitchFamily="34" charset="0"/>
+                <a:cs typeface="Times New Roman" panose="02020603050405020304" pitchFamily="18" charset="0"/>
+              </a:rPr>
+              <a:t> In India, there is an increasingly growing number of consumers adapting to it. While Indian streaming services like Hotstar and Jio Cinema has gained a stronger foothold, global players like Netflix and Amazon Prime have steadily grown their market share in India. This paper explores the emergence, advantage, and future of streaming service in India through analytical research. We also present the various OTT services, their growth factors, technology background, audience characteristics, content, censorship and future developments expected in the industry.</a:t>
+            </a:r>
+            <a:endParaRPr lang="en-US" sz="2400" dirty="0">
+              <a:effectLst/>
+              <a:latin typeface="Calibri" panose="020F0502020204030204" pitchFamily="34" charset="0"/>
+              <a:ea typeface="Calibri" panose="020F0502020204030204" pitchFamily="34" charset="0"/>
+              <a:cs typeface="Times New Roman" panose="02020603050405020304" pitchFamily="18" charset="0"/>
+            </a:endParaRPr>
+          </a:p>
+          <a:p>
+            <a:endParaRPr lang="en-US" sz="2400" dirty="0">
+              <a:latin typeface="Times New Roman" panose="02020603050405020304" pitchFamily="18" charset="0"/>
+              <a:cs typeface="Times New Roman" panose="02020603050405020304" pitchFamily="18" charset="0"/>
+            </a:endParaRPr>
+          </a:p>
+        </p:txBody>
+      </p:sp>
+    </p:spTree>
+    <p:extLst>
+      <p:ext uri="{BB962C8B-B14F-4D97-AF65-F5344CB8AC3E}">
+        <p14:creationId xmlns:p14="http://schemas.microsoft.com/office/powerpoint/2010/main" val="2384970125"/>
+      </p:ext>
+    </p:extLst>
+  </p:cSld>
+  <p:clrMapOvr>
+    <a:masterClrMapping/>
+  </p:clrMapOvr>
+</p:sld>
+</file>
+
+<file path=ppt/slides/slide5.xml><?xml version="1.0" encoding="utf-8"?>
+<p:sld xmlns:a="http://schemas.openxmlformats.org/drawingml/2006/main" xmlns:r="http://schemas.openxmlformats.org/officeDocument/2006/relationships" xmlns:p="http://schemas.openxmlformats.org/presentationml/2006/main">
+  <p:cSld>
+    <p:spTree>
+      <p:nvGrpSpPr>
+        <p:cNvPr id="1" name=""/>
+        <p:cNvGrpSpPr/>
+        <p:nvPr/>
+      </p:nvGrpSpPr>
+      <p:grpSpPr>
+        <a:xfrm>
+          <a:off x="0" y="0"/>
+          <a:ext cx="0" cy="0"/>
+          <a:chOff x="0" y="0"/>
+          <a:chExt cx="0" cy="0"/>
+        </a:xfrm>
+      </p:grpSpPr>
+      <p:sp>
+        <p:nvSpPr>
+          <p:cNvPr id="2" name="Title 1">
+            <a:extLst>
+              <a:ext uri="{FF2B5EF4-FFF2-40B4-BE49-F238E27FC236}">
+                <a16:creationId xmlns:a16="http://schemas.microsoft.com/office/drawing/2014/main" id="{CED640B4-26C0-9788-13B2-8A42CF14F80D}"/>
+              </a:ext>
+            </a:extLst>
+          </p:cNvPr>
+          <p:cNvSpPr>
+            <a:spLocks noGrp="1"/>
+          </p:cNvSpPr>
+          <p:nvPr>
+            <p:ph type="title" idx="4294967295"/>
+          </p:nvPr>
+        </p:nvSpPr>
+        <p:spPr>
+          <a:xfrm>
+            <a:off x="0" y="0"/>
+            <a:ext cx="12192000" cy="834189"/>
+          </a:xfrm>
+        </p:spPr>
+        <p:txBody>
+          <a:bodyPr>
+            <a:normAutofit/>
+          </a:bodyPr>
+          <a:lstStyle/>
+          <a:p>
+            <a:r>
+              <a:rPr lang="en-IN" sz="4000" b="1" dirty="0">
+                <a:latin typeface="Times New Roman" panose="02020603050405020304" pitchFamily="18" charset="0"/>
+                <a:cs typeface="Times New Roman" panose="02020603050405020304" pitchFamily="18" charset="0"/>
+              </a:rPr>
+              <a:t>Dataset Details:</a:t>
+            </a:r>
+          </a:p>
+        </p:txBody>
+      </p:sp>
+      <p:sp>
+        <p:nvSpPr>
+          <p:cNvPr id="4" name="TextBox 3">
+            <a:extLst>
+              <a:ext uri="{FF2B5EF4-FFF2-40B4-BE49-F238E27FC236}">
+                <a16:creationId xmlns:a16="http://schemas.microsoft.com/office/drawing/2014/main" id="{CC481A5A-F11E-6E77-4704-C7F8FE81C51C}"/>
+              </a:ext>
+            </a:extLst>
+          </p:cNvPr>
+          <p:cNvSpPr txBox="1"/>
+          <p:nvPr/>
+        </p:nvSpPr>
+        <p:spPr>
+          <a:xfrm>
+            <a:off x="256674" y="886252"/>
+            <a:ext cx="11245515" cy="5934958"/>
+          </a:xfrm>
+          <a:prstGeom prst="rect">
+            <a:avLst/>
+          </a:prstGeom>
+          <a:noFill/>
+        </p:spPr>
+        <p:txBody>
+          <a:bodyPr wrap="square" rtlCol="0">
+            <a:spAutoFit/>
+          </a:bodyPr>
+          <a:lstStyle/>
+          <a:p>
+            <a:pPr algn="just">
+              <a:lnSpc>
+                <a:spcPct val="115000"/>
+              </a:lnSpc>
+              <a:spcAft>
+                <a:spcPts val="1000"/>
+              </a:spcAft>
+              <a:tabLst>
+                <a:tab pos="729615" algn="l"/>
+              </a:tabLst>
+            </a:pPr>
+            <a:r>
+              <a:rPr lang="en-US" sz="2000" dirty="0">
+                <a:effectLst/>
+                <a:latin typeface="Times New Roman" panose="02020603050405020304" pitchFamily="18" charset="0"/>
+                <a:ea typeface="Calibri" panose="020F0502020204030204" pitchFamily="34" charset="0"/>
+                <a:cs typeface="Times New Roman" panose="02020603050405020304" pitchFamily="18" charset="0"/>
+              </a:rPr>
+              <a:t>Our data consists of 6 datasets namely:</a:t>
+            </a:r>
+            <a:endParaRPr lang="en-IN" sz="2000" dirty="0">
+              <a:effectLst/>
+              <a:latin typeface="Times New Roman" panose="02020603050405020304" pitchFamily="18" charset="0"/>
+              <a:ea typeface="Calibri" panose="020F0502020204030204" pitchFamily="34" charset="0"/>
+              <a:cs typeface="Times New Roman" panose="02020603050405020304" pitchFamily="18" charset="0"/>
+            </a:endParaRPr>
+          </a:p>
+          <a:p>
+            <a:pPr marL="342900" lvl="0" indent="-342900" algn="just">
+              <a:lnSpc>
+                <a:spcPct val="115000"/>
+              </a:lnSpc>
+              <a:buFont typeface="Symbol" panose="05050102010706020507" pitchFamily="18" charset="2"/>
+              <a:buChar char=""/>
+              <a:tabLst>
+                <a:tab pos="729615" algn="l"/>
+              </a:tabLst>
+            </a:pPr>
+            <a:r>
+              <a:rPr lang="en-US" sz="2000" dirty="0">
+                <a:effectLst/>
+                <a:latin typeface="Times New Roman" panose="02020603050405020304" pitchFamily="18" charset="0"/>
+                <a:ea typeface="Calibri" panose="020F0502020204030204" pitchFamily="34" charset="0"/>
+                <a:cs typeface="Times New Roman" panose="02020603050405020304" pitchFamily="18" charset="0"/>
+              </a:rPr>
+              <a:t>Netflix Dataset: This dataset consists of 8807 rows x 13 columns of movie and tv shows, directors, cast, country, release year, duration, rating, listed in, and description.</a:t>
+            </a:r>
+            <a:endParaRPr lang="en-IN" sz="2000" dirty="0">
+              <a:effectLst/>
+              <a:latin typeface="Times New Roman" panose="02020603050405020304" pitchFamily="18" charset="0"/>
+              <a:ea typeface="Calibri" panose="020F0502020204030204" pitchFamily="34" charset="0"/>
+              <a:cs typeface="Times New Roman" panose="02020603050405020304" pitchFamily="18" charset="0"/>
+            </a:endParaRPr>
+          </a:p>
+          <a:p>
+            <a:pPr marL="342900" lvl="0" indent="-342900" algn="just">
+              <a:lnSpc>
+                <a:spcPct val="115000"/>
+              </a:lnSpc>
+              <a:buFont typeface="Symbol" panose="05050102010706020507" pitchFamily="18" charset="2"/>
+              <a:buChar char=""/>
+              <a:tabLst>
+                <a:tab pos="729615" algn="l"/>
+              </a:tabLst>
+            </a:pPr>
+            <a:r>
+              <a:rPr lang="en-US" sz="2000" dirty="0">
+                <a:effectLst/>
+                <a:latin typeface="Times New Roman" panose="02020603050405020304" pitchFamily="18" charset="0"/>
+                <a:ea typeface="Calibri" panose="020F0502020204030204" pitchFamily="34" charset="0"/>
+                <a:cs typeface="Times New Roman" panose="02020603050405020304" pitchFamily="18" charset="0"/>
+              </a:rPr>
+              <a:t>Amazon Prime Dataset: This dataset consists of 9668 rows x 13 columns of movie and tv shows, directors, cast, country, release year, duration, rating, listed in, and description.</a:t>
+            </a:r>
+            <a:endParaRPr lang="en-IN" sz="2000" dirty="0">
+              <a:effectLst/>
+              <a:latin typeface="Times New Roman" panose="02020603050405020304" pitchFamily="18" charset="0"/>
+              <a:ea typeface="Calibri" panose="020F0502020204030204" pitchFamily="34" charset="0"/>
+              <a:cs typeface="Times New Roman" panose="02020603050405020304" pitchFamily="18" charset="0"/>
+            </a:endParaRPr>
+          </a:p>
+          <a:p>
+            <a:pPr marL="342900" lvl="0" indent="-342900" algn="just">
+              <a:lnSpc>
+                <a:spcPct val="115000"/>
+              </a:lnSpc>
+              <a:buFont typeface="Symbol" panose="05050102010706020507" pitchFamily="18" charset="2"/>
+              <a:buChar char=""/>
+              <a:tabLst>
+                <a:tab pos="729615" algn="l"/>
+              </a:tabLst>
+            </a:pPr>
+            <a:r>
+              <a:rPr lang="en-US" sz="2000" dirty="0">
+                <a:effectLst/>
+                <a:latin typeface="Times New Roman" panose="02020603050405020304" pitchFamily="18" charset="0"/>
+                <a:ea typeface="Calibri" panose="020F0502020204030204" pitchFamily="34" charset="0"/>
+                <a:cs typeface="Times New Roman" panose="02020603050405020304" pitchFamily="18" charset="0"/>
+              </a:rPr>
+              <a:t>Disney+ Hotstar Dataset: This dataset consists of 1450 rows x 13 columns of movie and tv shows, directors, cast, country, release year, duration, rating, listed in and description.</a:t>
+            </a:r>
+            <a:endParaRPr lang="en-IN" sz="2000" dirty="0">
+              <a:effectLst/>
+              <a:latin typeface="Times New Roman" panose="02020603050405020304" pitchFamily="18" charset="0"/>
+              <a:ea typeface="Calibri" panose="020F0502020204030204" pitchFamily="34" charset="0"/>
+              <a:cs typeface="Times New Roman" panose="02020603050405020304" pitchFamily="18" charset="0"/>
+            </a:endParaRPr>
+          </a:p>
+          <a:p>
+            <a:pPr marL="342900" lvl="0" indent="-342900" algn="just">
+              <a:lnSpc>
+                <a:spcPct val="115000"/>
+              </a:lnSpc>
+              <a:buFont typeface="Symbol" panose="05050102010706020507" pitchFamily="18" charset="2"/>
+              <a:buChar char=""/>
+              <a:tabLst>
+                <a:tab pos="729615" algn="l"/>
+              </a:tabLst>
+            </a:pPr>
+            <a:r>
+              <a:rPr lang="en-US" sz="2000" dirty="0">
+                <a:effectLst/>
+                <a:latin typeface="Times New Roman" panose="02020603050405020304" pitchFamily="18" charset="0"/>
+                <a:ea typeface="Calibri" panose="020F0502020204030204" pitchFamily="34" charset="0"/>
+                <a:cs typeface="Times New Roman" panose="02020603050405020304" pitchFamily="18" charset="0"/>
+              </a:rPr>
+              <a:t>Hulu Dataset: This dataset consists of 3073 rows x 13 columns of movie and tv shows, directors, cast, country, release year, duration, rating, listed in, and description.</a:t>
+            </a:r>
+            <a:endParaRPr lang="en-IN" sz="2000" dirty="0">
+              <a:effectLst/>
+              <a:latin typeface="Times New Roman" panose="02020603050405020304" pitchFamily="18" charset="0"/>
+              <a:ea typeface="Calibri" panose="020F0502020204030204" pitchFamily="34" charset="0"/>
+              <a:cs typeface="Times New Roman" panose="02020603050405020304" pitchFamily="18" charset="0"/>
+            </a:endParaRPr>
+          </a:p>
+          <a:p>
+            <a:pPr marL="342900" lvl="0" indent="-342900" algn="just">
+              <a:lnSpc>
+                <a:spcPct val="115000"/>
+              </a:lnSpc>
+              <a:buFont typeface="Symbol" panose="05050102010706020507" pitchFamily="18" charset="2"/>
+              <a:buChar char=""/>
+              <a:tabLst>
+                <a:tab pos="729615" algn="l"/>
+              </a:tabLst>
+            </a:pPr>
+            <a:r>
+              <a:rPr lang="en-US" sz="2000" dirty="0">
+                <a:effectLst/>
+                <a:latin typeface="Times New Roman" panose="02020603050405020304" pitchFamily="18" charset="0"/>
+                <a:ea typeface="Calibri" panose="020F0502020204030204" pitchFamily="34" charset="0"/>
+                <a:cs typeface="Times New Roman" panose="02020603050405020304" pitchFamily="18" charset="0"/>
+              </a:rPr>
+              <a:t>Movie Dataset: This dataset consists of 9515 rows x 11 columns of movies, year, age, rotten tomatoes, type, and OTT platforms.</a:t>
+            </a:r>
+            <a:endParaRPr lang="en-IN" sz="2000" dirty="0">
+              <a:effectLst/>
+              <a:latin typeface="Times New Roman" panose="02020603050405020304" pitchFamily="18" charset="0"/>
+              <a:ea typeface="Calibri" panose="020F0502020204030204" pitchFamily="34" charset="0"/>
+              <a:cs typeface="Times New Roman" panose="02020603050405020304" pitchFamily="18" charset="0"/>
+            </a:endParaRPr>
+          </a:p>
+          <a:p>
+            <a:pPr marL="342900" lvl="0" indent="-342900" algn="just">
+              <a:lnSpc>
+                <a:spcPct val="115000"/>
+              </a:lnSpc>
+              <a:buFont typeface="Symbol" panose="05050102010706020507" pitchFamily="18" charset="2"/>
+              <a:buChar char=""/>
+              <a:tabLst>
+                <a:tab pos="729615" algn="l"/>
+              </a:tabLst>
+            </a:pPr>
+            <a:r>
+              <a:rPr lang="en-US" sz="2000" dirty="0">
+                <a:effectLst/>
+                <a:latin typeface="Times New Roman" panose="02020603050405020304" pitchFamily="18" charset="0"/>
+                <a:ea typeface="Calibri" panose="020F0502020204030204" pitchFamily="34" charset="0"/>
+                <a:cs typeface="Times New Roman" panose="02020603050405020304" pitchFamily="18" charset="0"/>
+              </a:rPr>
+              <a:t>Tv show Dataset: This dataset consists of 5368 rows x 11 columns of </a:t>
+            </a:r>
+            <a:r>
+              <a:rPr lang="en-US" sz="2000" dirty="0">
+                <a:latin typeface="Times New Roman" panose="02020603050405020304" pitchFamily="18" charset="0"/>
+                <a:ea typeface="Calibri" panose="020F0502020204030204" pitchFamily="34" charset="0"/>
+                <a:cs typeface="Times New Roman" panose="02020603050405020304" pitchFamily="18" charset="0"/>
+              </a:rPr>
+              <a:t>TVs</a:t>
+            </a:r>
+            <a:r>
+              <a:rPr lang="en-US" sz="2000" dirty="0">
+                <a:effectLst/>
+                <a:latin typeface="Times New Roman" panose="02020603050405020304" pitchFamily="18" charset="0"/>
+                <a:ea typeface="Calibri" panose="020F0502020204030204" pitchFamily="34" charset="0"/>
+                <a:cs typeface="Times New Roman" panose="02020603050405020304" pitchFamily="18" charset="0"/>
+              </a:rPr>
+              <a:t>, year, age, rotten tomatoes, type, and OTT platforms</a:t>
+            </a:r>
+            <a:endParaRPr lang="en-IN" sz="2000" dirty="0">
+              <a:effectLst/>
+              <a:latin typeface="Times New Roman" panose="02020603050405020304" pitchFamily="18" charset="0"/>
+              <a:ea typeface="Calibri" panose="020F0502020204030204" pitchFamily="34" charset="0"/>
+              <a:cs typeface="Times New Roman" panose="02020603050405020304" pitchFamily="18" charset="0"/>
+            </a:endParaRPr>
+          </a:p>
+          <a:p>
+            <a:pPr marL="342900" lvl="0" indent="-342900" algn="just">
+              <a:lnSpc>
+                <a:spcPct val="115000"/>
+              </a:lnSpc>
+              <a:spcAft>
+                <a:spcPts val="1000"/>
+              </a:spcAft>
+              <a:buFont typeface="Symbol" panose="05050102010706020507" pitchFamily="18" charset="2"/>
+              <a:buChar char=""/>
+              <a:tabLst>
+                <a:tab pos="729615" algn="l"/>
+              </a:tabLst>
+            </a:pPr>
+            <a:r>
+              <a:rPr lang="en-US" sz="2000" dirty="0">
+                <a:effectLst/>
+                <a:latin typeface="Times New Roman" panose="02020603050405020304" pitchFamily="18" charset="0"/>
+                <a:ea typeface="Calibri" panose="020F0502020204030204" pitchFamily="34" charset="0"/>
+                <a:cs typeface="Times New Roman" panose="02020603050405020304" pitchFamily="18" charset="0"/>
+              </a:rPr>
+              <a:t>Revenue Dataset: This dataset consists of 40 rows X 3 columns of area, years, and revenue of the Netflix platform.</a:t>
+            </a:r>
+            <a:endParaRPr lang="en-IN" sz="2000" dirty="0">
+              <a:effectLst/>
+              <a:latin typeface="Times New Roman" panose="02020603050405020304" pitchFamily="18" charset="0"/>
+              <a:ea typeface="Calibri" panose="020F0502020204030204" pitchFamily="34" charset="0"/>
+              <a:cs typeface="Times New Roman" panose="02020603050405020304" pitchFamily="18" charset="0"/>
+            </a:endParaRPr>
+          </a:p>
+          <a:p>
+            <a:pPr algn="just"/>
+            <a:endParaRPr lang="en-IN" sz="2000" dirty="0">
+              <a:latin typeface="Times New Roman" panose="02020603050405020304" pitchFamily="18" charset="0"/>
+              <a:cs typeface="Times New Roman" panose="02020603050405020304" pitchFamily="18" charset="0"/>
+            </a:endParaRPr>
+          </a:p>
+        </p:txBody>
+      </p:sp>
+    </p:spTree>
+    <p:extLst>
+      <p:ext uri="{BB962C8B-B14F-4D97-AF65-F5344CB8AC3E}">
+        <p14:creationId xmlns:p14="http://schemas.microsoft.com/office/powerpoint/2010/main" val="2657105128"/>
+      </p:ext>
+    </p:extLst>
+  </p:cSld>
+  <p:clrMapOvr>
+    <a:masterClrMapping/>
+  </p:clrMapOvr>
+</p:sld>
+</file>
+
+<file path=ppt/slides/slide6.xml><?xml version="1.0" encoding="utf-8"?>
+<p:sld xmlns:a="http://schemas.openxmlformats.org/drawingml/2006/main" xmlns:r="http://schemas.openxmlformats.org/officeDocument/2006/relationships" xmlns:p="http://schemas.openxmlformats.org/presentationml/2006/main">
+  <p:cSld>
+    <p:spTree>
+      <p:nvGrpSpPr>
+        <p:cNvPr id="1" name=""/>
+        <p:cNvGrpSpPr/>
+        <p:nvPr/>
+      </p:nvGrpSpPr>
+      <p:grpSpPr>
+        <a:xfrm>
+          <a:off x="0" y="0"/>
+          <a:ext cx="0" cy="0"/>
+          <a:chOff x="0" y="0"/>
+          <a:chExt cx="0" cy="0"/>
+        </a:xfrm>
+      </p:grpSpPr>
+      <p:sp>
+        <p:nvSpPr>
+          <p:cNvPr id="2" name="Title 1">
+            <a:extLst>
+              <a:ext uri="{FF2B5EF4-FFF2-40B4-BE49-F238E27FC236}">
+                <a16:creationId xmlns:a16="http://schemas.microsoft.com/office/drawing/2014/main" id="{0C545512-C825-B702-E7CC-235E2E2F6F35}"/>
+              </a:ext>
+            </a:extLst>
+          </p:cNvPr>
+          <p:cNvSpPr>
+            <a:spLocks noGrp="1"/>
+          </p:cNvSpPr>
+          <p:nvPr>
+            <p:ph type="title"/>
+          </p:nvPr>
+        </p:nvSpPr>
+        <p:spPr>
+          <a:xfrm>
+            <a:off x="1413803" y="330564"/>
+            <a:ext cx="10058400" cy="1450757"/>
+          </a:xfrm>
+        </p:spPr>
+        <p:txBody>
+          <a:bodyPr/>
+          <a:lstStyle/>
+          <a:p>
+            <a:r>
+              <a:rPr lang="en-US" b="1" dirty="0">
+                <a:latin typeface="Times New Roman" panose="02020603050405020304" pitchFamily="18" charset="0"/>
+                <a:cs typeface="Times New Roman" panose="02020603050405020304" pitchFamily="18" charset="0"/>
+              </a:rPr>
+              <a:t>Attributes:</a:t>
+            </a:r>
+          </a:p>
+        </p:txBody>
+      </p:sp>
+      <p:graphicFrame>
+        <p:nvGraphicFramePr>
+          <p:cNvPr id="4" name="Content Placeholder 3">
+            <a:extLst>
+              <a:ext uri="{FF2B5EF4-FFF2-40B4-BE49-F238E27FC236}">
+                <a16:creationId xmlns:a16="http://schemas.microsoft.com/office/drawing/2014/main" id="{89588C28-5B06-DF69-0D6B-502CD14165B9}"/>
+              </a:ext>
+            </a:extLst>
+          </p:cNvPr>
+          <p:cNvGraphicFramePr>
+            <a:graphicFrameLocks noGrp="1"/>
+          </p:cNvGraphicFramePr>
+          <p:nvPr>
+            <p:ph idx="1"/>
+            <p:extLst>
+              <p:ext uri="{D42A27DB-BD31-4B8C-83A1-F6EECF244321}">
+                <p14:modId xmlns:p14="http://schemas.microsoft.com/office/powerpoint/2010/main" val="2931098257"/>
+              </p:ext>
+            </p:extLst>
+          </p:nvPr>
+        </p:nvGraphicFramePr>
+        <p:xfrm>
+          <a:off x="993531" y="1846263"/>
+          <a:ext cx="9882554" cy="4482723"/>
+        </p:xfrm>
+        <a:graphic>
+          <a:graphicData uri="http://schemas.openxmlformats.org/drawingml/2006/table">
+            <a:tbl>
+              <a:tblPr firstRow="1" firstCol="1" bandRow="1">
+                <a:tableStyleId>{5940675A-B579-460E-94D1-54222C63F5DA}</a:tableStyleId>
+              </a:tblPr>
+              <a:tblGrid>
+                <a:gridCol w="2720221">
+                  <a:extLst>
+                    <a:ext uri="{9D8B030D-6E8A-4147-A177-3AD203B41FA5}">
+                      <a16:colId xmlns:a16="http://schemas.microsoft.com/office/drawing/2014/main" val="874926343"/>
+                    </a:ext>
+                  </a:extLst>
+                </a:gridCol>
+                <a:gridCol w="4451272">
+                  <a:extLst>
+                    <a:ext uri="{9D8B030D-6E8A-4147-A177-3AD203B41FA5}">
+                      <a16:colId xmlns:a16="http://schemas.microsoft.com/office/drawing/2014/main" val="1074241441"/>
+                    </a:ext>
+                  </a:extLst>
+                </a:gridCol>
+                <a:gridCol w="2711061">
+                  <a:extLst>
+                    <a:ext uri="{9D8B030D-6E8A-4147-A177-3AD203B41FA5}">
+                      <a16:colId xmlns:a16="http://schemas.microsoft.com/office/drawing/2014/main" val="4239258212"/>
+                    </a:ext>
+                  </a:extLst>
+                </a:gridCol>
+              </a:tblGrid>
+              <a:tr h="306664">
+                <a:tc>
+                  <a:txBody>
+                    <a:bodyPr/>
+                    <a:lstStyle/>
+                    <a:p>
+                      <a:pPr marL="0" marR="0">
+                        <a:lnSpc>
+                          <a:spcPct val="115000"/>
+                        </a:lnSpc>
+                        <a:spcBef>
+                          <a:spcPts val="0"/>
+                        </a:spcBef>
+                        <a:spcAft>
+                          <a:spcPts val="0"/>
+                        </a:spcAft>
+                      </a:pPr>
+                      <a:r>
+                        <a:rPr lang="en-US" sz="2000" b="1">
+                          <a:effectLst/>
+                        </a:rPr>
+                        <a:t>Attribute Name</a:t>
+                      </a:r>
+                      <a:endParaRPr lang="en-US" sz="2000" b="1">
+                        <a:effectLst/>
+                        <a:latin typeface="Calibri" panose="020F0502020204030204" pitchFamily="34" charset="0"/>
+                        <a:ea typeface="Calibri" panose="020F0502020204030204" pitchFamily="34" charset="0"/>
+                        <a:cs typeface="Times New Roman" panose="02020603050405020304" pitchFamily="18" charset="0"/>
+                      </a:endParaRPr>
+                    </a:p>
+                  </a:txBody>
+                  <a:tcPr marL="55274" marR="55274" marT="0" marB="0"/>
+                </a:tc>
+                <a:tc>
+                  <a:txBody>
+                    <a:bodyPr/>
+                    <a:lstStyle/>
+                    <a:p>
+                      <a:pPr marL="0" marR="0">
+                        <a:lnSpc>
+                          <a:spcPct val="115000"/>
+                        </a:lnSpc>
+                        <a:spcBef>
+                          <a:spcPts val="0"/>
+                        </a:spcBef>
+                        <a:spcAft>
+                          <a:spcPts val="0"/>
+                        </a:spcAft>
+                      </a:pPr>
+                      <a:r>
+                        <a:rPr lang="en-US" sz="2000" b="1">
+                          <a:effectLst/>
+                        </a:rPr>
+                        <a:t>Description</a:t>
+                      </a:r>
+                      <a:endParaRPr lang="en-US" sz="2000" b="1">
+                        <a:effectLst/>
+                        <a:latin typeface="Calibri" panose="020F0502020204030204" pitchFamily="34" charset="0"/>
+                        <a:ea typeface="Calibri" panose="020F0502020204030204" pitchFamily="34" charset="0"/>
+                        <a:cs typeface="Times New Roman" panose="02020603050405020304" pitchFamily="18" charset="0"/>
+                      </a:endParaRPr>
+                    </a:p>
+                  </a:txBody>
+                  <a:tcPr marL="55274" marR="55274" marT="0" marB="0"/>
+                </a:tc>
+                <a:tc>
+                  <a:txBody>
+                    <a:bodyPr/>
+                    <a:lstStyle/>
+                    <a:p>
+                      <a:pPr marL="0" marR="0">
+                        <a:lnSpc>
+                          <a:spcPct val="115000"/>
+                        </a:lnSpc>
+                        <a:spcBef>
+                          <a:spcPts val="0"/>
+                        </a:spcBef>
+                        <a:spcAft>
+                          <a:spcPts val="0"/>
+                        </a:spcAft>
+                      </a:pPr>
+                      <a:r>
+                        <a:rPr lang="en-US" sz="2000" b="1" dirty="0">
+                          <a:effectLst/>
+                        </a:rPr>
+                        <a:t>Type of Data</a:t>
+                      </a:r>
+                      <a:endParaRPr lang="en-US" sz="2000" b="1" dirty="0">
+                        <a:effectLst/>
+                        <a:latin typeface="Calibri" panose="020F0502020204030204" pitchFamily="34" charset="0"/>
+                        <a:ea typeface="Calibri" panose="020F0502020204030204" pitchFamily="34" charset="0"/>
+                        <a:cs typeface="Times New Roman" panose="02020603050405020304" pitchFamily="18" charset="0"/>
+                      </a:endParaRPr>
+                    </a:p>
+                  </a:txBody>
+                  <a:tcPr marL="55274" marR="55274" marT="0" marB="0"/>
+                </a:tc>
+                <a:extLst>
+                  <a:ext uri="{0D108BD9-81ED-4DB2-BD59-A6C34878D82A}">
+                    <a16:rowId xmlns:a16="http://schemas.microsoft.com/office/drawing/2014/main" val="739066678"/>
+                  </a:ext>
+                </a:extLst>
+              </a:tr>
+              <a:tr h="306664">
+                <a:tc>
+                  <a:txBody>
+                    <a:bodyPr/>
+                    <a:lstStyle/>
+                    <a:p>
+                      <a:pPr marL="0" marR="0">
+                        <a:lnSpc>
+                          <a:spcPct val="115000"/>
+                        </a:lnSpc>
+                        <a:spcBef>
+                          <a:spcPts val="0"/>
+                        </a:spcBef>
+                        <a:spcAft>
+                          <a:spcPts val="0"/>
+                        </a:spcAft>
+                      </a:pPr>
+                      <a:r>
+                        <a:rPr lang="en-US" sz="2000">
+                          <a:effectLst/>
+                        </a:rPr>
+                        <a:t>Type </a:t>
+                      </a:r>
+                      <a:endParaRPr lang="en-US" sz="2000">
+                        <a:effectLst/>
+                        <a:latin typeface="Calibri" panose="020F0502020204030204" pitchFamily="34" charset="0"/>
+                        <a:ea typeface="Calibri" panose="020F0502020204030204" pitchFamily="34" charset="0"/>
+                        <a:cs typeface="Times New Roman" panose="02020603050405020304" pitchFamily="18" charset="0"/>
+                      </a:endParaRPr>
+                    </a:p>
+                  </a:txBody>
+                  <a:tcPr marL="55274" marR="55274" marT="0" marB="0"/>
+                </a:tc>
+                <a:tc>
+                  <a:txBody>
+                    <a:bodyPr/>
+                    <a:lstStyle/>
+                    <a:p>
+                      <a:pPr marL="0" marR="0">
+                        <a:lnSpc>
+                          <a:spcPct val="115000"/>
+                        </a:lnSpc>
+                        <a:spcBef>
+                          <a:spcPts val="0"/>
+                        </a:spcBef>
+                        <a:spcAft>
+                          <a:spcPts val="0"/>
+                        </a:spcAft>
+                      </a:pPr>
+                      <a:r>
+                        <a:rPr lang="en-US" sz="2000">
+                          <a:effectLst/>
+                        </a:rPr>
+                        <a:t>Movie or Tv show</a:t>
+                      </a:r>
+                      <a:endParaRPr lang="en-US" sz="2000">
+                        <a:effectLst/>
+                        <a:latin typeface="Calibri" panose="020F0502020204030204" pitchFamily="34" charset="0"/>
+                        <a:ea typeface="Calibri" panose="020F0502020204030204" pitchFamily="34" charset="0"/>
+                        <a:cs typeface="Times New Roman" panose="02020603050405020304" pitchFamily="18" charset="0"/>
+                      </a:endParaRPr>
+                    </a:p>
+                  </a:txBody>
+                  <a:tcPr marL="55274" marR="55274" marT="0" marB="0"/>
+                </a:tc>
+                <a:tc>
+                  <a:txBody>
+                    <a:bodyPr/>
+                    <a:lstStyle/>
+                    <a:p>
+                      <a:pPr marL="0" marR="0">
+                        <a:lnSpc>
+                          <a:spcPct val="115000"/>
+                        </a:lnSpc>
+                        <a:spcBef>
+                          <a:spcPts val="0"/>
+                        </a:spcBef>
+                        <a:spcAft>
+                          <a:spcPts val="0"/>
+                        </a:spcAft>
+                      </a:pPr>
+                      <a:r>
+                        <a:rPr lang="en-US" sz="2000" dirty="0">
+                          <a:effectLst/>
+                        </a:rPr>
+                        <a:t>Categorical Data</a:t>
+                      </a:r>
+                      <a:endParaRPr lang="en-US" sz="2000" dirty="0">
+                        <a:effectLst/>
+                        <a:latin typeface="Calibri" panose="020F0502020204030204" pitchFamily="34" charset="0"/>
+                        <a:ea typeface="Calibri" panose="020F0502020204030204" pitchFamily="34" charset="0"/>
+                        <a:cs typeface="Times New Roman" panose="02020603050405020304" pitchFamily="18" charset="0"/>
+                      </a:endParaRPr>
+                    </a:p>
+                  </a:txBody>
+                  <a:tcPr marL="55274" marR="55274" marT="0" marB="0"/>
+                </a:tc>
+                <a:extLst>
+                  <a:ext uri="{0D108BD9-81ED-4DB2-BD59-A6C34878D82A}">
+                    <a16:rowId xmlns:a16="http://schemas.microsoft.com/office/drawing/2014/main" val="1012353497"/>
+                  </a:ext>
+                </a:extLst>
+              </a:tr>
+              <a:tr h="306664">
+                <a:tc>
+                  <a:txBody>
+                    <a:bodyPr/>
+                    <a:lstStyle/>
+                    <a:p>
+                      <a:pPr marL="0" marR="0">
+                        <a:lnSpc>
+                          <a:spcPct val="115000"/>
+                        </a:lnSpc>
+                        <a:spcBef>
+                          <a:spcPts val="0"/>
+                        </a:spcBef>
+                        <a:spcAft>
+                          <a:spcPts val="0"/>
+                        </a:spcAft>
+                      </a:pPr>
+                      <a:r>
+                        <a:rPr lang="en-US" sz="2000">
+                          <a:effectLst/>
+                        </a:rPr>
+                        <a:t>Title</a:t>
+                      </a:r>
+                      <a:endParaRPr lang="en-US" sz="2000">
+                        <a:effectLst/>
+                        <a:latin typeface="Calibri" panose="020F0502020204030204" pitchFamily="34" charset="0"/>
+                        <a:ea typeface="Calibri" panose="020F0502020204030204" pitchFamily="34" charset="0"/>
+                        <a:cs typeface="Times New Roman" panose="02020603050405020304" pitchFamily="18" charset="0"/>
+                      </a:endParaRPr>
+                    </a:p>
+                  </a:txBody>
+                  <a:tcPr marL="55274" marR="55274" marT="0" marB="0"/>
+                </a:tc>
+                <a:tc>
+                  <a:txBody>
+                    <a:bodyPr/>
+                    <a:lstStyle/>
+                    <a:p>
+                      <a:pPr marL="0" marR="0">
+                        <a:lnSpc>
+                          <a:spcPct val="115000"/>
+                        </a:lnSpc>
+                        <a:spcBef>
+                          <a:spcPts val="0"/>
+                        </a:spcBef>
+                        <a:spcAft>
+                          <a:spcPts val="0"/>
+                        </a:spcAft>
+                      </a:pPr>
+                      <a:r>
+                        <a:rPr lang="en-US" sz="2000" dirty="0">
+                          <a:effectLst/>
+                        </a:rPr>
+                        <a:t>Title of the content</a:t>
+                      </a:r>
+                      <a:endParaRPr lang="en-US" sz="2000" dirty="0">
+                        <a:effectLst/>
+                        <a:latin typeface="Calibri" panose="020F0502020204030204" pitchFamily="34" charset="0"/>
+                        <a:ea typeface="Calibri" panose="020F0502020204030204" pitchFamily="34" charset="0"/>
+                        <a:cs typeface="Times New Roman" panose="02020603050405020304" pitchFamily="18" charset="0"/>
+                      </a:endParaRPr>
+                    </a:p>
+                  </a:txBody>
+                  <a:tcPr marL="55274" marR="55274" marT="0" marB="0"/>
+                </a:tc>
+                <a:tc>
+                  <a:txBody>
+                    <a:bodyPr/>
+                    <a:lstStyle/>
+                    <a:p>
+                      <a:pPr marL="0" marR="0">
+                        <a:lnSpc>
+                          <a:spcPct val="115000"/>
+                        </a:lnSpc>
+                        <a:spcBef>
+                          <a:spcPts val="0"/>
+                        </a:spcBef>
+                        <a:spcAft>
+                          <a:spcPts val="0"/>
+                        </a:spcAft>
+                      </a:pPr>
+                      <a:r>
+                        <a:rPr lang="en-US" sz="2000">
+                          <a:effectLst/>
+                        </a:rPr>
+                        <a:t>Nominal Data</a:t>
+                      </a:r>
+                      <a:endParaRPr lang="en-US" sz="2000">
+                        <a:effectLst/>
+                        <a:latin typeface="Calibri" panose="020F0502020204030204" pitchFamily="34" charset="0"/>
+                        <a:ea typeface="Calibri" panose="020F0502020204030204" pitchFamily="34" charset="0"/>
+                        <a:cs typeface="Times New Roman" panose="02020603050405020304" pitchFamily="18" charset="0"/>
+                      </a:endParaRPr>
+                    </a:p>
+                  </a:txBody>
+                  <a:tcPr marL="55274" marR="55274" marT="0" marB="0"/>
+                </a:tc>
+                <a:extLst>
+                  <a:ext uri="{0D108BD9-81ED-4DB2-BD59-A6C34878D82A}">
+                    <a16:rowId xmlns:a16="http://schemas.microsoft.com/office/drawing/2014/main" val="3968896423"/>
+                  </a:ext>
+                </a:extLst>
+              </a:tr>
+              <a:tr h="580207">
+                <a:tc>
+                  <a:txBody>
+                    <a:bodyPr/>
+                    <a:lstStyle/>
+                    <a:p>
+                      <a:pPr marL="0" marR="0">
+                        <a:lnSpc>
+                          <a:spcPct val="115000"/>
+                        </a:lnSpc>
+                        <a:spcBef>
+                          <a:spcPts val="0"/>
+                        </a:spcBef>
+                        <a:spcAft>
+                          <a:spcPts val="0"/>
+                        </a:spcAft>
+                      </a:pPr>
+                      <a:r>
+                        <a:rPr lang="en-US" sz="2000" dirty="0">
+                          <a:effectLst/>
+                        </a:rPr>
+                        <a:t>Release year, Year</a:t>
+                      </a:r>
+                      <a:endParaRPr lang="en-US" sz="2000" dirty="0">
+                        <a:effectLst/>
+                        <a:latin typeface="Calibri" panose="020F0502020204030204" pitchFamily="34" charset="0"/>
+                        <a:ea typeface="Calibri" panose="020F0502020204030204" pitchFamily="34" charset="0"/>
+                        <a:cs typeface="Times New Roman" panose="02020603050405020304" pitchFamily="18" charset="0"/>
+                      </a:endParaRPr>
+                    </a:p>
+                  </a:txBody>
+                  <a:tcPr marL="55274" marR="55274" marT="0" marB="0"/>
+                </a:tc>
+                <a:tc>
+                  <a:txBody>
+                    <a:bodyPr/>
+                    <a:lstStyle/>
+                    <a:p>
+                      <a:pPr marL="0" marR="0">
+                        <a:lnSpc>
+                          <a:spcPct val="115000"/>
+                        </a:lnSpc>
+                        <a:spcBef>
+                          <a:spcPts val="0"/>
+                        </a:spcBef>
+                        <a:spcAft>
+                          <a:spcPts val="0"/>
+                        </a:spcAft>
+                      </a:pPr>
+                      <a:r>
+                        <a:rPr lang="en-US" sz="2000">
+                          <a:effectLst/>
+                        </a:rPr>
+                        <a:t>Year in which the content was released</a:t>
+                      </a:r>
+                      <a:endParaRPr lang="en-US" sz="2000">
+                        <a:effectLst/>
+                        <a:latin typeface="Calibri" panose="020F0502020204030204" pitchFamily="34" charset="0"/>
+                        <a:ea typeface="Calibri" panose="020F0502020204030204" pitchFamily="34" charset="0"/>
+                        <a:cs typeface="Times New Roman" panose="02020603050405020304" pitchFamily="18" charset="0"/>
+                      </a:endParaRPr>
+                    </a:p>
+                  </a:txBody>
+                  <a:tcPr marL="55274" marR="55274" marT="0" marB="0"/>
+                </a:tc>
+                <a:tc>
+                  <a:txBody>
+                    <a:bodyPr/>
+                    <a:lstStyle/>
+                    <a:p>
+                      <a:pPr marL="0" marR="0">
+                        <a:lnSpc>
+                          <a:spcPct val="115000"/>
+                        </a:lnSpc>
+                        <a:spcBef>
+                          <a:spcPts val="0"/>
+                        </a:spcBef>
+                        <a:spcAft>
+                          <a:spcPts val="0"/>
+                        </a:spcAft>
+                      </a:pPr>
+                      <a:r>
+                        <a:rPr lang="en-US" sz="2000">
+                          <a:effectLst/>
+                        </a:rPr>
+                        <a:t>Ordinal Data</a:t>
+                      </a:r>
+                      <a:endParaRPr lang="en-US" sz="2000">
+                        <a:effectLst/>
+                        <a:latin typeface="Calibri" panose="020F0502020204030204" pitchFamily="34" charset="0"/>
+                        <a:ea typeface="Calibri" panose="020F0502020204030204" pitchFamily="34" charset="0"/>
+                        <a:cs typeface="Times New Roman" panose="02020603050405020304" pitchFamily="18" charset="0"/>
+                      </a:endParaRPr>
+                    </a:p>
+                  </a:txBody>
+                  <a:tcPr marL="55274" marR="55274" marT="0" marB="0"/>
+                </a:tc>
+                <a:extLst>
+                  <a:ext uri="{0D108BD9-81ED-4DB2-BD59-A6C34878D82A}">
+                    <a16:rowId xmlns:a16="http://schemas.microsoft.com/office/drawing/2014/main" val="446090846"/>
+                  </a:ext>
+                </a:extLst>
+              </a:tr>
+              <a:tr h="306664">
+                <a:tc>
+                  <a:txBody>
+                    <a:bodyPr/>
+                    <a:lstStyle/>
+                    <a:p>
+                      <a:pPr marL="0" marR="0">
+                        <a:lnSpc>
+                          <a:spcPct val="115000"/>
+                        </a:lnSpc>
+                        <a:spcBef>
+                          <a:spcPts val="0"/>
+                        </a:spcBef>
+                        <a:spcAft>
+                          <a:spcPts val="0"/>
+                        </a:spcAft>
+                      </a:pPr>
+                      <a:r>
+                        <a:rPr lang="en-US" sz="2000">
+                          <a:effectLst/>
+                        </a:rPr>
+                        <a:t>Listed in</a:t>
+                      </a:r>
+                      <a:endParaRPr lang="en-US" sz="2000">
+                        <a:effectLst/>
+                        <a:latin typeface="Calibri" panose="020F0502020204030204" pitchFamily="34" charset="0"/>
+                        <a:ea typeface="Calibri" panose="020F0502020204030204" pitchFamily="34" charset="0"/>
+                        <a:cs typeface="Times New Roman" panose="02020603050405020304" pitchFamily="18" charset="0"/>
+                      </a:endParaRPr>
+                    </a:p>
+                  </a:txBody>
+                  <a:tcPr marL="55274" marR="55274" marT="0" marB="0"/>
+                </a:tc>
+                <a:tc>
+                  <a:txBody>
+                    <a:bodyPr/>
+                    <a:lstStyle/>
+                    <a:p>
+                      <a:pPr marL="0" marR="0">
+                        <a:lnSpc>
+                          <a:spcPct val="115000"/>
+                        </a:lnSpc>
+                        <a:spcBef>
+                          <a:spcPts val="0"/>
+                        </a:spcBef>
+                        <a:spcAft>
+                          <a:spcPts val="0"/>
+                        </a:spcAft>
+                      </a:pPr>
+                      <a:r>
+                        <a:rPr lang="en-US" sz="2000">
+                          <a:effectLst/>
+                        </a:rPr>
+                        <a:t>Genre of the content</a:t>
+                      </a:r>
+                      <a:endParaRPr lang="en-US" sz="2000">
+                        <a:effectLst/>
+                        <a:latin typeface="Calibri" panose="020F0502020204030204" pitchFamily="34" charset="0"/>
+                        <a:ea typeface="Calibri" panose="020F0502020204030204" pitchFamily="34" charset="0"/>
+                        <a:cs typeface="Times New Roman" panose="02020603050405020304" pitchFamily="18" charset="0"/>
+                      </a:endParaRPr>
+                    </a:p>
+                  </a:txBody>
+                  <a:tcPr marL="55274" marR="55274" marT="0" marB="0"/>
+                </a:tc>
+                <a:tc>
+                  <a:txBody>
+                    <a:bodyPr/>
+                    <a:lstStyle/>
+                    <a:p>
+                      <a:pPr marL="0" marR="0">
+                        <a:lnSpc>
+                          <a:spcPct val="115000"/>
+                        </a:lnSpc>
+                        <a:spcBef>
+                          <a:spcPts val="0"/>
+                        </a:spcBef>
+                        <a:spcAft>
+                          <a:spcPts val="0"/>
+                        </a:spcAft>
+                      </a:pPr>
+                      <a:r>
+                        <a:rPr lang="en-US" sz="2000">
+                          <a:effectLst/>
+                        </a:rPr>
+                        <a:t>Nominal Data</a:t>
+                      </a:r>
+                      <a:endParaRPr lang="en-US" sz="2000">
+                        <a:effectLst/>
+                        <a:latin typeface="Calibri" panose="020F0502020204030204" pitchFamily="34" charset="0"/>
+                        <a:ea typeface="Calibri" panose="020F0502020204030204" pitchFamily="34" charset="0"/>
+                        <a:cs typeface="Times New Roman" panose="02020603050405020304" pitchFamily="18" charset="0"/>
+                      </a:endParaRPr>
+                    </a:p>
+                  </a:txBody>
+                  <a:tcPr marL="55274" marR="55274" marT="0" marB="0"/>
+                </a:tc>
+                <a:extLst>
+                  <a:ext uri="{0D108BD9-81ED-4DB2-BD59-A6C34878D82A}">
+                    <a16:rowId xmlns:a16="http://schemas.microsoft.com/office/drawing/2014/main" val="2702434869"/>
+                  </a:ext>
+                </a:extLst>
+              </a:tr>
+              <a:tr h="306664">
+                <a:tc>
+                  <a:txBody>
+                    <a:bodyPr/>
+                    <a:lstStyle/>
+                    <a:p>
+                      <a:pPr marL="0" marR="0">
+                        <a:lnSpc>
+                          <a:spcPct val="115000"/>
+                        </a:lnSpc>
+                        <a:spcBef>
+                          <a:spcPts val="0"/>
+                        </a:spcBef>
+                        <a:spcAft>
+                          <a:spcPts val="0"/>
+                        </a:spcAft>
+                      </a:pPr>
+                      <a:r>
+                        <a:rPr lang="en-US" sz="2000">
+                          <a:effectLst/>
+                        </a:rPr>
+                        <a:t>Ott</a:t>
+                      </a:r>
+                      <a:endParaRPr lang="en-US" sz="2000">
+                        <a:effectLst/>
+                        <a:latin typeface="Calibri" panose="020F0502020204030204" pitchFamily="34" charset="0"/>
+                        <a:ea typeface="Calibri" panose="020F0502020204030204" pitchFamily="34" charset="0"/>
+                        <a:cs typeface="Times New Roman" panose="02020603050405020304" pitchFamily="18" charset="0"/>
+                      </a:endParaRPr>
+                    </a:p>
+                  </a:txBody>
+                  <a:tcPr marL="55274" marR="55274" marT="0" marB="0"/>
+                </a:tc>
+                <a:tc>
+                  <a:txBody>
+                    <a:bodyPr/>
+                    <a:lstStyle/>
+                    <a:p>
+                      <a:pPr marL="0" marR="0">
+                        <a:lnSpc>
+                          <a:spcPct val="115000"/>
+                        </a:lnSpc>
+                        <a:spcBef>
+                          <a:spcPts val="0"/>
+                        </a:spcBef>
+                        <a:spcAft>
+                          <a:spcPts val="0"/>
+                        </a:spcAft>
+                      </a:pPr>
+                      <a:r>
+                        <a:rPr lang="en-US" sz="2000">
+                          <a:effectLst/>
+                        </a:rPr>
+                        <a:t>Name of the Ott platform</a:t>
+                      </a:r>
+                      <a:endParaRPr lang="en-US" sz="2000">
+                        <a:effectLst/>
+                        <a:latin typeface="Calibri" panose="020F0502020204030204" pitchFamily="34" charset="0"/>
+                        <a:ea typeface="Calibri" panose="020F0502020204030204" pitchFamily="34" charset="0"/>
+                        <a:cs typeface="Times New Roman" panose="02020603050405020304" pitchFamily="18" charset="0"/>
+                      </a:endParaRPr>
+                    </a:p>
+                  </a:txBody>
+                  <a:tcPr marL="55274" marR="55274" marT="0" marB="0"/>
+                </a:tc>
+                <a:tc>
+                  <a:txBody>
+                    <a:bodyPr/>
+                    <a:lstStyle/>
+                    <a:p>
+                      <a:pPr marL="0" marR="0">
+                        <a:lnSpc>
+                          <a:spcPct val="115000"/>
+                        </a:lnSpc>
+                        <a:spcBef>
+                          <a:spcPts val="0"/>
+                        </a:spcBef>
+                        <a:spcAft>
+                          <a:spcPts val="0"/>
+                        </a:spcAft>
+                      </a:pPr>
+                      <a:r>
+                        <a:rPr lang="en-US" sz="2000">
+                          <a:effectLst/>
+                        </a:rPr>
+                        <a:t>Categorical Data</a:t>
+                      </a:r>
+                      <a:endParaRPr lang="en-US" sz="2000">
+                        <a:effectLst/>
+                        <a:latin typeface="Calibri" panose="020F0502020204030204" pitchFamily="34" charset="0"/>
+                        <a:ea typeface="Calibri" panose="020F0502020204030204" pitchFamily="34" charset="0"/>
+                        <a:cs typeface="Times New Roman" panose="02020603050405020304" pitchFamily="18" charset="0"/>
+                      </a:endParaRPr>
+                    </a:p>
+                  </a:txBody>
+                  <a:tcPr marL="55274" marR="55274" marT="0" marB="0"/>
+                </a:tc>
+                <a:extLst>
+                  <a:ext uri="{0D108BD9-81ED-4DB2-BD59-A6C34878D82A}">
+                    <a16:rowId xmlns:a16="http://schemas.microsoft.com/office/drawing/2014/main" val="1291511413"/>
+                  </a:ext>
+                </a:extLst>
+              </a:tr>
+              <a:tr h="306664">
+                <a:tc>
+                  <a:txBody>
+                    <a:bodyPr/>
+                    <a:lstStyle/>
+                    <a:p>
+                      <a:pPr marL="0" marR="0">
+                        <a:lnSpc>
+                          <a:spcPct val="115000"/>
+                        </a:lnSpc>
+                        <a:spcBef>
+                          <a:spcPts val="0"/>
+                        </a:spcBef>
+                        <a:spcAft>
+                          <a:spcPts val="0"/>
+                        </a:spcAft>
+                      </a:pPr>
+                      <a:r>
+                        <a:rPr lang="en-US" sz="2000">
+                          <a:effectLst/>
+                        </a:rPr>
+                        <a:t>Age</a:t>
+                      </a:r>
+                      <a:endParaRPr lang="en-US" sz="2000">
+                        <a:effectLst/>
+                        <a:latin typeface="Calibri" panose="020F0502020204030204" pitchFamily="34" charset="0"/>
+                        <a:ea typeface="Calibri" panose="020F0502020204030204" pitchFamily="34" charset="0"/>
+                        <a:cs typeface="Times New Roman" panose="02020603050405020304" pitchFamily="18" charset="0"/>
+                      </a:endParaRPr>
+                    </a:p>
+                  </a:txBody>
+                  <a:tcPr marL="55274" marR="55274" marT="0" marB="0"/>
+                </a:tc>
+                <a:tc>
+                  <a:txBody>
+                    <a:bodyPr/>
+                    <a:lstStyle/>
+                    <a:p>
+                      <a:pPr marL="0" marR="0">
+                        <a:lnSpc>
+                          <a:spcPct val="115000"/>
+                        </a:lnSpc>
+                        <a:spcBef>
+                          <a:spcPts val="0"/>
+                        </a:spcBef>
+                        <a:spcAft>
+                          <a:spcPts val="0"/>
+                        </a:spcAft>
+                      </a:pPr>
+                      <a:r>
+                        <a:rPr lang="en-US" sz="2000">
+                          <a:effectLst/>
+                        </a:rPr>
+                        <a:t>Age group</a:t>
+                      </a:r>
+                      <a:endParaRPr lang="en-US" sz="2000">
+                        <a:effectLst/>
+                        <a:latin typeface="Calibri" panose="020F0502020204030204" pitchFamily="34" charset="0"/>
+                        <a:ea typeface="Calibri" panose="020F0502020204030204" pitchFamily="34" charset="0"/>
+                        <a:cs typeface="Times New Roman" panose="02020603050405020304" pitchFamily="18" charset="0"/>
+                      </a:endParaRPr>
+                    </a:p>
+                  </a:txBody>
+                  <a:tcPr marL="55274" marR="55274" marT="0" marB="0"/>
+                </a:tc>
+                <a:tc>
+                  <a:txBody>
+                    <a:bodyPr/>
+                    <a:lstStyle/>
+                    <a:p>
+                      <a:pPr marL="0" marR="0">
+                        <a:lnSpc>
+                          <a:spcPct val="115000"/>
+                        </a:lnSpc>
+                        <a:spcBef>
+                          <a:spcPts val="0"/>
+                        </a:spcBef>
+                        <a:spcAft>
+                          <a:spcPts val="0"/>
+                        </a:spcAft>
+                      </a:pPr>
+                      <a:r>
+                        <a:rPr lang="en-US" sz="2000" dirty="0">
+                          <a:effectLst/>
+                        </a:rPr>
+                        <a:t>Categorical Data</a:t>
+                      </a:r>
+                      <a:endParaRPr lang="en-US" sz="2000" dirty="0">
+                        <a:effectLst/>
+                        <a:latin typeface="Calibri" panose="020F0502020204030204" pitchFamily="34" charset="0"/>
+                        <a:ea typeface="Calibri" panose="020F0502020204030204" pitchFamily="34" charset="0"/>
+                        <a:cs typeface="Times New Roman" panose="02020603050405020304" pitchFamily="18" charset="0"/>
+                      </a:endParaRPr>
+                    </a:p>
+                  </a:txBody>
+                  <a:tcPr marL="55274" marR="55274" marT="0" marB="0"/>
+                </a:tc>
+                <a:extLst>
+                  <a:ext uri="{0D108BD9-81ED-4DB2-BD59-A6C34878D82A}">
+                    <a16:rowId xmlns:a16="http://schemas.microsoft.com/office/drawing/2014/main" val="398646571"/>
+                  </a:ext>
+                </a:extLst>
+              </a:tr>
+              <a:tr h="306664">
+                <a:tc>
+                  <a:txBody>
+                    <a:bodyPr/>
+                    <a:lstStyle/>
+                    <a:p>
+                      <a:pPr marL="0" marR="0">
+                        <a:lnSpc>
+                          <a:spcPct val="115000"/>
+                        </a:lnSpc>
+                        <a:spcBef>
+                          <a:spcPts val="0"/>
+                        </a:spcBef>
+                        <a:spcAft>
+                          <a:spcPts val="0"/>
+                        </a:spcAft>
+                      </a:pPr>
+                      <a:r>
+                        <a:rPr lang="en-US" sz="2000">
+                          <a:effectLst/>
+                        </a:rPr>
+                        <a:t>IMDb</a:t>
+                      </a:r>
+                      <a:endParaRPr lang="en-US" sz="2000">
+                        <a:effectLst/>
+                        <a:latin typeface="Calibri" panose="020F0502020204030204" pitchFamily="34" charset="0"/>
+                        <a:ea typeface="Calibri" panose="020F0502020204030204" pitchFamily="34" charset="0"/>
+                        <a:cs typeface="Times New Roman" panose="02020603050405020304" pitchFamily="18" charset="0"/>
+                      </a:endParaRPr>
+                    </a:p>
+                  </a:txBody>
+                  <a:tcPr marL="55274" marR="55274" marT="0" marB="0"/>
+                </a:tc>
+                <a:tc>
+                  <a:txBody>
+                    <a:bodyPr/>
+                    <a:lstStyle/>
+                    <a:p>
+                      <a:pPr marL="0" marR="0">
+                        <a:lnSpc>
+                          <a:spcPct val="115000"/>
+                        </a:lnSpc>
+                        <a:spcBef>
+                          <a:spcPts val="0"/>
+                        </a:spcBef>
+                        <a:spcAft>
+                          <a:spcPts val="0"/>
+                        </a:spcAft>
+                      </a:pPr>
+                      <a:r>
+                        <a:rPr lang="en-US" sz="2000">
+                          <a:effectLst/>
+                        </a:rPr>
+                        <a:t>IMDb ratings of content</a:t>
+                      </a:r>
+                      <a:endParaRPr lang="en-US" sz="2000">
+                        <a:effectLst/>
+                        <a:latin typeface="Calibri" panose="020F0502020204030204" pitchFamily="34" charset="0"/>
+                        <a:ea typeface="Calibri" panose="020F0502020204030204" pitchFamily="34" charset="0"/>
+                        <a:cs typeface="Times New Roman" panose="02020603050405020304" pitchFamily="18" charset="0"/>
+                      </a:endParaRPr>
+                    </a:p>
+                  </a:txBody>
+                  <a:tcPr marL="55274" marR="55274" marT="0" marB="0"/>
+                </a:tc>
+                <a:tc>
+                  <a:txBody>
+                    <a:bodyPr/>
+                    <a:lstStyle/>
+                    <a:p>
+                      <a:pPr marL="0" marR="0">
+                        <a:lnSpc>
+                          <a:spcPct val="115000"/>
+                        </a:lnSpc>
+                        <a:spcBef>
+                          <a:spcPts val="0"/>
+                        </a:spcBef>
+                        <a:spcAft>
+                          <a:spcPts val="0"/>
+                        </a:spcAft>
+                      </a:pPr>
+                      <a:r>
+                        <a:rPr lang="en-US" sz="2000">
+                          <a:effectLst/>
+                        </a:rPr>
+                        <a:t>Discrete Data</a:t>
+                      </a:r>
+                      <a:endParaRPr lang="en-US" sz="2000">
+                        <a:effectLst/>
+                        <a:latin typeface="Calibri" panose="020F0502020204030204" pitchFamily="34" charset="0"/>
+                        <a:ea typeface="Calibri" panose="020F0502020204030204" pitchFamily="34" charset="0"/>
+                        <a:cs typeface="Times New Roman" panose="02020603050405020304" pitchFamily="18" charset="0"/>
+                      </a:endParaRPr>
+                    </a:p>
+                  </a:txBody>
+                  <a:tcPr marL="55274" marR="55274" marT="0" marB="0"/>
+                </a:tc>
+                <a:extLst>
+                  <a:ext uri="{0D108BD9-81ED-4DB2-BD59-A6C34878D82A}">
+                    <a16:rowId xmlns:a16="http://schemas.microsoft.com/office/drawing/2014/main" val="1459317154"/>
+                  </a:ext>
+                </a:extLst>
+              </a:tr>
+              <a:tr h="466501">
+                <a:tc>
+                  <a:txBody>
+                    <a:bodyPr/>
+                    <a:lstStyle/>
+                    <a:p>
+                      <a:pPr marL="0" marR="0">
+                        <a:lnSpc>
+                          <a:spcPct val="115000"/>
+                        </a:lnSpc>
+                        <a:spcBef>
+                          <a:spcPts val="0"/>
+                        </a:spcBef>
+                        <a:spcAft>
+                          <a:spcPts val="0"/>
+                        </a:spcAft>
+                      </a:pPr>
+                      <a:r>
+                        <a:rPr lang="en-US" sz="2000">
+                          <a:effectLst/>
+                        </a:rPr>
+                        <a:t>Rotten Tomatoes</a:t>
+                      </a:r>
+                      <a:endParaRPr lang="en-US" sz="2000">
+                        <a:effectLst/>
+                        <a:latin typeface="Calibri" panose="020F0502020204030204" pitchFamily="34" charset="0"/>
+                        <a:ea typeface="Calibri" panose="020F0502020204030204" pitchFamily="34" charset="0"/>
+                        <a:cs typeface="Times New Roman" panose="02020603050405020304" pitchFamily="18" charset="0"/>
+                      </a:endParaRPr>
+                    </a:p>
+                  </a:txBody>
+                  <a:tcPr marL="55274" marR="55274" marT="0" marB="0"/>
+                </a:tc>
+                <a:tc>
+                  <a:txBody>
+                    <a:bodyPr/>
+                    <a:lstStyle/>
+                    <a:p>
+                      <a:pPr marL="0" marR="0">
+                        <a:lnSpc>
+                          <a:spcPct val="115000"/>
+                        </a:lnSpc>
+                        <a:spcBef>
+                          <a:spcPts val="0"/>
+                        </a:spcBef>
+                        <a:spcAft>
+                          <a:spcPts val="0"/>
+                        </a:spcAft>
+                      </a:pPr>
+                      <a:r>
+                        <a:rPr lang="en-US" sz="2000" dirty="0">
+                          <a:effectLst/>
+                        </a:rPr>
+                        <a:t>Rotten Tomatoes ratings of content</a:t>
+                      </a:r>
+                      <a:endParaRPr lang="en-US" sz="2000" dirty="0">
+                        <a:effectLst/>
+                        <a:latin typeface="Calibri" panose="020F0502020204030204" pitchFamily="34" charset="0"/>
+                        <a:ea typeface="Calibri" panose="020F0502020204030204" pitchFamily="34" charset="0"/>
+                        <a:cs typeface="Times New Roman" panose="02020603050405020304" pitchFamily="18" charset="0"/>
+                      </a:endParaRPr>
+                    </a:p>
+                  </a:txBody>
+                  <a:tcPr marL="55274" marR="55274" marT="0" marB="0"/>
+                </a:tc>
+                <a:tc>
+                  <a:txBody>
+                    <a:bodyPr/>
+                    <a:lstStyle/>
+                    <a:p>
+                      <a:pPr marL="0" marR="0">
+                        <a:lnSpc>
+                          <a:spcPct val="115000"/>
+                        </a:lnSpc>
+                        <a:spcBef>
+                          <a:spcPts val="0"/>
+                        </a:spcBef>
+                        <a:spcAft>
+                          <a:spcPts val="0"/>
+                        </a:spcAft>
+                      </a:pPr>
+                      <a:r>
+                        <a:rPr lang="en-US" sz="2000">
+                          <a:effectLst/>
+                        </a:rPr>
+                        <a:t>Discrete Data</a:t>
+                      </a:r>
+                      <a:endParaRPr lang="en-US" sz="2000">
+                        <a:effectLst/>
+                        <a:latin typeface="Calibri" panose="020F0502020204030204" pitchFamily="34" charset="0"/>
+                        <a:ea typeface="Calibri" panose="020F0502020204030204" pitchFamily="34" charset="0"/>
+                        <a:cs typeface="Times New Roman" panose="02020603050405020304" pitchFamily="18" charset="0"/>
+                      </a:endParaRPr>
+                    </a:p>
+                  </a:txBody>
+                  <a:tcPr marL="55274" marR="55274" marT="0" marB="0"/>
+                </a:tc>
+                <a:extLst>
+                  <a:ext uri="{0D108BD9-81ED-4DB2-BD59-A6C34878D82A}">
+                    <a16:rowId xmlns:a16="http://schemas.microsoft.com/office/drawing/2014/main" val="2697761262"/>
+                  </a:ext>
+                </a:extLst>
+              </a:tr>
+              <a:tr h="306664">
+                <a:tc>
+                  <a:txBody>
+                    <a:bodyPr/>
+                    <a:lstStyle/>
+                    <a:p>
+                      <a:pPr marL="0" marR="0">
+                        <a:lnSpc>
+                          <a:spcPct val="115000"/>
+                        </a:lnSpc>
+                        <a:spcBef>
+                          <a:spcPts val="0"/>
+                        </a:spcBef>
+                        <a:spcAft>
+                          <a:spcPts val="0"/>
+                        </a:spcAft>
+                      </a:pPr>
+                      <a:r>
+                        <a:rPr lang="en-US" sz="2000">
+                          <a:effectLst/>
+                        </a:rPr>
+                        <a:t>Area</a:t>
+                      </a:r>
+                      <a:endParaRPr lang="en-US" sz="2000">
+                        <a:effectLst/>
+                        <a:latin typeface="Calibri" panose="020F0502020204030204" pitchFamily="34" charset="0"/>
+                        <a:ea typeface="Calibri" panose="020F0502020204030204" pitchFamily="34" charset="0"/>
+                        <a:cs typeface="Times New Roman" panose="02020603050405020304" pitchFamily="18" charset="0"/>
+                      </a:endParaRPr>
+                    </a:p>
+                  </a:txBody>
+                  <a:tcPr marL="55274" marR="55274" marT="0" marB="0"/>
+                </a:tc>
+                <a:tc>
+                  <a:txBody>
+                    <a:bodyPr/>
+                    <a:lstStyle/>
+                    <a:p>
+                      <a:pPr marL="0" marR="0">
+                        <a:lnSpc>
+                          <a:spcPct val="115000"/>
+                        </a:lnSpc>
+                        <a:spcBef>
+                          <a:spcPts val="0"/>
+                        </a:spcBef>
+                        <a:spcAft>
+                          <a:spcPts val="0"/>
+                        </a:spcAft>
+                      </a:pPr>
+                      <a:r>
+                        <a:rPr lang="en-US" sz="2000" dirty="0">
+                          <a:effectLst/>
+                        </a:rPr>
+                        <a:t>Area /Region </a:t>
+                      </a:r>
+                      <a:endParaRPr lang="en-US" sz="2000" dirty="0">
+                        <a:effectLst/>
+                        <a:latin typeface="Calibri" panose="020F0502020204030204" pitchFamily="34" charset="0"/>
+                        <a:ea typeface="Calibri" panose="020F0502020204030204" pitchFamily="34" charset="0"/>
+                        <a:cs typeface="Times New Roman" panose="02020603050405020304" pitchFamily="18" charset="0"/>
+                      </a:endParaRPr>
+                    </a:p>
+                  </a:txBody>
+                  <a:tcPr marL="55274" marR="55274" marT="0" marB="0"/>
+                </a:tc>
+                <a:tc>
+                  <a:txBody>
+                    <a:bodyPr/>
+                    <a:lstStyle/>
+                    <a:p>
+                      <a:pPr marL="0" marR="0">
+                        <a:lnSpc>
+                          <a:spcPct val="115000"/>
+                        </a:lnSpc>
+                        <a:spcBef>
+                          <a:spcPts val="0"/>
+                        </a:spcBef>
+                        <a:spcAft>
+                          <a:spcPts val="0"/>
+                        </a:spcAft>
+                      </a:pPr>
+                      <a:r>
+                        <a:rPr lang="en-US" sz="2000">
+                          <a:effectLst/>
+                        </a:rPr>
+                        <a:t>Categorical Data</a:t>
+                      </a:r>
+                      <a:endParaRPr lang="en-US" sz="2000">
+                        <a:effectLst/>
+                        <a:latin typeface="Calibri" panose="020F0502020204030204" pitchFamily="34" charset="0"/>
+                        <a:ea typeface="Calibri" panose="020F0502020204030204" pitchFamily="34" charset="0"/>
+                        <a:cs typeface="Times New Roman" panose="02020603050405020304" pitchFamily="18" charset="0"/>
+                      </a:endParaRPr>
+                    </a:p>
+                  </a:txBody>
+                  <a:tcPr marL="55274" marR="55274" marT="0" marB="0"/>
+                </a:tc>
+                <a:extLst>
+                  <a:ext uri="{0D108BD9-81ED-4DB2-BD59-A6C34878D82A}">
+                    <a16:rowId xmlns:a16="http://schemas.microsoft.com/office/drawing/2014/main" val="3818875184"/>
+                  </a:ext>
+                </a:extLst>
+              </a:tr>
+              <a:tr h="466501">
+                <a:tc>
+                  <a:txBody>
+                    <a:bodyPr/>
+                    <a:lstStyle/>
+                    <a:p>
+                      <a:pPr marL="0" marR="0">
+                        <a:lnSpc>
+                          <a:spcPct val="115000"/>
+                        </a:lnSpc>
+                        <a:spcBef>
+                          <a:spcPts val="0"/>
+                        </a:spcBef>
+                        <a:spcAft>
+                          <a:spcPts val="0"/>
+                        </a:spcAft>
+                      </a:pPr>
+                      <a:r>
+                        <a:rPr lang="en-US" sz="2000">
+                          <a:effectLst/>
+                        </a:rPr>
+                        <a:t>Years</a:t>
+                      </a:r>
+                      <a:endParaRPr lang="en-US" sz="2000">
+                        <a:effectLst/>
+                        <a:latin typeface="Calibri" panose="020F0502020204030204" pitchFamily="34" charset="0"/>
+                        <a:ea typeface="Calibri" panose="020F0502020204030204" pitchFamily="34" charset="0"/>
+                        <a:cs typeface="Times New Roman" panose="02020603050405020304" pitchFamily="18" charset="0"/>
+                      </a:endParaRPr>
+                    </a:p>
+                  </a:txBody>
+                  <a:tcPr marL="55274" marR="55274" marT="0" marB="0"/>
+                </a:tc>
+                <a:tc>
+                  <a:txBody>
+                    <a:bodyPr/>
+                    <a:lstStyle/>
+                    <a:p>
+                      <a:pPr marL="0" marR="0">
+                        <a:lnSpc>
+                          <a:spcPct val="115000"/>
+                        </a:lnSpc>
+                        <a:spcBef>
+                          <a:spcPts val="0"/>
+                        </a:spcBef>
+                        <a:spcAft>
+                          <a:spcPts val="0"/>
+                        </a:spcAft>
+                      </a:pPr>
+                      <a:r>
+                        <a:rPr lang="en-US" sz="2000" dirty="0">
+                          <a:effectLst/>
+                        </a:rPr>
+                        <a:t>Year in which revenue is collected</a:t>
+                      </a:r>
+                      <a:endParaRPr lang="en-US" sz="2000" dirty="0">
+                        <a:effectLst/>
+                        <a:latin typeface="Calibri" panose="020F0502020204030204" pitchFamily="34" charset="0"/>
+                        <a:ea typeface="Calibri" panose="020F0502020204030204" pitchFamily="34" charset="0"/>
+                        <a:cs typeface="Times New Roman" panose="02020603050405020304" pitchFamily="18" charset="0"/>
+                      </a:endParaRPr>
+                    </a:p>
+                  </a:txBody>
+                  <a:tcPr marL="55274" marR="55274" marT="0" marB="0"/>
+                </a:tc>
+                <a:tc>
+                  <a:txBody>
+                    <a:bodyPr/>
+                    <a:lstStyle/>
+                    <a:p>
+                      <a:pPr marL="0" marR="0">
+                        <a:lnSpc>
+                          <a:spcPct val="115000"/>
+                        </a:lnSpc>
+                        <a:spcBef>
+                          <a:spcPts val="0"/>
+                        </a:spcBef>
+                        <a:spcAft>
+                          <a:spcPts val="0"/>
+                        </a:spcAft>
+                      </a:pPr>
+                      <a:r>
+                        <a:rPr lang="en-US" sz="2000">
+                          <a:effectLst/>
+                        </a:rPr>
+                        <a:t>Ordinal Data</a:t>
+                      </a:r>
+                      <a:endParaRPr lang="en-US" sz="2000">
+                        <a:effectLst/>
+                        <a:latin typeface="Calibri" panose="020F0502020204030204" pitchFamily="34" charset="0"/>
+                        <a:ea typeface="Calibri" panose="020F0502020204030204" pitchFamily="34" charset="0"/>
+                        <a:cs typeface="Times New Roman" panose="02020603050405020304" pitchFamily="18" charset="0"/>
+                      </a:endParaRPr>
+                    </a:p>
+                  </a:txBody>
+                  <a:tcPr marL="55274" marR="55274" marT="0" marB="0"/>
+                </a:tc>
+                <a:extLst>
+                  <a:ext uri="{0D108BD9-81ED-4DB2-BD59-A6C34878D82A}">
+                    <a16:rowId xmlns:a16="http://schemas.microsoft.com/office/drawing/2014/main" val="4145097220"/>
+                  </a:ext>
+                </a:extLst>
+              </a:tr>
+              <a:tr h="306664">
+                <a:tc>
+                  <a:txBody>
+                    <a:bodyPr/>
+                    <a:lstStyle/>
+                    <a:p>
+                      <a:pPr marL="0" marR="0">
+                        <a:lnSpc>
+                          <a:spcPct val="115000"/>
+                        </a:lnSpc>
+                        <a:spcBef>
+                          <a:spcPts val="0"/>
+                        </a:spcBef>
+                        <a:spcAft>
+                          <a:spcPts val="0"/>
+                        </a:spcAft>
+                      </a:pPr>
+                      <a:r>
+                        <a:rPr lang="en-US" sz="2000">
+                          <a:effectLst/>
+                        </a:rPr>
+                        <a:t>Revenue</a:t>
+                      </a:r>
+                      <a:endParaRPr lang="en-US" sz="2000">
+                        <a:effectLst/>
+                        <a:latin typeface="Calibri" panose="020F0502020204030204" pitchFamily="34" charset="0"/>
+                        <a:ea typeface="Calibri" panose="020F0502020204030204" pitchFamily="34" charset="0"/>
+                        <a:cs typeface="Times New Roman" panose="02020603050405020304" pitchFamily="18" charset="0"/>
+                      </a:endParaRPr>
+                    </a:p>
+                  </a:txBody>
+                  <a:tcPr marL="55274" marR="55274" marT="0" marB="0"/>
+                </a:tc>
+                <a:tc>
+                  <a:txBody>
+                    <a:bodyPr/>
+                    <a:lstStyle/>
+                    <a:p>
+                      <a:pPr marL="0" marR="0">
+                        <a:lnSpc>
+                          <a:spcPct val="115000"/>
+                        </a:lnSpc>
+                        <a:spcBef>
+                          <a:spcPts val="0"/>
+                        </a:spcBef>
+                        <a:spcAft>
+                          <a:spcPts val="0"/>
+                        </a:spcAft>
+                      </a:pPr>
+                      <a:r>
+                        <a:rPr lang="en-US" sz="2000">
+                          <a:effectLst/>
+                        </a:rPr>
+                        <a:t>Revenue of Netflix</a:t>
+                      </a:r>
+                      <a:endParaRPr lang="en-US" sz="2000">
+                        <a:effectLst/>
+                        <a:latin typeface="Calibri" panose="020F0502020204030204" pitchFamily="34" charset="0"/>
+                        <a:ea typeface="Calibri" panose="020F0502020204030204" pitchFamily="34" charset="0"/>
+                        <a:cs typeface="Times New Roman" panose="02020603050405020304" pitchFamily="18" charset="0"/>
+                      </a:endParaRPr>
+                    </a:p>
+                  </a:txBody>
+                  <a:tcPr marL="55274" marR="55274" marT="0" marB="0"/>
+                </a:tc>
+                <a:tc>
+                  <a:txBody>
+                    <a:bodyPr/>
+                    <a:lstStyle/>
+                    <a:p>
+                      <a:pPr marL="0" marR="0">
+                        <a:lnSpc>
+                          <a:spcPct val="115000"/>
+                        </a:lnSpc>
+                        <a:spcBef>
+                          <a:spcPts val="0"/>
+                        </a:spcBef>
+                        <a:spcAft>
+                          <a:spcPts val="0"/>
+                        </a:spcAft>
+                      </a:pPr>
+                      <a:r>
+                        <a:rPr lang="en-US" sz="2000" dirty="0">
+                          <a:effectLst/>
+                        </a:rPr>
+                        <a:t>Discrete Data</a:t>
+                      </a:r>
+                      <a:endParaRPr lang="en-US" sz="2000" dirty="0">
+                        <a:effectLst/>
+                        <a:latin typeface="Calibri" panose="020F0502020204030204" pitchFamily="34" charset="0"/>
+                        <a:ea typeface="Calibri" panose="020F0502020204030204" pitchFamily="34" charset="0"/>
+                        <a:cs typeface="Times New Roman" panose="02020603050405020304" pitchFamily="18" charset="0"/>
+                      </a:endParaRPr>
+                    </a:p>
+                  </a:txBody>
+                  <a:tcPr marL="55274" marR="55274" marT="0" marB="0"/>
+                </a:tc>
+                <a:extLst>
+                  <a:ext uri="{0D108BD9-81ED-4DB2-BD59-A6C34878D82A}">
+                    <a16:rowId xmlns:a16="http://schemas.microsoft.com/office/drawing/2014/main" val="3313851779"/>
+                  </a:ext>
+                </a:extLst>
+              </a:tr>
+            </a:tbl>
+          </a:graphicData>
+        </a:graphic>
+      </p:graphicFrame>
+    </p:spTree>
+    <p:extLst>
+      <p:ext uri="{BB962C8B-B14F-4D97-AF65-F5344CB8AC3E}">
+        <p14:creationId xmlns:p14="http://schemas.microsoft.com/office/powerpoint/2010/main" val="687907323"/>
+      </p:ext>
+    </p:extLst>
+  </p:cSld>
+  <p:clrMapOvr>
+    <a:masterClrMapping/>
+  </p:clrMapOvr>
+</p:sld>
+</file>
+
+<file path=ppt/slides/slide7.xml><?xml version="1.0" encoding="utf-8"?>
+<p:sld xmlns:a="http://schemas.openxmlformats.org/drawingml/2006/main" xmlns:r="http://schemas.openxmlformats.org/officeDocument/2006/relationships" xmlns:p="http://schemas.openxmlformats.org/presentationml/2006/main">
+  <p:cSld>
+    <p:spTree>
+      <p:nvGrpSpPr>
+        <p:cNvPr id="1" name=""/>
+        <p:cNvGrpSpPr/>
+        <p:nvPr/>
+      </p:nvGrpSpPr>
+      <p:grpSpPr>
+        <a:xfrm>
+          <a:off x="0" y="0"/>
+          <a:ext cx="0" cy="0"/>
+          <a:chOff x="0" y="0"/>
+          <a:chExt cx="0" cy="0"/>
+        </a:xfrm>
+      </p:grpSpPr>
+      <p:sp>
+        <p:nvSpPr>
+          <p:cNvPr id="4" name="TextBox 3">
+            <a:extLst>
+              <a:ext uri="{FF2B5EF4-FFF2-40B4-BE49-F238E27FC236}">
+                <a16:creationId xmlns:a16="http://schemas.microsoft.com/office/drawing/2014/main" id="{1736D85A-F6CD-6E87-A55D-0E1FD565C90F}"/>
+              </a:ext>
+            </a:extLst>
+          </p:cNvPr>
+          <p:cNvSpPr txBox="1"/>
+          <p:nvPr/>
+        </p:nvSpPr>
+        <p:spPr>
+          <a:xfrm>
+            <a:off x="0" y="0"/>
+            <a:ext cx="11726779" cy="6327566"/>
+          </a:xfrm>
+          <a:prstGeom prst="rect">
+            <a:avLst/>
+          </a:prstGeom>
+          <a:noFill/>
+        </p:spPr>
+        <p:txBody>
+          <a:bodyPr wrap="square" rtlCol="0">
+            <a:spAutoFit/>
+          </a:bodyPr>
+          <a:lstStyle/>
+          <a:p>
+            <a:pPr algn="just"/>
+            <a:r>
+              <a:rPr lang="en-US" sz="4000" b="1" dirty="0">
+                <a:effectLst/>
+                <a:latin typeface="Times New Roman" panose="02020603050405020304" pitchFamily="18" charset="0"/>
+                <a:ea typeface="Calibri" panose="020F0502020204030204" pitchFamily="34" charset="0"/>
+                <a:cs typeface="Times New Roman" panose="02020603050405020304" pitchFamily="18" charset="0"/>
+              </a:rPr>
+              <a:t>Data Preprocessing:</a:t>
+            </a:r>
+            <a:endParaRPr lang="en-IN" sz="4000" b="1" dirty="0">
+              <a:latin typeface="Times New Roman" panose="02020603050405020304" pitchFamily="18" charset="0"/>
+              <a:cs typeface="Times New Roman" panose="02020603050405020304" pitchFamily="18" charset="0"/>
+            </a:endParaRPr>
+          </a:p>
+          <a:p>
+            <a:pPr marL="342900" lvl="0" indent="-342900" algn="just">
+              <a:lnSpc>
+                <a:spcPct val="115000"/>
+              </a:lnSpc>
+              <a:buFont typeface="Symbol" panose="05050102010706020507" pitchFamily="18" charset="2"/>
+              <a:buChar char=""/>
+            </a:pPr>
+            <a:r>
+              <a:rPr lang="en-US" sz="2400" dirty="0">
+                <a:effectLst/>
+                <a:latin typeface="Times New Roman" panose="02020603050405020304" pitchFamily="18" charset="0"/>
+                <a:ea typeface="Calibri" panose="020F0502020204030204" pitchFamily="34" charset="0"/>
+                <a:cs typeface="Times New Roman" panose="02020603050405020304" pitchFamily="18" charset="0"/>
+              </a:rPr>
+              <a:t>Netflix Dataset: This dataset consists of a total of 4307 null values, we dropped a few unwanted columns in order to remove the null values.</a:t>
+            </a:r>
+            <a:endParaRPr lang="en-IN" sz="2400" dirty="0">
+              <a:effectLst/>
+              <a:latin typeface="Times New Roman" panose="02020603050405020304" pitchFamily="18" charset="0"/>
+              <a:ea typeface="Calibri" panose="020F0502020204030204" pitchFamily="34" charset="0"/>
+              <a:cs typeface="Times New Roman" panose="02020603050405020304" pitchFamily="18" charset="0"/>
+            </a:endParaRPr>
+          </a:p>
+          <a:p>
+            <a:pPr marL="342900" lvl="0" indent="-342900" algn="just">
+              <a:lnSpc>
+                <a:spcPct val="115000"/>
+              </a:lnSpc>
+              <a:buFont typeface="Symbol" panose="05050102010706020507" pitchFamily="18" charset="2"/>
+              <a:buChar char=""/>
+            </a:pPr>
+            <a:r>
+              <a:rPr lang="en-US" sz="2400" dirty="0">
+                <a:effectLst/>
+                <a:latin typeface="Times New Roman" panose="02020603050405020304" pitchFamily="18" charset="0"/>
+                <a:ea typeface="Calibri" panose="020F0502020204030204" pitchFamily="34" charset="0"/>
+                <a:cs typeface="Times New Roman" panose="02020603050405020304" pitchFamily="18" charset="0"/>
+              </a:rPr>
+              <a:t>Amazon Prime Dataset: This dataset consists of a total of 22161 null values, we dropped a few unwanted columns in order to remove the null values.</a:t>
+            </a:r>
+            <a:endParaRPr lang="en-IN" sz="2400" dirty="0">
+              <a:effectLst/>
+              <a:latin typeface="Times New Roman" panose="02020603050405020304" pitchFamily="18" charset="0"/>
+              <a:ea typeface="Calibri" panose="020F0502020204030204" pitchFamily="34" charset="0"/>
+              <a:cs typeface="Times New Roman" panose="02020603050405020304" pitchFamily="18" charset="0"/>
+            </a:endParaRPr>
+          </a:p>
+          <a:p>
+            <a:pPr marL="342900" lvl="0" indent="-342900" algn="just">
+              <a:lnSpc>
+                <a:spcPct val="115000"/>
+              </a:lnSpc>
+              <a:buFont typeface="Symbol" panose="05050102010706020507" pitchFamily="18" charset="2"/>
+              <a:buChar char=""/>
+            </a:pPr>
+            <a:r>
+              <a:rPr lang="en-US" sz="2400" dirty="0">
+                <a:effectLst/>
+                <a:latin typeface="Times New Roman" panose="02020603050405020304" pitchFamily="18" charset="0"/>
+                <a:ea typeface="Calibri" panose="020F0502020204030204" pitchFamily="34" charset="0"/>
+                <a:cs typeface="Times New Roman" panose="02020603050405020304" pitchFamily="18" charset="0"/>
+              </a:rPr>
+              <a:t>Disney+ Hotstar Dataset: This dataset consists of a total of 888 null values, we dropped a few unwanted columns in order to remove the null values.</a:t>
+            </a:r>
+            <a:endParaRPr lang="en-IN" sz="2400" dirty="0">
+              <a:effectLst/>
+              <a:latin typeface="Times New Roman" panose="02020603050405020304" pitchFamily="18" charset="0"/>
+              <a:ea typeface="Calibri" panose="020F0502020204030204" pitchFamily="34" charset="0"/>
+              <a:cs typeface="Times New Roman" panose="02020603050405020304" pitchFamily="18" charset="0"/>
+            </a:endParaRPr>
+          </a:p>
+          <a:p>
+            <a:pPr marL="342900" lvl="0" indent="-342900" algn="just">
+              <a:lnSpc>
+                <a:spcPct val="115000"/>
+              </a:lnSpc>
+              <a:buFont typeface="Symbol" panose="05050102010706020507" pitchFamily="18" charset="2"/>
+              <a:buChar char=""/>
+            </a:pPr>
+            <a:r>
+              <a:rPr lang="en-US" sz="2400" dirty="0">
+                <a:effectLst/>
+                <a:latin typeface="Times New Roman" panose="02020603050405020304" pitchFamily="18" charset="0"/>
+                <a:ea typeface="Calibri" panose="020F0502020204030204" pitchFamily="34" charset="0"/>
+                <a:cs typeface="Times New Roman" panose="02020603050405020304" pitchFamily="18" charset="0"/>
+              </a:rPr>
+              <a:t>Hulu Dataset: This dataset consists of a total of 8627 null values, we dropped a few unwanted columns in order to remove the null values.</a:t>
+            </a:r>
+            <a:endParaRPr lang="en-IN" sz="2400" dirty="0">
+              <a:effectLst/>
+              <a:latin typeface="Times New Roman" panose="02020603050405020304" pitchFamily="18" charset="0"/>
+              <a:ea typeface="Calibri" panose="020F0502020204030204" pitchFamily="34" charset="0"/>
+              <a:cs typeface="Times New Roman" panose="02020603050405020304" pitchFamily="18" charset="0"/>
+            </a:endParaRPr>
+          </a:p>
+          <a:p>
+            <a:pPr marL="342900" lvl="0" indent="-342900" algn="just">
+              <a:lnSpc>
+                <a:spcPct val="115000"/>
+              </a:lnSpc>
+              <a:buFont typeface="Symbol" panose="05050102010706020507" pitchFamily="18" charset="2"/>
+              <a:buChar char=""/>
+            </a:pPr>
+            <a:r>
+              <a:rPr lang="en-US" sz="2400" dirty="0">
+                <a:effectLst/>
+                <a:latin typeface="Times New Roman" panose="02020603050405020304" pitchFamily="18" charset="0"/>
+                <a:ea typeface="Calibri" panose="020F0502020204030204" pitchFamily="34" charset="0"/>
+                <a:cs typeface="Times New Roman" panose="02020603050405020304" pitchFamily="18" charset="0"/>
+              </a:rPr>
+              <a:t>Movies Dataset: This dataset consists of a total of 4184 null values, and replaced the null values by mode of the attribute in order to remove the null values.</a:t>
+            </a:r>
+            <a:endParaRPr lang="en-IN" sz="2400" dirty="0">
+              <a:effectLst/>
+              <a:latin typeface="Times New Roman" panose="02020603050405020304" pitchFamily="18" charset="0"/>
+              <a:ea typeface="Calibri" panose="020F0502020204030204" pitchFamily="34" charset="0"/>
+              <a:cs typeface="Times New Roman" panose="02020603050405020304" pitchFamily="18" charset="0"/>
+            </a:endParaRPr>
+          </a:p>
+          <a:p>
+            <a:pPr marL="342900" lvl="0" indent="-342900" algn="just">
+              <a:lnSpc>
+                <a:spcPct val="115000"/>
+              </a:lnSpc>
+              <a:buFont typeface="Symbol" panose="05050102010706020507" pitchFamily="18" charset="2"/>
+              <a:buChar char=""/>
+            </a:pPr>
+            <a:r>
+              <a:rPr lang="en-US" sz="2400" dirty="0">
+                <a:effectLst/>
+                <a:latin typeface="Times New Roman" panose="02020603050405020304" pitchFamily="18" charset="0"/>
+                <a:ea typeface="Calibri" panose="020F0502020204030204" pitchFamily="34" charset="0"/>
+                <a:cs typeface="Times New Roman" panose="02020603050405020304" pitchFamily="18" charset="0"/>
+              </a:rPr>
+              <a:t>Tv shows Dataset: This dataset consists of a total of 3089 null values, and replaced the null values by mode of the attribute in order to remove the null values.</a:t>
+            </a:r>
+            <a:endParaRPr lang="en-IN" sz="2400" dirty="0">
+              <a:effectLst/>
+              <a:latin typeface="Times New Roman" panose="02020603050405020304" pitchFamily="18" charset="0"/>
+              <a:ea typeface="Calibri" panose="020F0502020204030204" pitchFamily="34" charset="0"/>
+              <a:cs typeface="Times New Roman" panose="02020603050405020304" pitchFamily="18" charset="0"/>
+            </a:endParaRPr>
+          </a:p>
+          <a:p>
+            <a:pPr marL="342900" lvl="0" indent="-342900" algn="just">
+              <a:lnSpc>
+                <a:spcPct val="115000"/>
+              </a:lnSpc>
+              <a:spcAft>
+                <a:spcPts val="1000"/>
+              </a:spcAft>
+              <a:buFont typeface="Symbol" panose="05050102010706020507" pitchFamily="18" charset="2"/>
+              <a:buChar char=""/>
+            </a:pPr>
+            <a:r>
+              <a:rPr lang="en-US" sz="2400" dirty="0">
+                <a:effectLst/>
+                <a:latin typeface="Times New Roman" panose="02020603050405020304" pitchFamily="18" charset="0"/>
+                <a:ea typeface="Calibri" panose="020F0502020204030204" pitchFamily="34" charset="0"/>
+                <a:cs typeface="Times New Roman" panose="02020603050405020304" pitchFamily="18" charset="0"/>
+              </a:rPr>
+              <a:t>Revenue Dataset: This dataset consists of zero null values.</a:t>
+            </a:r>
+            <a:endParaRPr lang="en-IN" sz="2400" dirty="0">
+              <a:effectLst/>
+              <a:latin typeface="Times New Roman" panose="02020603050405020304" pitchFamily="18" charset="0"/>
+              <a:ea typeface="Calibri" panose="020F0502020204030204" pitchFamily="34" charset="0"/>
+              <a:cs typeface="Times New Roman" panose="02020603050405020304" pitchFamily="18" charset="0"/>
+            </a:endParaRPr>
+          </a:p>
+        </p:txBody>
+      </p:sp>
+    </p:spTree>
+    <p:extLst>
+      <p:ext uri="{BB962C8B-B14F-4D97-AF65-F5344CB8AC3E}">
+        <p14:creationId xmlns:p14="http://schemas.microsoft.com/office/powerpoint/2010/main" val="361322864"/>
+      </p:ext>
+    </p:extLst>
+  </p:cSld>
+  <p:clrMapOvr>
+    <a:masterClrMapping/>
+  </p:clrMapOvr>
+</p:sld>
+</file>
+
+<file path=ppt/slides/slide8.xml><?xml version="1.0" encoding="utf-8"?>
+<p:sld xmlns:a="http://schemas.openxmlformats.org/drawingml/2006/main" xmlns:r="http://schemas.openxmlformats.org/officeDocument/2006/relationships" xmlns:p="http://schemas.openxmlformats.org/presentationml/2006/main">
+  <p:cSld>
+    <p:spTree>
+      <p:nvGrpSpPr>
+        <p:cNvPr id="1" name=""/>
+        <p:cNvGrpSpPr/>
+        <p:nvPr/>
+      </p:nvGrpSpPr>
+      <p:grpSpPr>
+        <a:xfrm>
+          <a:off x="0" y="0"/>
+          <a:ext cx="0" cy="0"/>
+          <a:chOff x="0" y="0"/>
+          <a:chExt cx="0" cy="0"/>
+        </a:xfrm>
+      </p:grpSpPr>
+      <p:sp>
+        <p:nvSpPr>
+          <p:cNvPr id="2" name="TextBox 1">
+            <a:extLst>
+              <a:ext uri="{FF2B5EF4-FFF2-40B4-BE49-F238E27FC236}">
+                <a16:creationId xmlns:a16="http://schemas.microsoft.com/office/drawing/2014/main" id="{1EB9777D-AF3D-F244-120C-0A01AF1A310D}"/>
+              </a:ext>
+            </a:extLst>
+          </p:cNvPr>
+          <p:cNvSpPr txBox="1"/>
+          <p:nvPr/>
+        </p:nvSpPr>
+        <p:spPr>
+          <a:xfrm>
+            <a:off x="0" y="0"/>
+            <a:ext cx="12192000" cy="1323439"/>
+          </a:xfrm>
+          <a:prstGeom prst="rect">
+            <a:avLst/>
+          </a:prstGeom>
+          <a:noFill/>
+        </p:spPr>
+        <p:txBody>
+          <a:bodyPr wrap="square">
+            <a:spAutoFit/>
+          </a:bodyPr>
+          <a:lstStyle/>
+          <a:p>
+            <a:r>
+              <a:rPr lang="en-US" sz="4000" b="1" dirty="0">
+                <a:latin typeface="Times New Roman" panose="02020603050405020304" pitchFamily="18" charset="0"/>
+                <a:cs typeface="Times New Roman" panose="02020603050405020304" pitchFamily="18" charset="0"/>
+              </a:rPr>
+              <a:t>Questions and Analysis:</a:t>
+            </a:r>
+          </a:p>
+          <a:p>
+            <a:r>
+              <a:rPr lang="en-US" sz="4000" dirty="0">
+                <a:latin typeface="Times New Roman" panose="02020603050405020304" pitchFamily="18" charset="0"/>
+                <a:cs typeface="Times New Roman" panose="02020603050405020304" pitchFamily="18" charset="0"/>
+              </a:rPr>
+              <a:t>1. Growth of OTT Platforms year wise</a:t>
+            </a:r>
+            <a:endParaRPr lang="en-IN" sz="4000" dirty="0">
+              <a:latin typeface="Times New Roman" panose="02020603050405020304" pitchFamily="18" charset="0"/>
+              <a:cs typeface="Times New Roman" panose="02020603050405020304" pitchFamily="18" charset="0"/>
+            </a:endParaRPr>
+          </a:p>
+        </p:txBody>
+      </p:sp>
+      <p:pic>
+        <p:nvPicPr>
+          <p:cNvPr id="5" name="Picture 4">
+            <a:extLst>
+              <a:ext uri="{FF2B5EF4-FFF2-40B4-BE49-F238E27FC236}">
+                <a16:creationId xmlns:a16="http://schemas.microsoft.com/office/drawing/2014/main" id="{E890A23E-9306-1290-3C5B-CA35EC2DA8FA}"/>
+              </a:ext>
+            </a:extLst>
+          </p:cNvPr>
+          <p:cNvPicPr>
+            <a:picLocks noChangeAspect="1"/>
+          </p:cNvPicPr>
+          <p:nvPr/>
+        </p:nvPicPr>
+        <p:blipFill>
+          <a:blip r:embed="rId2">
+            <a:extLst>
+              <a:ext uri="{28A0092B-C50C-407E-A947-70E740481C1C}">
+                <a14:useLocalDpi xmlns:a14="http://schemas.microsoft.com/office/drawing/2010/main" val="0"/>
+              </a:ext>
+            </a:extLst>
+          </a:blip>
+          <a:stretch>
+            <a:fillRect/>
+          </a:stretch>
+        </p:blipFill>
+        <p:spPr>
+          <a:xfrm>
+            <a:off x="0" y="1680410"/>
+            <a:ext cx="5651441" cy="3497179"/>
+          </a:xfrm>
+          <a:prstGeom prst="rect">
+            <a:avLst/>
+          </a:prstGeom>
+        </p:spPr>
+      </p:pic>
+      <p:sp>
+        <p:nvSpPr>
+          <p:cNvPr id="8" name="TextBox 7">
+            <a:extLst>
+              <a:ext uri="{FF2B5EF4-FFF2-40B4-BE49-F238E27FC236}">
+                <a16:creationId xmlns:a16="http://schemas.microsoft.com/office/drawing/2014/main" id="{99273EBE-0172-7C1D-C01D-4155F72815B6}"/>
+              </a:ext>
+            </a:extLst>
+          </p:cNvPr>
+          <p:cNvSpPr txBox="1"/>
+          <p:nvPr/>
+        </p:nvSpPr>
+        <p:spPr>
+          <a:xfrm>
+            <a:off x="0" y="5177589"/>
+            <a:ext cx="6208294" cy="369332"/>
+          </a:xfrm>
+          <a:prstGeom prst="rect">
+            <a:avLst/>
+          </a:prstGeom>
+          <a:noFill/>
+        </p:spPr>
+        <p:txBody>
+          <a:bodyPr wrap="square">
+            <a:spAutoFit/>
+          </a:bodyPr>
+          <a:lstStyle/>
+          <a:p>
+            <a:pPr algn="ctr">
+              <a:spcAft>
+                <a:spcPts val="1000"/>
+              </a:spcAft>
+            </a:pPr>
+            <a:r>
+              <a:rPr lang="en-US" sz="1800" i="1" dirty="0">
+                <a:solidFill>
+                  <a:srgbClr val="1F497D"/>
+                </a:solidFill>
+                <a:effectLst/>
+                <a:latin typeface="Calibri" panose="020F0502020204030204" pitchFamily="34" charset="0"/>
+                <a:ea typeface="Calibri" panose="020F0502020204030204" pitchFamily="34" charset="0"/>
+                <a:cs typeface="Times New Roman" panose="02020603050405020304" pitchFamily="18" charset="0"/>
+              </a:rPr>
+              <a:t>Figure 1.a:</a:t>
+            </a:r>
+            <a:r>
+              <a:rPr lang="en-US" sz="1800" dirty="0">
+                <a:effectLst/>
+                <a:latin typeface="Calibri" panose="020F0502020204030204" pitchFamily="34" charset="0"/>
+                <a:ea typeface="Calibri" panose="020F0502020204030204" pitchFamily="34" charset="0"/>
+                <a:cs typeface="Times New Roman" panose="02020603050405020304" pitchFamily="18" charset="0"/>
+              </a:rPr>
+              <a:t>Total no. of content present in Netflix over the years.</a:t>
+            </a:r>
+            <a:endParaRPr lang="en-IN" sz="1800" i="1" dirty="0">
+              <a:solidFill>
+                <a:srgbClr val="1F497D"/>
+              </a:solidFill>
+              <a:effectLst/>
+              <a:latin typeface="Calibri" panose="020F0502020204030204" pitchFamily="34" charset="0"/>
+              <a:ea typeface="Calibri" panose="020F0502020204030204" pitchFamily="34" charset="0"/>
+              <a:cs typeface="Times New Roman" panose="02020603050405020304" pitchFamily="18" charset="0"/>
+            </a:endParaRPr>
+          </a:p>
+        </p:txBody>
+      </p:sp>
+      <p:pic>
+        <p:nvPicPr>
+          <p:cNvPr id="10" name="Picture 9">
+            <a:extLst>
+              <a:ext uri="{FF2B5EF4-FFF2-40B4-BE49-F238E27FC236}">
+                <a16:creationId xmlns:a16="http://schemas.microsoft.com/office/drawing/2014/main" id="{BA6E4ECC-30C4-4391-88DA-562DD2BE088D}"/>
+              </a:ext>
+            </a:extLst>
+          </p:cNvPr>
+          <p:cNvPicPr>
+            <a:picLocks noChangeAspect="1"/>
+          </p:cNvPicPr>
+          <p:nvPr/>
+        </p:nvPicPr>
+        <p:blipFill>
+          <a:blip r:embed="rId3">
+            <a:extLst>
+              <a:ext uri="{28A0092B-C50C-407E-A947-70E740481C1C}">
+                <a14:useLocalDpi xmlns:a14="http://schemas.microsoft.com/office/drawing/2010/main" val="0"/>
+              </a:ext>
+            </a:extLst>
+          </a:blip>
+          <a:stretch>
+            <a:fillRect/>
+          </a:stretch>
+        </p:blipFill>
+        <p:spPr>
+          <a:xfrm>
+            <a:off x="5651441" y="1680411"/>
+            <a:ext cx="6208294" cy="3497178"/>
+          </a:xfrm>
+          <a:prstGeom prst="rect">
+            <a:avLst/>
+          </a:prstGeom>
+        </p:spPr>
+      </p:pic>
+      <p:sp>
+        <p:nvSpPr>
+          <p:cNvPr id="11" name="TextBox 10">
+            <a:extLst>
+              <a:ext uri="{FF2B5EF4-FFF2-40B4-BE49-F238E27FC236}">
+                <a16:creationId xmlns:a16="http://schemas.microsoft.com/office/drawing/2014/main" id="{AA0D5D18-DBB9-6181-229F-4B055594C22A}"/>
+              </a:ext>
+            </a:extLst>
+          </p:cNvPr>
+          <p:cNvSpPr txBox="1"/>
+          <p:nvPr/>
+        </p:nvSpPr>
+        <p:spPr>
+          <a:xfrm>
+            <a:off x="5983706" y="5177589"/>
+            <a:ext cx="6208294" cy="646331"/>
+          </a:xfrm>
+          <a:prstGeom prst="rect">
+            <a:avLst/>
+          </a:prstGeom>
+          <a:noFill/>
+        </p:spPr>
+        <p:txBody>
+          <a:bodyPr wrap="square">
+            <a:spAutoFit/>
+          </a:bodyPr>
+          <a:lstStyle/>
+          <a:p>
+            <a:pPr algn="ctr">
+              <a:spcAft>
+                <a:spcPts val="1000"/>
+              </a:spcAft>
+            </a:pPr>
+            <a:r>
+              <a:rPr lang="en-US" sz="1800" i="1" dirty="0">
+                <a:solidFill>
+                  <a:srgbClr val="1F497D"/>
+                </a:solidFill>
+                <a:effectLst/>
+                <a:latin typeface="Calibri" panose="020F0502020204030204" pitchFamily="34" charset="0"/>
+                <a:ea typeface="Calibri" panose="020F0502020204030204" pitchFamily="34" charset="0"/>
+                <a:cs typeface="Times New Roman" panose="02020603050405020304" pitchFamily="18" charset="0"/>
+              </a:rPr>
+              <a:t>Figure 1.b: </a:t>
+            </a:r>
+            <a:r>
+              <a:rPr lang="en-US" sz="1800" dirty="0">
+                <a:effectLst/>
+                <a:latin typeface="Calibri" panose="020F0502020204030204" pitchFamily="34" charset="0"/>
+                <a:ea typeface="Calibri" panose="020F0502020204030204" pitchFamily="34" charset="0"/>
+                <a:cs typeface="Times New Roman" panose="02020603050405020304" pitchFamily="18" charset="0"/>
+              </a:rPr>
+              <a:t>Total no. of content present in Amazon Prime over the years.</a:t>
+            </a:r>
+            <a:endParaRPr lang="en-IN" sz="1800" i="1" dirty="0">
+              <a:solidFill>
+                <a:srgbClr val="1F497D"/>
+              </a:solidFill>
+              <a:effectLst/>
+              <a:latin typeface="Calibri" panose="020F0502020204030204" pitchFamily="34" charset="0"/>
+              <a:ea typeface="Calibri" panose="020F0502020204030204" pitchFamily="34" charset="0"/>
+              <a:cs typeface="Times New Roman" panose="02020603050405020304" pitchFamily="18" charset="0"/>
+            </a:endParaRPr>
+          </a:p>
+        </p:txBody>
+      </p:sp>
+    </p:spTree>
+    <p:extLst>
+      <p:ext uri="{BB962C8B-B14F-4D97-AF65-F5344CB8AC3E}">
+        <p14:creationId xmlns:p14="http://schemas.microsoft.com/office/powerpoint/2010/main" val="2706733557"/>
+      </p:ext>
+    </p:extLst>
+  </p:cSld>
+  <p:clrMapOvr>
+    <a:masterClrMapping/>
+  </p:clrMapOvr>
+</p:sld>
+</file>
+
+<file path=ppt/slides/slide9.xml><?xml version="1.0" encoding="utf-8"?>
+<p:sld xmlns:a="http://schemas.openxmlformats.org/drawingml/2006/main" xmlns:r="http://schemas.openxmlformats.org/officeDocument/2006/relationships" xmlns:p="http://schemas.openxmlformats.org/presentationml/2006/main">
+  <p:cSld>
+    <p:spTree>
+      <p:nvGrpSpPr>
+        <p:cNvPr id="1" name=""/>
+        <p:cNvGrpSpPr/>
+        <p:nvPr/>
+      </p:nvGrpSpPr>
+      <p:grpSpPr>
+        <a:xfrm>
+          <a:off x="0" y="0"/>
+          <a:ext cx="0" cy="0"/>
+          <a:chOff x="0" y="0"/>
+          <a:chExt cx="0" cy="0"/>
+        </a:xfrm>
+      </p:grpSpPr>
+      <p:pic>
+        <p:nvPicPr>
+          <p:cNvPr id="2" name="Picture 1">
+            <a:extLst>
+              <a:ext uri="{FF2B5EF4-FFF2-40B4-BE49-F238E27FC236}">
+                <a16:creationId xmlns:a16="http://schemas.microsoft.com/office/drawing/2014/main" id="{A20BBA0E-363F-3FEE-D397-0A83811ECCCA}"/>
+              </a:ext>
+            </a:extLst>
+          </p:cNvPr>
+          <p:cNvPicPr>
+            <a:picLocks noChangeAspect="1"/>
+          </p:cNvPicPr>
+          <p:nvPr/>
+        </p:nvPicPr>
+        <p:blipFill>
+          <a:blip r:embed="rId2">
+            <a:extLst>
+              <a:ext uri="{28A0092B-C50C-407E-A947-70E740481C1C}">
+                <a14:useLocalDpi xmlns:a14="http://schemas.microsoft.com/office/drawing/2010/main" val="0"/>
+              </a:ext>
+            </a:extLst>
+          </a:blip>
+          <a:stretch>
+            <a:fillRect/>
+          </a:stretch>
+        </p:blipFill>
+        <p:spPr>
+          <a:xfrm>
+            <a:off x="35669" y="604139"/>
+            <a:ext cx="6172625" cy="3672840"/>
+          </a:xfrm>
+          <a:prstGeom prst="rect">
+            <a:avLst/>
+          </a:prstGeom>
+        </p:spPr>
+      </p:pic>
+      <p:pic>
+        <p:nvPicPr>
+          <p:cNvPr id="3" name="Picture 2">
+            <a:extLst>
+              <a:ext uri="{FF2B5EF4-FFF2-40B4-BE49-F238E27FC236}">
+                <a16:creationId xmlns:a16="http://schemas.microsoft.com/office/drawing/2014/main" id="{39C01355-0067-DF99-CF5E-CD1B6230D531}"/>
+              </a:ext>
+            </a:extLst>
+          </p:cNvPr>
+          <p:cNvPicPr>
+            <a:picLocks noChangeAspect="1"/>
+          </p:cNvPicPr>
+          <p:nvPr/>
+        </p:nvPicPr>
+        <p:blipFill>
+          <a:blip r:embed="rId3">
+            <a:extLst>
+              <a:ext uri="{28A0092B-C50C-407E-A947-70E740481C1C}">
+                <a14:useLocalDpi xmlns:a14="http://schemas.microsoft.com/office/drawing/2010/main" val="0"/>
+              </a:ext>
+            </a:extLst>
+          </a:blip>
+          <a:stretch>
+            <a:fillRect/>
+          </a:stretch>
+        </p:blipFill>
+        <p:spPr>
+          <a:xfrm>
+            <a:off x="6096000" y="668259"/>
+            <a:ext cx="5996940" cy="3672840"/>
+          </a:xfrm>
+          <a:prstGeom prst="rect">
+            <a:avLst/>
+          </a:prstGeom>
+        </p:spPr>
+      </p:pic>
+      <p:sp>
+        <p:nvSpPr>
+          <p:cNvPr id="4" name="TextBox 3">
+            <a:extLst>
+              <a:ext uri="{FF2B5EF4-FFF2-40B4-BE49-F238E27FC236}">
+                <a16:creationId xmlns:a16="http://schemas.microsoft.com/office/drawing/2014/main" id="{A0B03847-6FFB-5D8D-C6C2-F37351EFA394}"/>
+              </a:ext>
+            </a:extLst>
+          </p:cNvPr>
+          <p:cNvSpPr txBox="1"/>
+          <p:nvPr/>
+        </p:nvSpPr>
+        <p:spPr>
+          <a:xfrm>
+            <a:off x="99060" y="4276979"/>
+            <a:ext cx="6208294" cy="774571"/>
+          </a:xfrm>
+          <a:prstGeom prst="rect">
+            <a:avLst/>
+          </a:prstGeom>
+          <a:noFill/>
+        </p:spPr>
+        <p:txBody>
+          <a:bodyPr wrap="square">
+            <a:spAutoFit/>
+          </a:bodyPr>
+          <a:lstStyle/>
+          <a:p>
+            <a:pPr algn="ctr">
+              <a:spcAft>
+                <a:spcPts val="1000"/>
+              </a:spcAft>
+            </a:pPr>
+            <a:r>
+              <a:rPr lang="en-US" sz="1800" i="1" dirty="0">
+                <a:solidFill>
+                  <a:srgbClr val="1F497D"/>
+                </a:solidFill>
+                <a:effectLst/>
+                <a:latin typeface="Calibri" panose="020F0502020204030204" pitchFamily="34" charset="0"/>
+                <a:ea typeface="Calibri" panose="020F0502020204030204" pitchFamily="34" charset="0"/>
+                <a:cs typeface="Times New Roman" panose="02020603050405020304" pitchFamily="18" charset="0"/>
+              </a:rPr>
+              <a:t>Figure 1.c: Total no. of content present in Hulu over the years.</a:t>
+            </a:r>
+            <a:endParaRPr lang="en-IN" sz="1800" i="1" dirty="0">
+              <a:solidFill>
+                <a:srgbClr val="1F497D"/>
+              </a:solidFill>
+              <a:effectLst/>
+              <a:latin typeface="Calibri" panose="020F0502020204030204" pitchFamily="34" charset="0"/>
+              <a:ea typeface="Calibri" panose="020F0502020204030204" pitchFamily="34" charset="0"/>
+              <a:cs typeface="Times New Roman" panose="02020603050405020304" pitchFamily="18" charset="0"/>
+            </a:endParaRPr>
+          </a:p>
+          <a:p>
+            <a:pPr algn="ctr">
+              <a:spcAft>
+                <a:spcPts val="1000"/>
+              </a:spcAft>
+            </a:pPr>
+            <a:endParaRPr lang="en-IN" sz="1800" i="1" dirty="0">
+              <a:solidFill>
+                <a:srgbClr val="1F497D"/>
+              </a:solidFill>
+              <a:effectLst/>
+              <a:latin typeface="Calibri" panose="020F0502020204030204" pitchFamily="34" charset="0"/>
+              <a:ea typeface="Calibri" panose="020F0502020204030204" pitchFamily="34" charset="0"/>
+              <a:cs typeface="Times New Roman" panose="02020603050405020304" pitchFamily="18" charset="0"/>
+            </a:endParaRPr>
+          </a:p>
+        </p:txBody>
+      </p:sp>
+      <p:sp>
+        <p:nvSpPr>
+          <p:cNvPr id="5" name="TextBox 4">
+            <a:extLst>
+              <a:ext uri="{FF2B5EF4-FFF2-40B4-BE49-F238E27FC236}">
+                <a16:creationId xmlns:a16="http://schemas.microsoft.com/office/drawing/2014/main" id="{08EF5E90-0BB3-767F-ED9C-9D722FD16B4D}"/>
+              </a:ext>
+            </a:extLst>
+          </p:cNvPr>
+          <p:cNvSpPr txBox="1"/>
+          <p:nvPr/>
+        </p:nvSpPr>
+        <p:spPr>
+          <a:xfrm>
+            <a:off x="6208294" y="4309039"/>
+            <a:ext cx="6208294" cy="646331"/>
+          </a:xfrm>
+          <a:prstGeom prst="rect">
+            <a:avLst/>
+          </a:prstGeom>
+          <a:noFill/>
+        </p:spPr>
+        <p:txBody>
+          <a:bodyPr wrap="square">
+            <a:spAutoFit/>
+          </a:bodyPr>
+          <a:lstStyle/>
+          <a:p>
+            <a:pPr algn="ctr">
+              <a:spcAft>
+                <a:spcPts val="1000"/>
+              </a:spcAft>
+            </a:pPr>
+            <a:r>
+              <a:rPr lang="en-US" sz="1800" i="1" dirty="0">
+                <a:solidFill>
+                  <a:srgbClr val="1F497D"/>
+                </a:solidFill>
+                <a:effectLst/>
+                <a:latin typeface="Calibri" panose="020F0502020204030204" pitchFamily="34" charset="0"/>
+                <a:ea typeface="Calibri" panose="020F0502020204030204" pitchFamily="34" charset="0"/>
+                <a:cs typeface="Times New Roman" panose="02020603050405020304" pitchFamily="18" charset="0"/>
+              </a:rPr>
+              <a:t>Figure 1.d:</a:t>
+            </a:r>
+            <a:r>
+              <a:rPr lang="en-US" sz="1800" dirty="0">
+                <a:effectLst/>
+                <a:latin typeface="Calibri" panose="020F0502020204030204" pitchFamily="34" charset="0"/>
+                <a:ea typeface="Calibri" panose="020F0502020204030204" pitchFamily="34" charset="0"/>
+                <a:cs typeface="Times New Roman" panose="02020603050405020304" pitchFamily="18" charset="0"/>
+              </a:rPr>
+              <a:t> Total no. of content present in Disney+ Hotstar over the years.</a:t>
+            </a:r>
+            <a:endParaRPr lang="en-IN" sz="1800" i="1" dirty="0">
+              <a:solidFill>
+                <a:srgbClr val="1F497D"/>
+              </a:solidFill>
+              <a:effectLst/>
+              <a:latin typeface="Calibri" panose="020F0502020204030204" pitchFamily="34" charset="0"/>
+              <a:ea typeface="Calibri" panose="020F0502020204030204" pitchFamily="34" charset="0"/>
+              <a:cs typeface="Times New Roman" panose="02020603050405020304" pitchFamily="18" charset="0"/>
+            </a:endParaRPr>
+          </a:p>
+        </p:txBody>
+      </p:sp>
+    </p:spTree>
+    <p:extLst>
+      <p:ext uri="{BB962C8B-B14F-4D97-AF65-F5344CB8AC3E}">
+        <p14:creationId xmlns:p14="http://schemas.microsoft.com/office/powerpoint/2010/main" val="2647533628"/>
       </p:ext>
     </p:extLst>
   </p:cSld>
